--- a/Deutsch/Referate/Ritter/Wie wurde man Ritter.pptx
+++ b/Deutsch/Referate/Ritter/Wie wurde man Ritter.pptx
@@ -6,8 +6,13 @@
   </p:sldMasterIdLst>
   <p:sldIdLst>
     <p:sldId id="258" r:id="rId2"/>
-    <p:sldId id="256" r:id="rId3"/>
-    <p:sldId id="257" r:id="rId4"/>
+    <p:sldId id="259" r:id="rId3"/>
+    <p:sldId id="260" r:id="rId4"/>
+    <p:sldId id="262" r:id="rId5"/>
+    <p:sldId id="263" r:id="rId6"/>
+    <p:sldId id="256" r:id="rId7"/>
+    <p:sldId id="261" r:id="rId8"/>
+    <p:sldId id="257" r:id="rId9"/>
   </p:sldIdLst>
   <p:sldSz cx="12192000" cy="6858000"/>
   <p:notesSz cx="6858000" cy="9144000"/>
@@ -114,21 +119,410 @@
 </p:presentation>
 </file>
 
+<file path=ppt/revisionInfo.xml><?xml version="1.0" encoding="utf-8"?>
+<p1510:revInfo xmlns:a="http://schemas.openxmlformats.org/drawingml/2006/main" xmlns:r="http://schemas.openxmlformats.org/officeDocument/2006/relationships" xmlns:p1510="http://schemas.microsoft.com/office/powerpoint/2015/10/main">
+  <p1510:revLst>
+    <p1510:client id="{0B6BD7B3-359B-4AB9-8C52-42C56A788E66}" v="25" dt="2024-10-24T10:12:53.031"/>
+  </p1510:revLst>
+</p1510:revInfo>
+</file>
+
 <file path=ppt/changesInfos/changesInfo1.xml><?xml version="1.0" encoding="utf-8"?>
 <pc:chgInfo xmlns:a="http://schemas.openxmlformats.org/drawingml/2006/main" xmlns:r="http://schemas.openxmlformats.org/officeDocument/2006/relationships" xmlns:ac="http://schemas.microsoft.com/office/drawing/2013/main/command" xmlns:pc="http://schemas.microsoft.com/office/powerpoint/2013/main/command">
   <pc:docChgLst>
     <pc:chgData name="lukasgrunzweil@gmail.com" userId="658814fff265c26e" providerId="LiveId" clId="{0B6BD7B3-359B-4AB9-8C52-42C56A788E66}"/>
-    <pc:docChg chg="addSld delSld">
-      <pc:chgData name="lukasgrunzweil@gmail.com" userId="658814fff265c26e" providerId="LiveId" clId="{0B6BD7B3-359B-4AB9-8C52-42C56A788E66}" dt="2024-10-21T11:01:10.990" v="1" actId="47"/>
+    <pc:docChg chg="undo redo custSel addSld delSld modSld sldOrd">
+      <pc:chgData name="lukasgrunzweil@gmail.com" userId="658814fff265c26e" providerId="LiveId" clId="{0B6BD7B3-359B-4AB9-8C52-42C56A788E66}" dt="2024-10-24T10:13:26.330" v="409" actId="1076"/>
       <pc:docMkLst>
         <pc:docMk/>
       </pc:docMkLst>
+      <pc:sldChg chg="addSp delSp modSp del mod">
+        <pc:chgData name="lukasgrunzweil@gmail.com" userId="658814fff265c26e" providerId="LiveId" clId="{0B6BD7B3-359B-4AB9-8C52-42C56A788E66}" dt="2024-10-24T10:07:01.390" v="348" actId="47"/>
+        <pc:sldMkLst>
+          <pc:docMk/>
+          <pc:sldMk cId="2851004316" sldId="256"/>
+        </pc:sldMkLst>
+        <pc:spChg chg="del mod">
+          <ac:chgData name="lukasgrunzweil@gmail.com" userId="658814fff265c26e" providerId="LiveId" clId="{0B6BD7B3-359B-4AB9-8C52-42C56A788E66}" dt="2024-10-24T10:06:51.797" v="344" actId="21"/>
+          <ac:spMkLst>
+            <pc:docMk/>
+            <pc:sldMk cId="2851004316" sldId="256"/>
+            <ac:spMk id="2" creationId="{B7A7B910-8438-6538-D9F4-16EEF4A34507}"/>
+          </ac:spMkLst>
+        </pc:spChg>
+        <pc:spChg chg="del mod">
+          <ac:chgData name="lukasgrunzweil@gmail.com" userId="658814fff265c26e" providerId="LiveId" clId="{0B6BD7B3-359B-4AB9-8C52-42C56A788E66}" dt="2024-10-24T10:06:56.569" v="345" actId="21"/>
+          <ac:spMkLst>
+            <pc:docMk/>
+            <pc:sldMk cId="2851004316" sldId="256"/>
+            <ac:spMk id="3" creationId="{FF937654-532D-DBD6-2B72-D4AA9A29F64D}"/>
+          </ac:spMkLst>
+        </pc:spChg>
+        <pc:spChg chg="add del mod">
+          <ac:chgData name="lukasgrunzweil@gmail.com" userId="658814fff265c26e" providerId="LiveId" clId="{0B6BD7B3-359B-4AB9-8C52-42C56A788E66}" dt="2024-10-24T10:06:59.111" v="346" actId="21"/>
+          <ac:spMkLst>
+            <pc:docMk/>
+            <pc:sldMk cId="2851004316" sldId="256"/>
+            <ac:spMk id="4" creationId="{618C2166-35BF-5849-AA53-F2DF56802BE3}"/>
+          </ac:spMkLst>
+        </pc:spChg>
+        <pc:spChg chg="add mod">
+          <ac:chgData name="lukasgrunzweil@gmail.com" userId="658814fff265c26e" providerId="LiveId" clId="{0B6BD7B3-359B-4AB9-8C52-42C56A788E66}" dt="2024-10-24T10:06:51.797" v="344" actId="21"/>
+          <ac:spMkLst>
+            <pc:docMk/>
+            <pc:sldMk cId="2851004316" sldId="256"/>
+            <ac:spMk id="6" creationId="{73CFAB3D-B174-1785-528F-AFB27B2110BF}"/>
+          </ac:spMkLst>
+        </pc:spChg>
+        <pc:spChg chg="add mod">
+          <ac:chgData name="lukasgrunzweil@gmail.com" userId="658814fff265c26e" providerId="LiveId" clId="{0B6BD7B3-359B-4AB9-8C52-42C56A788E66}" dt="2024-10-24T10:06:56.569" v="345" actId="21"/>
+          <ac:spMkLst>
+            <pc:docMk/>
+            <pc:sldMk cId="2851004316" sldId="256"/>
+            <ac:spMk id="8" creationId="{180A7214-9C75-49C0-67FC-1038A7C1C95D}"/>
+          </ac:spMkLst>
+        </pc:spChg>
+        <pc:picChg chg="del">
+          <ac:chgData name="lukasgrunzweil@gmail.com" userId="658814fff265c26e" providerId="LiveId" clId="{0B6BD7B3-359B-4AB9-8C52-42C56A788E66}" dt="2024-10-24T10:06:45.312" v="343" actId="478"/>
+          <ac:picMkLst>
+            <pc:docMk/>
+            <pc:sldMk cId="2851004316" sldId="256"/>
+            <ac:picMk id="1026" creationId="{EDE1AA72-20DF-9C92-630F-98F1C5FB7F30}"/>
+          </ac:picMkLst>
+        </pc:picChg>
+      </pc:sldChg>
+      <pc:sldChg chg="addSp delSp modSp mod">
+        <pc:chgData name="lukasgrunzweil@gmail.com" userId="658814fff265c26e" providerId="LiveId" clId="{0B6BD7B3-359B-4AB9-8C52-42C56A788E66}" dt="2024-10-24T10:06:27.644" v="342" actId="1076"/>
+        <pc:sldMkLst>
+          <pc:docMk/>
+          <pc:sldMk cId="1112854327" sldId="258"/>
+        </pc:sldMkLst>
+        <pc:picChg chg="add del mod">
+          <ac:chgData name="lukasgrunzweil@gmail.com" userId="658814fff265c26e" providerId="LiveId" clId="{0B6BD7B3-359B-4AB9-8C52-42C56A788E66}" dt="2024-10-24T10:01:01.958" v="318" actId="478"/>
+          <ac:picMkLst>
+            <pc:docMk/>
+            <pc:sldMk cId="1112854327" sldId="258"/>
+            <ac:picMk id="5" creationId="{701E8560-61B8-76BA-7F90-4E4952361F6C}"/>
+          </ac:picMkLst>
+        </pc:picChg>
+        <pc:picChg chg="add mod ord">
+          <ac:chgData name="lukasgrunzweil@gmail.com" userId="658814fff265c26e" providerId="LiveId" clId="{0B6BD7B3-359B-4AB9-8C52-42C56A788E66}" dt="2024-10-24T10:05:47.957" v="331" actId="171"/>
+          <ac:picMkLst>
+            <pc:docMk/>
+            <pc:sldMk cId="1112854327" sldId="258"/>
+            <ac:picMk id="7" creationId="{733B7C05-B10E-29F1-C174-6D751F6A76CB}"/>
+          </ac:picMkLst>
+        </pc:picChg>
+        <pc:picChg chg="add mod">
+          <ac:chgData name="lukasgrunzweil@gmail.com" userId="658814fff265c26e" providerId="LiveId" clId="{0B6BD7B3-359B-4AB9-8C52-42C56A788E66}" dt="2024-10-24T10:06:27.644" v="342" actId="1076"/>
+          <ac:picMkLst>
+            <pc:docMk/>
+            <pc:sldMk cId="1112854327" sldId="258"/>
+            <ac:picMk id="9" creationId="{FE34E505-1FAF-DF51-EAE1-F8327D946E6B}"/>
+          </ac:picMkLst>
+        </pc:picChg>
+        <pc:picChg chg="del mod">
+          <ac:chgData name="lukasgrunzweil@gmail.com" userId="658814fff265c26e" providerId="LiveId" clId="{0B6BD7B3-359B-4AB9-8C52-42C56A788E66}" dt="2024-10-24T10:05:21.847" v="319" actId="478"/>
+          <ac:picMkLst>
+            <pc:docMk/>
+            <pc:sldMk cId="1112854327" sldId="258"/>
+            <ac:picMk id="1026" creationId="{EDE1AA72-20DF-9C92-630F-98F1C5FB7F30}"/>
+          </ac:picMkLst>
+        </pc:picChg>
+      </pc:sldChg>
+      <pc:sldChg chg="add del">
+        <pc:chgData name="lukasgrunzweil@gmail.com" userId="658814fff265c26e" providerId="LiveId" clId="{0B6BD7B3-359B-4AB9-8C52-42C56A788E66}" dt="2024-10-24T08:36:16.361" v="292" actId="2890"/>
+        <pc:sldMkLst>
+          <pc:docMk/>
+          <pc:sldMk cId="447953137" sldId="259"/>
+        </pc:sldMkLst>
+      </pc:sldChg>
+      <pc:sldChg chg="new del">
+        <pc:chgData name="lukasgrunzweil@gmail.com" userId="658814fff265c26e" providerId="LiveId" clId="{0B6BD7B3-359B-4AB9-8C52-42C56A788E66}" dt="2024-10-24T08:30:02.849" v="9" actId="47"/>
+        <pc:sldMkLst>
+          <pc:docMk/>
+          <pc:sldMk cId="609545518" sldId="259"/>
+        </pc:sldMkLst>
+      </pc:sldChg>
+      <pc:sldChg chg="new del">
+        <pc:chgData name="lukasgrunzweil@gmail.com" userId="658814fff265c26e" providerId="LiveId" clId="{0B6BD7B3-359B-4AB9-8C52-42C56A788E66}" dt="2024-10-24T08:29:43.876" v="3" actId="47"/>
+        <pc:sldMkLst>
+          <pc:docMk/>
+          <pc:sldMk cId="774963488" sldId="259"/>
+        </pc:sldMkLst>
+      </pc:sldChg>
+      <pc:sldChg chg="add del">
+        <pc:chgData name="lukasgrunzweil@gmail.com" userId="658814fff265c26e" providerId="LiveId" clId="{0B6BD7B3-359B-4AB9-8C52-42C56A788E66}" dt="2024-10-24T08:30:09.788" v="11" actId="2890"/>
+        <pc:sldMkLst>
+          <pc:docMk/>
+          <pc:sldMk cId="1005100133" sldId="259"/>
+        </pc:sldMkLst>
+      </pc:sldChg>
+      <pc:sldChg chg="addSp delSp modSp add del mod">
+        <pc:chgData name="lukasgrunzweil@gmail.com" userId="658814fff265c26e" providerId="LiveId" clId="{0B6BD7B3-359B-4AB9-8C52-42C56A788E66}" dt="2024-10-24T10:07:00.506" v="347" actId="47"/>
+        <pc:sldMkLst>
+          <pc:docMk/>
+          <pc:sldMk cId="1310222970" sldId="259"/>
+        </pc:sldMkLst>
+        <pc:spChg chg="mod">
+          <ac:chgData name="lukasgrunzweil@gmail.com" userId="658814fff265c26e" providerId="LiveId" clId="{0B6BD7B3-359B-4AB9-8C52-42C56A788E66}" dt="2024-10-24T08:36:59.356" v="307" actId="1076"/>
+          <ac:spMkLst>
+            <pc:docMk/>
+            <pc:sldMk cId="1310222970" sldId="259"/>
+            <ac:spMk id="2" creationId="{B7A7B910-8438-6538-D9F4-16EEF4A34507}"/>
+          </ac:spMkLst>
+        </pc:spChg>
+        <pc:spChg chg="mod">
+          <ac:chgData name="lukasgrunzweil@gmail.com" userId="658814fff265c26e" providerId="LiveId" clId="{0B6BD7B3-359B-4AB9-8C52-42C56A788E66}" dt="2024-10-24T08:37:04.149" v="308" actId="1076"/>
+          <ac:spMkLst>
+            <pc:docMk/>
+            <pc:sldMk cId="1310222970" sldId="259"/>
+            <ac:spMk id="3" creationId="{FF937654-532D-DBD6-2B72-D4AA9A29F64D}"/>
+          </ac:spMkLst>
+        </pc:spChg>
+        <pc:spChg chg="mod">
+          <ac:chgData name="lukasgrunzweil@gmail.com" userId="658814fff265c26e" providerId="LiveId" clId="{0B6BD7B3-359B-4AB9-8C52-42C56A788E66}" dt="2024-10-24T08:36:54.743" v="306" actId="1076"/>
+          <ac:spMkLst>
+            <pc:docMk/>
+            <pc:sldMk cId="1310222970" sldId="259"/>
+            <ac:spMk id="4" creationId="{618C2166-35BF-5849-AA53-F2DF56802BE3}"/>
+          </ac:spMkLst>
+        </pc:spChg>
+        <pc:picChg chg="add del">
+          <ac:chgData name="lukasgrunzweil@gmail.com" userId="658814fff265c26e" providerId="LiveId" clId="{0B6BD7B3-359B-4AB9-8C52-42C56A788E66}" dt="2024-10-24T09:57:08.365" v="317" actId="21"/>
+          <ac:picMkLst>
+            <pc:docMk/>
+            <pc:sldMk cId="1310222970" sldId="259"/>
+            <ac:picMk id="1026" creationId="{EDE1AA72-20DF-9C92-630F-98F1C5FB7F30}"/>
+          </ac:picMkLst>
+        </pc:picChg>
+      </pc:sldChg>
+      <pc:sldChg chg="addSp delSp modSp add mod">
+        <pc:chgData name="lukasgrunzweil@gmail.com" userId="658814fff265c26e" providerId="LiveId" clId="{0B6BD7B3-359B-4AB9-8C52-42C56A788E66}" dt="2024-10-24T10:13:26.330" v="409" actId="1076"/>
+        <pc:sldMkLst>
+          <pc:docMk/>
+          <pc:sldMk cId="1415072298" sldId="259"/>
+        </pc:sldMkLst>
+        <pc:spChg chg="mod">
+          <ac:chgData name="lukasgrunzweil@gmail.com" userId="658814fff265c26e" providerId="LiveId" clId="{0B6BD7B3-359B-4AB9-8C52-42C56A788E66}" dt="2024-10-24T10:09:11.644" v="359" actId="1076"/>
+          <ac:spMkLst>
+            <pc:docMk/>
+            <pc:sldMk cId="1415072298" sldId="259"/>
+            <ac:spMk id="2" creationId="{B7A7B910-8438-6538-D9F4-16EEF4A34507}"/>
+          </ac:spMkLst>
+        </pc:spChg>
+        <pc:spChg chg="mod">
+          <ac:chgData name="lukasgrunzweil@gmail.com" userId="658814fff265c26e" providerId="LiveId" clId="{0B6BD7B3-359B-4AB9-8C52-42C56A788E66}" dt="2024-10-24T10:09:18.475" v="360" actId="1076"/>
+          <ac:spMkLst>
+            <pc:docMk/>
+            <pc:sldMk cId="1415072298" sldId="259"/>
+            <ac:spMk id="3" creationId="{FF937654-532D-DBD6-2B72-D4AA9A29F64D}"/>
+          </ac:spMkLst>
+        </pc:spChg>
+        <pc:spChg chg="add del mod">
+          <ac:chgData name="lukasgrunzweil@gmail.com" userId="658814fff265c26e" providerId="LiveId" clId="{0B6BD7B3-359B-4AB9-8C52-42C56A788E66}" dt="2024-10-24T10:12:52.798" v="404" actId="478"/>
+          <ac:spMkLst>
+            <pc:docMk/>
+            <pc:sldMk cId="1415072298" sldId="259"/>
+            <ac:spMk id="4" creationId="{E0703D69-B647-1CE8-C34A-A644A3B82BE9}"/>
+          </ac:spMkLst>
+        </pc:spChg>
+        <pc:spChg chg="mod">
+          <ac:chgData name="lukasgrunzweil@gmail.com" userId="658814fff265c26e" providerId="LiveId" clId="{0B6BD7B3-359B-4AB9-8C52-42C56A788E66}" dt="2024-10-24T10:12:53.031" v="405"/>
+          <ac:spMkLst>
+            <pc:docMk/>
+            <pc:sldMk cId="1415072298" sldId="259"/>
+            <ac:spMk id="6" creationId="{A3DF8285-D228-50FA-64A0-A2270FD8D505}"/>
+          </ac:spMkLst>
+        </pc:spChg>
+        <pc:grpChg chg="add mod">
+          <ac:chgData name="lukasgrunzweil@gmail.com" userId="658814fff265c26e" providerId="LiveId" clId="{0B6BD7B3-359B-4AB9-8C52-42C56A788E66}" dt="2024-10-24T10:13:26.330" v="409" actId="1076"/>
+          <ac:grpSpMkLst>
+            <pc:docMk/>
+            <pc:sldMk cId="1415072298" sldId="259"/>
+            <ac:grpSpMk id="5" creationId="{06B36B2D-7994-4C47-37DF-906AF6E42E94}"/>
+          </ac:grpSpMkLst>
+        </pc:grpChg>
+        <pc:picChg chg="mod">
+          <ac:chgData name="lukasgrunzweil@gmail.com" userId="658814fff265c26e" providerId="LiveId" clId="{0B6BD7B3-359B-4AB9-8C52-42C56A788E66}" dt="2024-10-24T10:12:53.031" v="405"/>
+          <ac:picMkLst>
+            <pc:docMk/>
+            <pc:sldMk cId="1415072298" sldId="259"/>
+            <ac:picMk id="8" creationId="{46C1E8D6-44EB-09C1-87A0-B9AD7EE2B15F}"/>
+          </ac:picMkLst>
+        </pc:picChg>
+        <pc:picChg chg="mod">
+          <ac:chgData name="lukasgrunzweil@gmail.com" userId="658814fff265c26e" providerId="LiveId" clId="{0B6BD7B3-359B-4AB9-8C52-42C56A788E66}" dt="2024-10-24T10:09:05.727" v="358" actId="1076"/>
+          <ac:picMkLst>
+            <pc:docMk/>
+            <pc:sldMk cId="1415072298" sldId="259"/>
+            <ac:picMk id="9" creationId="{FE34E505-1FAF-DF51-EAE1-F8327D946E6B}"/>
+          </ac:picMkLst>
+        </pc:picChg>
+        <pc:picChg chg="mod">
+          <ac:chgData name="lukasgrunzweil@gmail.com" userId="658814fff265c26e" providerId="LiveId" clId="{0B6BD7B3-359B-4AB9-8C52-42C56A788E66}" dt="2024-10-24T10:12:53.031" v="405"/>
+          <ac:picMkLst>
+            <pc:docMk/>
+            <pc:sldMk cId="1415072298" sldId="259"/>
+            <ac:picMk id="10" creationId="{5B4F8012-838A-6D39-AA35-17D57CFD43BB}"/>
+          </ac:picMkLst>
+        </pc:picChg>
+        <pc:picChg chg="mod">
+          <ac:chgData name="lukasgrunzweil@gmail.com" userId="658814fff265c26e" providerId="LiveId" clId="{0B6BD7B3-359B-4AB9-8C52-42C56A788E66}" dt="2024-10-24T10:12:53.031" v="405"/>
+          <ac:picMkLst>
+            <pc:docMk/>
+            <pc:sldMk cId="1415072298" sldId="259"/>
+            <ac:picMk id="11" creationId="{EE7ABFAF-6CB2-D2FB-E53A-2EE5D994A65B}"/>
+          </ac:picMkLst>
+        </pc:picChg>
+        <pc:picChg chg="mod">
+          <ac:chgData name="lukasgrunzweil@gmail.com" userId="658814fff265c26e" providerId="LiveId" clId="{0B6BD7B3-359B-4AB9-8C52-42C56A788E66}" dt="2024-10-24T10:12:53.031" v="405"/>
+          <ac:picMkLst>
+            <pc:docMk/>
+            <pc:sldMk cId="1415072298" sldId="259"/>
+            <ac:picMk id="12" creationId="{1D377EBF-FB09-8BEB-91B9-3F193FFFC9D4}"/>
+          </ac:picMkLst>
+        </pc:picChg>
+      </pc:sldChg>
+      <pc:sldChg chg="add del ord">
+        <pc:chgData name="lukasgrunzweil@gmail.com" userId="658814fff265c26e" providerId="LiveId" clId="{0B6BD7B3-359B-4AB9-8C52-42C56A788E66}" dt="2024-10-24T08:30:00.133" v="7" actId="47"/>
+        <pc:sldMkLst>
+          <pc:docMk/>
+          <pc:sldMk cId="1456406855" sldId="259"/>
+        </pc:sldMkLst>
+      </pc:sldChg>
+      <pc:sldChg chg="addSp modSp add del mod">
+        <pc:chgData name="lukasgrunzweil@gmail.com" userId="658814fff265c26e" providerId="LiveId" clId="{0B6BD7B3-359B-4AB9-8C52-42C56A788E66}" dt="2024-10-24T08:34:30.053" v="155" actId="47"/>
+        <pc:sldMkLst>
+          <pc:docMk/>
+          <pc:sldMk cId="3064753741" sldId="259"/>
+        </pc:sldMkLst>
+        <pc:spChg chg="mod">
+          <ac:chgData name="lukasgrunzweil@gmail.com" userId="658814fff265c26e" providerId="LiveId" clId="{0B6BD7B3-359B-4AB9-8C52-42C56A788E66}" dt="2024-10-24T08:30:32.756" v="19" actId="1076"/>
+          <ac:spMkLst>
+            <pc:docMk/>
+            <pc:sldMk cId="3064753741" sldId="259"/>
+            <ac:spMk id="2" creationId="{B7A7B910-8438-6538-D9F4-16EEF4A34507}"/>
+          </ac:spMkLst>
+        </pc:spChg>
+        <pc:spChg chg="mod">
+          <ac:chgData name="lukasgrunzweil@gmail.com" userId="658814fff265c26e" providerId="LiveId" clId="{0B6BD7B3-359B-4AB9-8C52-42C56A788E66}" dt="2024-10-24T08:30:39.247" v="20" actId="1076"/>
+          <ac:spMkLst>
+            <pc:docMk/>
+            <pc:sldMk cId="3064753741" sldId="259"/>
+            <ac:spMk id="3" creationId="{FF937654-532D-DBD6-2B72-D4AA9A29F64D}"/>
+          </ac:spMkLst>
+        </pc:spChg>
+        <pc:spChg chg="add mod">
+          <ac:chgData name="lukasgrunzweil@gmail.com" userId="658814fff265c26e" providerId="LiveId" clId="{0B6BD7B3-359B-4AB9-8C52-42C56A788E66}" dt="2024-10-24T08:32:03.110" v="150" actId="403"/>
+          <ac:spMkLst>
+            <pc:docMk/>
+            <pc:sldMk cId="3064753741" sldId="259"/>
+            <ac:spMk id="4" creationId="{1234BD01-B33C-B0DD-CA92-48D351A3BDA8}"/>
+          </ac:spMkLst>
+        </pc:spChg>
+        <pc:picChg chg="mod">
+          <ac:chgData name="lukasgrunzweil@gmail.com" userId="658814fff265c26e" providerId="LiveId" clId="{0B6BD7B3-359B-4AB9-8C52-42C56A788E66}" dt="2024-10-24T08:34:26.168" v="154" actId="1076"/>
+          <ac:picMkLst>
+            <pc:docMk/>
+            <pc:sldMk cId="3064753741" sldId="259"/>
+            <ac:picMk id="1026" creationId="{EDE1AA72-20DF-9C92-630F-98F1C5FB7F30}"/>
+          </ac:picMkLst>
+        </pc:picChg>
+      </pc:sldChg>
       <pc:sldChg chg="new del">
         <pc:chgData name="lukasgrunzweil@gmail.com" userId="658814fff265c26e" providerId="LiveId" clId="{0B6BD7B3-359B-4AB9-8C52-42C56A788E66}" dt="2024-10-21T11:01:10.990" v="1" actId="47"/>
         <pc:sldMkLst>
           <pc:docMk/>
           <pc:sldMk cId="3958139493" sldId="259"/>
         </pc:sldMkLst>
+      </pc:sldChg>
+      <pc:sldChg chg="addSp modSp add mod">
+        <pc:chgData name="lukasgrunzweil@gmail.com" userId="658814fff265c26e" providerId="LiveId" clId="{0B6BD7B3-359B-4AB9-8C52-42C56A788E66}" dt="2024-10-24T10:12:46.604" v="402" actId="164"/>
+        <pc:sldMkLst>
+          <pc:docMk/>
+          <pc:sldMk cId="4264789475" sldId="260"/>
+        </pc:sldMkLst>
+        <pc:spChg chg="mod">
+          <ac:chgData name="lukasgrunzweil@gmail.com" userId="658814fff265c26e" providerId="LiveId" clId="{0B6BD7B3-359B-4AB9-8C52-42C56A788E66}" dt="2024-10-24T10:09:56.292" v="366" actId="1076"/>
+          <ac:spMkLst>
+            <pc:docMk/>
+            <pc:sldMk cId="4264789475" sldId="260"/>
+            <ac:spMk id="2" creationId="{B7A7B910-8438-6538-D9F4-16EEF4A34507}"/>
+          </ac:spMkLst>
+        </pc:spChg>
+        <pc:spChg chg="mod">
+          <ac:chgData name="lukasgrunzweil@gmail.com" userId="658814fff265c26e" providerId="LiveId" clId="{0B6BD7B3-359B-4AB9-8C52-42C56A788E66}" dt="2024-10-24T10:10:01.201" v="367" actId="1076"/>
+          <ac:spMkLst>
+            <pc:docMk/>
+            <pc:sldMk cId="4264789475" sldId="260"/>
+            <ac:spMk id="3" creationId="{FF937654-532D-DBD6-2B72-D4AA9A29F64D}"/>
+          </ac:spMkLst>
+        </pc:spChg>
+        <pc:spChg chg="add mod">
+          <ac:chgData name="lukasgrunzweil@gmail.com" userId="658814fff265c26e" providerId="LiveId" clId="{0B6BD7B3-359B-4AB9-8C52-42C56A788E66}" dt="2024-10-24T10:12:46.604" v="402" actId="164"/>
+          <ac:spMkLst>
+            <pc:docMk/>
+            <pc:sldMk cId="4264789475" sldId="260"/>
+            <ac:spMk id="4" creationId="{618C2166-35BF-5849-AA53-F2DF56802BE3}"/>
+          </ac:spMkLst>
+        </pc:spChg>
+        <pc:grpChg chg="add mod">
+          <ac:chgData name="lukasgrunzweil@gmail.com" userId="658814fff265c26e" providerId="LiveId" clId="{0B6BD7B3-359B-4AB9-8C52-42C56A788E66}" dt="2024-10-24T10:12:46.604" v="402" actId="164"/>
+          <ac:grpSpMkLst>
+            <pc:docMk/>
+            <pc:sldMk cId="4264789475" sldId="260"/>
+            <ac:grpSpMk id="12" creationId="{9447C687-C3D6-C52F-12A4-B9F0E93F1BD5}"/>
+          </ac:grpSpMkLst>
+        </pc:grpChg>
+        <pc:picChg chg="add mod">
+          <ac:chgData name="lukasgrunzweil@gmail.com" userId="658814fff265c26e" providerId="LiveId" clId="{0B6BD7B3-359B-4AB9-8C52-42C56A788E66}" dt="2024-10-24T10:12:46.604" v="402" actId="164"/>
+          <ac:picMkLst>
+            <pc:docMk/>
+            <pc:sldMk cId="4264789475" sldId="260"/>
+            <ac:picMk id="6" creationId="{B8A7E176-EA51-CF87-8951-8F43201B0D7A}"/>
+          </ac:picMkLst>
+        </pc:picChg>
+        <pc:picChg chg="mod">
+          <ac:chgData name="lukasgrunzweil@gmail.com" userId="658814fff265c26e" providerId="LiveId" clId="{0B6BD7B3-359B-4AB9-8C52-42C56A788E66}" dt="2024-10-24T10:12:34.865" v="399" actId="1076"/>
+          <ac:picMkLst>
+            <pc:docMk/>
+            <pc:sldMk cId="4264789475" sldId="260"/>
+            <ac:picMk id="7" creationId="{733B7C05-B10E-29F1-C174-6D751F6A76CB}"/>
+          </ac:picMkLst>
+        </pc:picChg>
+        <pc:picChg chg="add mod">
+          <ac:chgData name="lukasgrunzweil@gmail.com" userId="658814fff265c26e" providerId="LiveId" clId="{0B6BD7B3-359B-4AB9-8C52-42C56A788E66}" dt="2024-10-24T10:12:46.604" v="402" actId="164"/>
+          <ac:picMkLst>
+            <pc:docMk/>
+            <pc:sldMk cId="4264789475" sldId="260"/>
+            <ac:picMk id="8" creationId="{21D347AB-A5FB-D9ED-AF17-FDEDEA79B220}"/>
+          </ac:picMkLst>
+        </pc:picChg>
+        <pc:picChg chg="mod ord">
+          <ac:chgData name="lukasgrunzweil@gmail.com" userId="658814fff265c26e" providerId="LiveId" clId="{0B6BD7B3-359B-4AB9-8C52-42C56A788E66}" dt="2024-10-24T10:12:32.524" v="397" actId="1076"/>
+          <ac:picMkLst>
+            <pc:docMk/>
+            <pc:sldMk cId="4264789475" sldId="260"/>
+            <ac:picMk id="9" creationId="{FE34E505-1FAF-DF51-EAE1-F8327D946E6B}"/>
+          </ac:picMkLst>
+        </pc:picChg>
+        <pc:picChg chg="add mod">
+          <ac:chgData name="lukasgrunzweil@gmail.com" userId="658814fff265c26e" providerId="LiveId" clId="{0B6BD7B3-359B-4AB9-8C52-42C56A788E66}" dt="2024-10-24T10:12:46.604" v="402" actId="164"/>
+          <ac:picMkLst>
+            <pc:docMk/>
+            <pc:sldMk cId="4264789475" sldId="260"/>
+            <ac:picMk id="10" creationId="{9BBAF95D-312C-9C01-8DB9-88970EA22D20}"/>
+          </ac:picMkLst>
+        </pc:picChg>
+        <pc:picChg chg="add mod">
+          <ac:chgData name="lukasgrunzweil@gmail.com" userId="658814fff265c26e" providerId="LiveId" clId="{0B6BD7B3-359B-4AB9-8C52-42C56A788E66}" dt="2024-10-24T10:12:46.604" v="402" actId="164"/>
+          <ac:picMkLst>
+            <pc:docMk/>
+            <pc:sldMk cId="4264789475" sldId="260"/>
+            <ac:picMk id="11" creationId="{39D04FF7-E3BD-0839-CFA1-DBF0AC8CCD59}"/>
+          </ac:picMkLst>
+        </pc:picChg>
       </pc:sldChg>
     </pc:docChg>
   </pc:docChgLst>
@@ -284,7 +678,7 @@
           <a:p>
             <a:fld id="{644C6D97-1B40-4373-A934-0DA88AF1B610}" type="datetimeFigureOut">
               <a:rPr lang="en-GB" smtClean="0"/>
-              <a:t>21/10/2024</a:t>
+              <a:t>04/11/2024</a:t>
             </a:fld>
             <a:endParaRPr lang="en-GB"/>
           </a:p>
@@ -338,7 +732,7 @@
           <a:p>
             <a:fld id="{692C4385-8794-49CC-9278-0486DB1ED018}" type="slidenum">
               <a:rPr lang="en-GB" smtClean="0"/>
-              <a:t>‹#›</a:t>
+              <a:t>‹Nr.›</a:t>
             </a:fld>
             <a:endParaRPr lang="en-GB"/>
           </a:p>
@@ -484,7 +878,7 @@
           <a:p>
             <a:fld id="{644C6D97-1B40-4373-A934-0DA88AF1B610}" type="datetimeFigureOut">
               <a:rPr lang="en-GB" smtClean="0"/>
-              <a:t>21/10/2024</a:t>
+              <a:t>04/11/2024</a:t>
             </a:fld>
             <a:endParaRPr lang="en-GB"/>
           </a:p>
@@ -538,7 +932,7 @@
           <a:p>
             <a:fld id="{692C4385-8794-49CC-9278-0486DB1ED018}" type="slidenum">
               <a:rPr lang="en-GB" smtClean="0"/>
-              <a:t>‹#›</a:t>
+              <a:t>‹Nr.›</a:t>
             </a:fld>
             <a:endParaRPr lang="en-GB"/>
           </a:p>
@@ -694,7 +1088,7 @@
           <a:p>
             <a:fld id="{644C6D97-1B40-4373-A934-0DA88AF1B610}" type="datetimeFigureOut">
               <a:rPr lang="en-GB" smtClean="0"/>
-              <a:t>21/10/2024</a:t>
+              <a:t>04/11/2024</a:t>
             </a:fld>
             <a:endParaRPr lang="en-GB"/>
           </a:p>
@@ -748,7 +1142,7 @@
           <a:p>
             <a:fld id="{692C4385-8794-49CC-9278-0486DB1ED018}" type="slidenum">
               <a:rPr lang="en-GB" smtClean="0"/>
-              <a:t>‹#›</a:t>
+              <a:t>‹Nr.›</a:t>
             </a:fld>
             <a:endParaRPr lang="en-GB"/>
           </a:p>
@@ -894,7 +1288,7 @@
           <a:p>
             <a:fld id="{644C6D97-1B40-4373-A934-0DA88AF1B610}" type="datetimeFigureOut">
               <a:rPr lang="en-GB" smtClean="0"/>
-              <a:t>21/10/2024</a:t>
+              <a:t>04/11/2024</a:t>
             </a:fld>
             <a:endParaRPr lang="en-GB"/>
           </a:p>
@@ -948,7 +1342,7 @@
           <a:p>
             <a:fld id="{692C4385-8794-49CC-9278-0486DB1ED018}" type="slidenum">
               <a:rPr lang="en-GB" smtClean="0"/>
-              <a:t>‹#›</a:t>
+              <a:t>‹Nr.›</a:t>
             </a:fld>
             <a:endParaRPr lang="en-GB"/>
           </a:p>
@@ -1170,7 +1564,7 @@
           <a:p>
             <a:fld id="{644C6D97-1B40-4373-A934-0DA88AF1B610}" type="datetimeFigureOut">
               <a:rPr lang="en-GB" smtClean="0"/>
-              <a:t>21/10/2024</a:t>
+              <a:t>04/11/2024</a:t>
             </a:fld>
             <a:endParaRPr lang="en-GB"/>
           </a:p>
@@ -1224,7 +1618,7 @@
           <a:p>
             <a:fld id="{692C4385-8794-49CC-9278-0486DB1ED018}" type="slidenum">
               <a:rPr lang="en-GB" smtClean="0"/>
-              <a:t>‹#›</a:t>
+              <a:t>‹Nr.›</a:t>
             </a:fld>
             <a:endParaRPr lang="en-GB"/>
           </a:p>
@@ -1438,7 +1832,7 @@
           <a:p>
             <a:fld id="{644C6D97-1B40-4373-A934-0DA88AF1B610}" type="datetimeFigureOut">
               <a:rPr lang="en-GB" smtClean="0"/>
-              <a:t>21/10/2024</a:t>
+              <a:t>04/11/2024</a:t>
             </a:fld>
             <a:endParaRPr lang="en-GB"/>
           </a:p>
@@ -1492,7 +1886,7 @@
           <a:p>
             <a:fld id="{692C4385-8794-49CC-9278-0486DB1ED018}" type="slidenum">
               <a:rPr lang="en-GB" smtClean="0"/>
-              <a:t>‹#›</a:t>
+              <a:t>‹Nr.›</a:t>
             </a:fld>
             <a:endParaRPr lang="en-GB"/>
           </a:p>
@@ -1853,7 +2247,7 @@
           <a:p>
             <a:fld id="{644C6D97-1B40-4373-A934-0DA88AF1B610}" type="datetimeFigureOut">
               <a:rPr lang="en-GB" smtClean="0"/>
-              <a:t>21/10/2024</a:t>
+              <a:t>04/11/2024</a:t>
             </a:fld>
             <a:endParaRPr lang="en-GB"/>
           </a:p>
@@ -1907,7 +2301,7 @@
           <a:p>
             <a:fld id="{692C4385-8794-49CC-9278-0486DB1ED018}" type="slidenum">
               <a:rPr lang="en-GB" smtClean="0"/>
-              <a:t>‹#›</a:t>
+              <a:t>‹Nr.›</a:t>
             </a:fld>
             <a:endParaRPr lang="en-GB"/>
           </a:p>
@@ -1995,7 +2389,7 @@
           <a:p>
             <a:fld id="{644C6D97-1B40-4373-A934-0DA88AF1B610}" type="datetimeFigureOut">
               <a:rPr lang="en-GB" smtClean="0"/>
-              <a:t>21/10/2024</a:t>
+              <a:t>04/11/2024</a:t>
             </a:fld>
             <a:endParaRPr lang="en-GB"/>
           </a:p>
@@ -2049,7 +2443,7 @@
           <a:p>
             <a:fld id="{692C4385-8794-49CC-9278-0486DB1ED018}" type="slidenum">
               <a:rPr lang="en-GB" smtClean="0"/>
-              <a:t>‹#›</a:t>
+              <a:t>‹Nr.›</a:t>
             </a:fld>
             <a:endParaRPr lang="en-GB"/>
           </a:p>
@@ -2108,7 +2502,7 @@
           <a:p>
             <a:fld id="{644C6D97-1B40-4373-A934-0DA88AF1B610}" type="datetimeFigureOut">
               <a:rPr lang="en-GB" smtClean="0"/>
-              <a:t>21/10/2024</a:t>
+              <a:t>04/11/2024</a:t>
             </a:fld>
             <a:endParaRPr lang="en-GB"/>
           </a:p>
@@ -2162,7 +2556,7 @@
           <a:p>
             <a:fld id="{692C4385-8794-49CC-9278-0486DB1ED018}" type="slidenum">
               <a:rPr lang="en-GB" smtClean="0"/>
-              <a:t>‹#›</a:t>
+              <a:t>‹Nr.›</a:t>
             </a:fld>
             <a:endParaRPr lang="en-GB"/>
           </a:p>
@@ -2421,7 +2815,7 @@
           <a:p>
             <a:fld id="{644C6D97-1B40-4373-A934-0DA88AF1B610}" type="datetimeFigureOut">
               <a:rPr lang="en-GB" smtClean="0"/>
-              <a:t>21/10/2024</a:t>
+              <a:t>04/11/2024</a:t>
             </a:fld>
             <a:endParaRPr lang="en-GB"/>
           </a:p>
@@ -2475,7 +2869,7 @@
           <a:p>
             <a:fld id="{692C4385-8794-49CC-9278-0486DB1ED018}" type="slidenum">
               <a:rPr lang="en-GB" smtClean="0"/>
-              <a:t>‹#›</a:t>
+              <a:t>‹Nr.›</a:t>
             </a:fld>
             <a:endParaRPr lang="en-GB"/>
           </a:p>
@@ -2710,7 +3104,7 @@
           <a:p>
             <a:fld id="{644C6D97-1B40-4373-A934-0DA88AF1B610}" type="datetimeFigureOut">
               <a:rPr lang="en-GB" smtClean="0"/>
-              <a:t>21/10/2024</a:t>
+              <a:t>04/11/2024</a:t>
             </a:fld>
             <a:endParaRPr lang="en-GB"/>
           </a:p>
@@ -2764,7 +3158,7 @@
           <a:p>
             <a:fld id="{692C4385-8794-49CC-9278-0486DB1ED018}" type="slidenum">
               <a:rPr lang="en-GB" smtClean="0"/>
-              <a:t>‹#›</a:t>
+              <a:t>‹Nr.›</a:t>
             </a:fld>
             <a:endParaRPr lang="en-GB"/>
           </a:p>
@@ -2953,7 +3347,7 @@
           <a:p>
             <a:fld id="{644C6D97-1B40-4373-A934-0DA88AF1B610}" type="datetimeFigureOut">
               <a:rPr lang="en-GB" smtClean="0"/>
-              <a:t>21/10/2024</a:t>
+              <a:t>04/11/2024</a:t>
             </a:fld>
             <a:endParaRPr lang="en-GB"/>
           </a:p>
@@ -3043,7 +3437,7 @@
           <a:p>
             <a:fld id="{692C4385-8794-49CC-9278-0486DB1ED018}" type="slidenum">
               <a:rPr lang="en-GB" smtClean="0"/>
-              <a:t>‹#›</a:t>
+              <a:t>‹Nr.›</a:t>
             </a:fld>
             <a:endParaRPr lang="en-GB"/>
           </a:p>
@@ -3372,15 +3766,15 @@
       </p:grpSpPr>
       <p:pic>
         <p:nvPicPr>
-          <p:cNvPr id="1026" name="Picture 2" descr="Epic Knight Wallpapers - Wallpaper Cave">
-            <a:extLst>
-              <a:ext uri="{FF2B5EF4-FFF2-40B4-BE49-F238E27FC236}">
-                <a16:creationId xmlns:a16="http://schemas.microsoft.com/office/drawing/2014/main" id="{EDE1AA72-20DF-9C92-630F-98F1C5FB7F30}"/>
+          <p:cNvPr id="7" name="Picture 6" descr="A close-up of a cloud&#10;&#10;Description automatically generated">
+            <a:extLst>
+              <a:ext uri="{FF2B5EF4-FFF2-40B4-BE49-F238E27FC236}">
+                <a16:creationId xmlns:a16="http://schemas.microsoft.com/office/drawing/2014/main" id="{733B7C05-B10E-29F1-C174-6D751F6A76CB}"/>
               </a:ext>
             </a:extLst>
           </p:cNvPr>
           <p:cNvPicPr>
-            <a:picLocks noChangeAspect="1" noChangeArrowheads="1"/>
+            <a:picLocks noChangeAspect="1"/>
           </p:cNvPicPr>
           <p:nvPr/>
         </p:nvPicPr>
@@ -3392,29 +3786,18 @@
               </a:ext>
             </a:extLst>
           </a:blip>
-          <a:srcRect/>
           <a:stretch>
             <a:fillRect/>
           </a:stretch>
         </p:blipFill>
-        <p:spPr bwMode="auto">
+        <p:spPr>
           <a:xfrm>
-            <a:off x="-1036319" y="-1061880"/>
-            <a:ext cx="13898879" cy="8686799"/>
+            <a:off x="-1089660" y="-1464469"/>
+            <a:ext cx="15659100" cy="9786938"/>
           </a:xfrm>
           <a:prstGeom prst="rect">
             <a:avLst/>
           </a:prstGeom>
-          <a:noFill/>
-          <a:extLst>
-            <a:ext uri="{909E8E84-426E-40DD-AFC4-6F175D3DCCD1}">
-              <a14:hiddenFill xmlns:a14="http://schemas.microsoft.com/office/drawing/2010/main">
-                <a:solidFill>
-                  <a:srgbClr val="FFFFFF"/>
-                </a:solidFill>
-              </a14:hiddenFill>
-            </a:ext>
-          </a:extLst>
         </p:spPr>
       </p:pic>
       <p:sp>
@@ -3538,6 +3921,42 @@
           </a:p>
         </p:txBody>
       </p:sp>
+      <p:pic>
+        <p:nvPicPr>
+          <p:cNvPr id="9" name="Picture 8" descr="A statue of a person holding a sword&#10;&#10;Description automatically generated">
+            <a:extLst>
+              <a:ext uri="{FF2B5EF4-FFF2-40B4-BE49-F238E27FC236}">
+                <a16:creationId xmlns:a16="http://schemas.microsoft.com/office/drawing/2014/main" id="{FE34E505-1FAF-DF51-EAE1-F8327D946E6B}"/>
+              </a:ext>
+            </a:extLst>
+          </p:cNvPr>
+          <p:cNvPicPr>
+            <a:picLocks noChangeAspect="1"/>
+          </p:cNvPicPr>
+          <p:nvPr/>
+        </p:nvPicPr>
+        <p:blipFill>
+          <a:blip r:embed="rId3">
+            <a:extLst>
+              <a:ext uri="{28A0092B-C50C-407E-A947-70E740481C1C}">
+                <a14:useLocalDpi xmlns:a14="http://schemas.microsoft.com/office/drawing/2010/main" val="0"/>
+              </a:ext>
+            </a:extLst>
+          </a:blip>
+          <a:stretch>
+            <a:fillRect/>
+          </a:stretch>
+        </p:blipFill>
+        <p:spPr>
+          <a:xfrm>
+            <a:off x="-420243" y="-727019"/>
+            <a:ext cx="13032486" cy="8145304"/>
+          </a:xfrm>
+          <a:prstGeom prst="rect">
+            <a:avLst/>
+          </a:prstGeom>
+        </p:spPr>
+      </p:pic>
     </p:spTree>
     <p:extLst>
       <p:ext uri="{BB962C8B-B14F-4D97-AF65-F5344CB8AC3E}">
@@ -3582,15 +4001,15 @@
       </p:grpSpPr>
       <p:pic>
         <p:nvPicPr>
-          <p:cNvPr id="1026" name="Picture 2" descr="Epic Knight Wallpapers - Wallpaper Cave">
-            <a:extLst>
-              <a:ext uri="{FF2B5EF4-FFF2-40B4-BE49-F238E27FC236}">
-                <a16:creationId xmlns:a16="http://schemas.microsoft.com/office/drawing/2014/main" id="{EDE1AA72-20DF-9C92-630F-98F1C5FB7F30}"/>
+          <p:cNvPr id="7" name="Picture 6" descr="A close-up of a cloud&#10;&#10;Description automatically generated">
+            <a:extLst>
+              <a:ext uri="{FF2B5EF4-FFF2-40B4-BE49-F238E27FC236}">
+                <a16:creationId xmlns:a16="http://schemas.microsoft.com/office/drawing/2014/main" id="{733B7C05-B10E-29F1-C174-6D751F6A76CB}"/>
               </a:ext>
             </a:extLst>
           </p:cNvPr>
           <p:cNvPicPr>
-            <a:picLocks noChangeAspect="1" noChangeArrowheads="1"/>
+            <a:picLocks noChangeAspect="1"/>
           </p:cNvPicPr>
           <p:nvPr/>
         </p:nvPicPr>
@@ -3602,29 +4021,18 @@
               </a:ext>
             </a:extLst>
           </a:blip>
-          <a:srcRect/>
           <a:stretch>
             <a:fillRect/>
           </a:stretch>
         </p:blipFill>
-        <p:spPr bwMode="auto">
+        <p:spPr>
           <a:xfrm>
-            <a:off x="0" y="-381000"/>
-            <a:ext cx="12192000" cy="7620000"/>
+            <a:off x="-1089660" y="-1464469"/>
+            <a:ext cx="15659100" cy="9786938"/>
           </a:xfrm>
           <a:prstGeom prst="rect">
             <a:avLst/>
           </a:prstGeom>
-          <a:noFill/>
-          <a:extLst>
-            <a:ext uri="{909E8E84-426E-40DD-AFC4-6F175D3DCCD1}">
-              <a14:hiddenFill xmlns:a14="http://schemas.microsoft.com/office/drawing/2010/main">
-                <a:solidFill>
-                  <a:srgbClr val="FFFFFF"/>
-                </a:solidFill>
-              </a14:hiddenFill>
-            </a:ext>
-          </a:extLst>
         </p:spPr>
       </p:pic>
       <p:sp>
@@ -3645,7 +4053,7 @@
         </p:nvSpPr>
         <p:spPr>
           <a:xfrm>
-            <a:off x="4730187" y="-1319895"/>
+            <a:off x="4699707" y="-1193800"/>
             <a:ext cx="9144000" cy="2387600"/>
           </a:xfrm>
         </p:spPr>
@@ -3691,7 +4099,7 @@
         </p:nvSpPr>
         <p:spPr>
           <a:xfrm>
-            <a:off x="-1925256" y="4909977"/>
+            <a:off x="-1803336" y="5013960"/>
             <a:ext cx="9144000" cy="1655762"/>
           </a:xfrm>
         </p:spPr>
@@ -3748,10 +4156,383 @@
           </a:p>
         </p:txBody>
       </p:sp>
+      <p:pic>
+        <p:nvPicPr>
+          <p:cNvPr id="9" name="Picture 8" descr="A statue of a person holding a sword&#10;&#10;Description automatically generated">
+            <a:extLst>
+              <a:ext uri="{FF2B5EF4-FFF2-40B4-BE49-F238E27FC236}">
+                <a16:creationId xmlns:a16="http://schemas.microsoft.com/office/drawing/2014/main" id="{FE34E505-1FAF-DF51-EAE1-F8327D946E6B}"/>
+              </a:ext>
+            </a:extLst>
+          </p:cNvPr>
+          <p:cNvPicPr>
+            <a:picLocks noChangeAspect="1"/>
+          </p:cNvPicPr>
+          <p:nvPr/>
+        </p:nvPicPr>
+        <p:blipFill>
+          <a:blip r:embed="rId3">
+            <a:extLst>
+              <a:ext uri="{28A0092B-C50C-407E-A947-70E740481C1C}">
+                <a14:useLocalDpi xmlns:a14="http://schemas.microsoft.com/office/drawing/2010/main" val="0"/>
+              </a:ext>
+            </a:extLst>
+          </a:blip>
+          <a:stretch>
+            <a:fillRect/>
+          </a:stretch>
+        </p:blipFill>
+        <p:spPr>
+          <a:xfrm>
+            <a:off x="-210122" y="-512326"/>
+            <a:ext cx="12612243" cy="7882652"/>
+          </a:xfrm>
+          <a:prstGeom prst="rect">
+            <a:avLst/>
+          </a:prstGeom>
+        </p:spPr>
+      </p:pic>
+      <p:grpSp>
+        <p:nvGrpSpPr>
+          <p:cNvPr id="5" name="Group 4">
+            <a:extLst>
+              <a:ext uri="{FF2B5EF4-FFF2-40B4-BE49-F238E27FC236}">
+                <a16:creationId xmlns:a16="http://schemas.microsoft.com/office/drawing/2014/main" id="{06B36B2D-7994-4C47-37DF-906AF6E42E94}"/>
+              </a:ext>
+            </a:extLst>
+          </p:cNvPr>
+          <p:cNvGrpSpPr/>
+          <p:nvPr/>
+        </p:nvGrpSpPr>
+        <p:grpSpPr>
+          <a:xfrm>
+            <a:off x="12192000" y="1193800"/>
+            <a:ext cx="6625391" cy="3125067"/>
+            <a:chOff x="5134873" y="776436"/>
+            <a:chExt cx="6625391" cy="3125067"/>
+          </a:xfrm>
+        </p:grpSpPr>
+        <p:sp>
+          <p:nvSpPr>
+            <p:cNvPr id="6" name="TextBox 5">
+              <a:extLst>
+                <a:ext uri="{FF2B5EF4-FFF2-40B4-BE49-F238E27FC236}">
+                  <a16:creationId xmlns:a16="http://schemas.microsoft.com/office/drawing/2014/main" id="{A3DF8285-D228-50FA-64A0-A2270FD8D505}"/>
+                </a:ext>
+              </a:extLst>
+            </p:cNvPr>
+            <p:cNvSpPr txBox="1"/>
+            <p:nvPr/>
+          </p:nvSpPr>
+          <p:spPr>
+            <a:xfrm>
+              <a:off x="6365304" y="776436"/>
+              <a:ext cx="5394960" cy="3108543"/>
+            </a:xfrm>
+            <a:prstGeom prst="rect">
+              <a:avLst/>
+            </a:prstGeom>
+            <a:noFill/>
+          </p:spPr>
+          <p:txBody>
+            <a:bodyPr wrap="square" rtlCol="0">
+              <a:spAutoFit/>
+            </a:bodyPr>
+            <a:lstStyle/>
+            <a:p>
+              <a:r>
+                <a:rPr lang="de-AT" sz="2800" dirty="0">
+                  <a:solidFill>
+                    <a:schemeClr val="bg1"/>
+                  </a:solidFill>
+                  <a:latin typeface="Old English Text MT" panose="03040902040508030806" pitchFamily="66" charset="0"/>
+                </a:rPr>
+                <a:t>Wer konnte Ritter werden</a:t>
+              </a:r>
+            </a:p>
+            <a:p>
+              <a:endParaRPr lang="de-AT" sz="2800" dirty="0">
+                <a:solidFill>
+                  <a:schemeClr val="bg1"/>
+                </a:solidFill>
+                <a:latin typeface="Old English Text MT" panose="03040902040508030806" pitchFamily="66" charset="0"/>
+              </a:endParaRPr>
+            </a:p>
+            <a:p>
+              <a:r>
+                <a:rPr lang="en-GB" sz="2800" dirty="0">
+                  <a:solidFill>
+                    <a:schemeClr val="bg1"/>
+                  </a:solidFill>
+                  <a:latin typeface="Old English Text MT" panose="03040902040508030806" pitchFamily="66" charset="0"/>
+                </a:rPr>
+                <a:t>Wie </a:t>
+              </a:r>
+              <a:r>
+                <a:rPr lang="en-GB" sz="2800" dirty="0" err="1">
+                  <a:solidFill>
+                    <a:schemeClr val="bg1"/>
+                  </a:solidFill>
+                  <a:latin typeface="Old English Text MT" panose="03040902040508030806" pitchFamily="66" charset="0"/>
+                </a:rPr>
+                <a:t>wurde</a:t>
+              </a:r>
+              <a:r>
+                <a:rPr lang="en-GB" sz="2800" dirty="0">
+                  <a:solidFill>
+                    <a:schemeClr val="bg1"/>
+                  </a:solidFill>
+                  <a:latin typeface="Old English Text MT" panose="03040902040508030806" pitchFamily="66" charset="0"/>
+                </a:rPr>
+                <a:t> man Ritter</a:t>
+              </a:r>
+            </a:p>
+            <a:p>
+              <a:endParaRPr lang="en-GB" sz="2800" dirty="0">
+                <a:solidFill>
+                  <a:schemeClr val="bg1"/>
+                </a:solidFill>
+                <a:latin typeface="Old English Text MT" panose="03040902040508030806" pitchFamily="66" charset="0"/>
+              </a:endParaRPr>
+            </a:p>
+            <a:p>
+              <a:r>
+                <a:rPr lang="en-GB" sz="2800" dirty="0">
+                  <a:solidFill>
+                    <a:schemeClr val="bg1"/>
+                  </a:solidFill>
+                  <a:latin typeface="Old English Text MT" panose="03040902040508030806" pitchFamily="66" charset="0"/>
+                </a:rPr>
+                <a:t>Die </a:t>
+              </a:r>
+              <a:r>
+                <a:rPr lang="en-GB" sz="2800" dirty="0" err="1">
+                  <a:solidFill>
+                    <a:schemeClr val="bg1"/>
+                  </a:solidFill>
+                  <a:latin typeface="Old English Text MT" panose="03040902040508030806" pitchFamily="66" charset="0"/>
+                </a:rPr>
+                <a:t>Ausbildung</a:t>
+              </a:r>
+              <a:endParaRPr lang="en-GB" sz="2800" dirty="0">
+                <a:solidFill>
+                  <a:schemeClr val="bg1"/>
+                </a:solidFill>
+                <a:latin typeface="Old English Text MT" panose="03040902040508030806" pitchFamily="66" charset="0"/>
+              </a:endParaRPr>
+            </a:p>
+            <a:p>
+              <a:endParaRPr lang="en-GB" sz="2800" dirty="0">
+                <a:solidFill>
+                  <a:schemeClr val="bg1"/>
+                </a:solidFill>
+                <a:latin typeface="Old English Text MT" panose="03040902040508030806" pitchFamily="66" charset="0"/>
+              </a:endParaRPr>
+            </a:p>
+            <a:p>
+              <a:r>
+                <a:rPr lang="en-GB" sz="2800" dirty="0">
+                  <a:solidFill>
+                    <a:schemeClr val="bg1"/>
+                  </a:solidFill>
+                  <a:latin typeface="Old English Text MT" panose="03040902040508030806" pitchFamily="66" charset="0"/>
+                </a:rPr>
+                <a:t>Die </a:t>
+              </a:r>
+              <a:r>
+                <a:rPr lang="en-GB" sz="2800" dirty="0" err="1">
+                  <a:solidFill>
+                    <a:schemeClr val="bg1"/>
+                  </a:solidFill>
+                  <a:latin typeface="Old English Text MT" panose="03040902040508030806" pitchFamily="66" charset="0"/>
+                </a:rPr>
+                <a:t>Pflichten</a:t>
+              </a:r>
+              <a:r>
+                <a:rPr lang="en-GB" sz="2800" dirty="0">
+                  <a:solidFill>
+                    <a:schemeClr val="bg1"/>
+                  </a:solidFill>
+                  <a:latin typeface="Old English Text MT" panose="03040902040508030806" pitchFamily="66" charset="0"/>
+                </a:rPr>
+                <a:t> </a:t>
+              </a:r>
+              <a:r>
+                <a:rPr lang="en-GB" sz="2800" dirty="0" err="1">
+                  <a:solidFill>
+                    <a:schemeClr val="bg1"/>
+                  </a:solidFill>
+                  <a:latin typeface="Old English Text MT" panose="03040902040508030806" pitchFamily="66" charset="0"/>
+                </a:rPr>
+                <a:t>eines</a:t>
+              </a:r>
+              <a:r>
+                <a:rPr lang="en-GB" sz="2800" dirty="0">
+                  <a:solidFill>
+                    <a:schemeClr val="bg1"/>
+                  </a:solidFill>
+                  <a:latin typeface="Old English Text MT" panose="03040902040508030806" pitchFamily="66" charset="0"/>
+                </a:rPr>
+                <a:t> Ritters</a:t>
+              </a:r>
+              <a:endParaRPr lang="de-AT" sz="2800" dirty="0">
+                <a:solidFill>
+                  <a:schemeClr val="bg1"/>
+                </a:solidFill>
+                <a:latin typeface="Old English Text MT" panose="03040902040508030806" pitchFamily="66" charset="0"/>
+              </a:endParaRPr>
+            </a:p>
+          </p:txBody>
+        </p:sp>
+        <p:pic>
+          <p:nvPicPr>
+            <p:cNvPr id="8" name="Picture 7" descr="A black and white image of a sword&#10;&#10;Description automatically generated">
+              <a:extLst>
+                <a:ext uri="{FF2B5EF4-FFF2-40B4-BE49-F238E27FC236}">
+                  <a16:creationId xmlns:a16="http://schemas.microsoft.com/office/drawing/2014/main" id="{46C1E8D6-44EB-09C1-87A0-B9AD7EE2B15F}"/>
+                </a:ext>
+              </a:extLst>
+            </p:cNvPr>
+            <p:cNvPicPr>
+              <a:picLocks noChangeAspect="1"/>
+            </p:cNvPicPr>
+            <p:nvPr/>
+          </p:nvPicPr>
+          <p:blipFill>
+            <a:blip r:embed="rId4">
+              <a:extLst>
+                <a:ext uri="{28A0092B-C50C-407E-A947-70E740481C1C}">
+                  <a14:useLocalDpi xmlns:a14="http://schemas.microsoft.com/office/drawing/2010/main" val="0"/>
+                </a:ext>
+              </a:extLst>
+            </a:blip>
+            <a:stretch>
+              <a:fillRect/>
+            </a:stretch>
+          </p:blipFill>
+          <p:spPr>
+            <a:xfrm rot="10800000">
+              <a:off x="5134876" y="776436"/>
+              <a:ext cx="1175553" cy="523706"/>
+            </a:xfrm>
+            <a:prstGeom prst="rect">
+              <a:avLst/>
+            </a:prstGeom>
+          </p:spPr>
+        </p:pic>
+        <p:pic>
+          <p:nvPicPr>
+            <p:cNvPr id="10" name="Picture 9" descr="A black and white image of a sword&#10;&#10;Description automatically generated">
+              <a:extLst>
+                <a:ext uri="{FF2B5EF4-FFF2-40B4-BE49-F238E27FC236}">
+                  <a16:creationId xmlns:a16="http://schemas.microsoft.com/office/drawing/2014/main" id="{5B4F8012-838A-6D39-AA35-17D57CFD43BB}"/>
+                </a:ext>
+              </a:extLst>
+            </p:cNvPr>
+            <p:cNvPicPr>
+              <a:picLocks noChangeAspect="1"/>
+            </p:cNvPicPr>
+            <p:nvPr/>
+          </p:nvPicPr>
+          <p:blipFill>
+            <a:blip r:embed="rId4">
+              <a:extLst>
+                <a:ext uri="{28A0092B-C50C-407E-A947-70E740481C1C}">
+                  <a14:useLocalDpi xmlns:a14="http://schemas.microsoft.com/office/drawing/2010/main" val="0"/>
+                </a:ext>
+              </a:extLst>
+            </a:blip>
+            <a:stretch>
+              <a:fillRect/>
+            </a:stretch>
+          </p:blipFill>
+          <p:spPr>
+            <a:xfrm rot="10800000">
+              <a:off x="5134875" y="1655276"/>
+              <a:ext cx="1175553" cy="523706"/>
+            </a:xfrm>
+            <a:prstGeom prst="rect">
+              <a:avLst/>
+            </a:prstGeom>
+          </p:spPr>
+        </p:pic>
+        <p:pic>
+          <p:nvPicPr>
+            <p:cNvPr id="11" name="Picture 10" descr="A black and white image of a sword&#10;&#10;Description automatically generated">
+              <a:extLst>
+                <a:ext uri="{FF2B5EF4-FFF2-40B4-BE49-F238E27FC236}">
+                  <a16:creationId xmlns:a16="http://schemas.microsoft.com/office/drawing/2014/main" id="{EE7ABFAF-6CB2-D2FB-E53A-2EE5D994A65B}"/>
+                </a:ext>
+              </a:extLst>
+            </p:cNvPr>
+            <p:cNvPicPr>
+              <a:picLocks noChangeAspect="1"/>
+            </p:cNvPicPr>
+            <p:nvPr/>
+          </p:nvPicPr>
+          <p:blipFill>
+            <a:blip r:embed="rId4">
+              <a:extLst>
+                <a:ext uri="{28A0092B-C50C-407E-A947-70E740481C1C}">
+                  <a14:useLocalDpi xmlns:a14="http://schemas.microsoft.com/office/drawing/2010/main" val="0"/>
+                </a:ext>
+              </a:extLst>
+            </a:blip>
+            <a:stretch>
+              <a:fillRect/>
+            </a:stretch>
+          </p:blipFill>
+          <p:spPr>
+            <a:xfrm rot="10800000">
+              <a:off x="5134873" y="2498958"/>
+              <a:ext cx="1175553" cy="523706"/>
+            </a:xfrm>
+            <a:prstGeom prst="rect">
+              <a:avLst/>
+            </a:prstGeom>
+          </p:spPr>
+        </p:pic>
+        <p:pic>
+          <p:nvPicPr>
+            <p:cNvPr id="12" name="Picture 11" descr="A black and white image of a sword&#10;&#10;Description automatically generated">
+              <a:extLst>
+                <a:ext uri="{FF2B5EF4-FFF2-40B4-BE49-F238E27FC236}">
+                  <a16:creationId xmlns:a16="http://schemas.microsoft.com/office/drawing/2014/main" id="{1D377EBF-FB09-8BEB-91B9-3F193FFFC9D4}"/>
+                </a:ext>
+              </a:extLst>
+            </p:cNvPr>
+            <p:cNvPicPr>
+              <a:picLocks noChangeAspect="1"/>
+            </p:cNvPicPr>
+            <p:nvPr/>
+          </p:nvPicPr>
+          <p:blipFill>
+            <a:blip r:embed="rId4">
+              <a:extLst>
+                <a:ext uri="{28A0092B-C50C-407E-A947-70E740481C1C}">
+                  <a14:useLocalDpi xmlns:a14="http://schemas.microsoft.com/office/drawing/2010/main" val="0"/>
+                </a:ext>
+              </a:extLst>
+            </a:blip>
+            <a:stretch>
+              <a:fillRect/>
+            </a:stretch>
+          </p:blipFill>
+          <p:spPr>
+            <a:xfrm rot="10800000">
+              <a:off x="5134873" y="3377797"/>
+              <a:ext cx="1175553" cy="523706"/>
+            </a:xfrm>
+            <a:prstGeom prst="rect">
+              <a:avLst/>
+            </a:prstGeom>
+          </p:spPr>
+        </p:pic>
+      </p:grpSp>
     </p:spTree>
     <p:extLst>
       <p:ext uri="{BB962C8B-B14F-4D97-AF65-F5344CB8AC3E}">
-        <p14:creationId xmlns:p14="http://schemas.microsoft.com/office/powerpoint/2010/main" val="2851004316"/>
+        <p14:creationId xmlns:p14="http://schemas.microsoft.com/office/powerpoint/2010/main" val="1415072298"/>
       </p:ext>
     </p:extLst>
   </p:cSld>
@@ -3774,6 +4555,2530 @@
 </file>
 
 <file path=ppt/slides/slide3.xml><?xml version="1.0" encoding="utf-8"?>
+<p:sld xmlns:a="http://schemas.openxmlformats.org/drawingml/2006/main" xmlns:r="http://schemas.openxmlformats.org/officeDocument/2006/relationships" xmlns:p="http://schemas.openxmlformats.org/presentationml/2006/main">
+  <p:cSld>
+    <p:spTree>
+      <p:nvGrpSpPr>
+        <p:cNvPr id="1" name=""/>
+        <p:cNvGrpSpPr/>
+        <p:nvPr/>
+      </p:nvGrpSpPr>
+      <p:grpSpPr>
+        <a:xfrm>
+          <a:off x="0" y="0"/>
+          <a:ext cx="0" cy="0"/>
+          <a:chOff x="0" y="0"/>
+          <a:chExt cx="0" cy="0"/>
+        </a:xfrm>
+      </p:grpSpPr>
+      <p:pic>
+        <p:nvPicPr>
+          <p:cNvPr id="7" name="Picture 6" descr="A close-up of a cloud&#10;&#10;Description automatically generated">
+            <a:extLst>
+              <a:ext uri="{FF2B5EF4-FFF2-40B4-BE49-F238E27FC236}">
+                <a16:creationId xmlns:a16="http://schemas.microsoft.com/office/drawing/2014/main" id="{733B7C05-B10E-29F1-C174-6D751F6A76CB}"/>
+              </a:ext>
+            </a:extLst>
+          </p:cNvPr>
+          <p:cNvPicPr>
+            <a:picLocks noChangeAspect="1"/>
+          </p:cNvPicPr>
+          <p:nvPr/>
+        </p:nvPicPr>
+        <p:blipFill>
+          <a:blip r:embed="rId2">
+            <a:extLst>
+              <a:ext uri="{28A0092B-C50C-407E-A947-70E740481C1C}">
+                <a14:useLocalDpi xmlns:a14="http://schemas.microsoft.com/office/drawing/2010/main" val="0"/>
+              </a:ext>
+            </a:extLst>
+          </a:blip>
+          <a:stretch>
+            <a:fillRect/>
+          </a:stretch>
+        </p:blipFill>
+        <p:spPr>
+          <a:xfrm>
+            <a:off x="-1089660" y="-1464469"/>
+            <a:ext cx="15659100" cy="9786938"/>
+          </a:xfrm>
+          <a:prstGeom prst="rect">
+            <a:avLst/>
+          </a:prstGeom>
+        </p:spPr>
+      </p:pic>
+      <p:pic>
+        <p:nvPicPr>
+          <p:cNvPr id="9" name="Picture 8" descr="A statue of a person holding a sword&#10;&#10;Description automatically generated">
+            <a:extLst>
+              <a:ext uri="{FF2B5EF4-FFF2-40B4-BE49-F238E27FC236}">
+                <a16:creationId xmlns:a16="http://schemas.microsoft.com/office/drawing/2014/main" id="{FE34E505-1FAF-DF51-EAE1-F8327D946E6B}"/>
+              </a:ext>
+            </a:extLst>
+          </p:cNvPr>
+          <p:cNvPicPr>
+            <a:picLocks noChangeAspect="1"/>
+          </p:cNvPicPr>
+          <p:nvPr/>
+        </p:nvPicPr>
+        <p:blipFill>
+          <a:blip r:embed="rId3">
+            <a:extLst>
+              <a:ext uri="{28A0092B-C50C-407E-A947-70E740481C1C}">
+                <a14:useLocalDpi xmlns:a14="http://schemas.microsoft.com/office/drawing/2010/main" val="0"/>
+              </a:ext>
+            </a:extLst>
+          </a:blip>
+          <a:stretch>
+            <a:fillRect/>
+          </a:stretch>
+        </p:blipFill>
+        <p:spPr>
+          <a:xfrm>
+            <a:off x="-4516338" y="-512326"/>
+            <a:ext cx="12612243" cy="7882652"/>
+          </a:xfrm>
+          <a:prstGeom prst="rect">
+            <a:avLst/>
+          </a:prstGeom>
+        </p:spPr>
+      </p:pic>
+      <p:sp>
+        <p:nvSpPr>
+          <p:cNvPr id="2" name="Title 1">
+            <a:extLst>
+              <a:ext uri="{FF2B5EF4-FFF2-40B4-BE49-F238E27FC236}">
+                <a16:creationId xmlns:a16="http://schemas.microsoft.com/office/drawing/2014/main" id="{B7A7B910-8438-6538-D9F4-16EEF4A34507}"/>
+              </a:ext>
+            </a:extLst>
+          </p:cNvPr>
+          <p:cNvSpPr>
+            <a:spLocks noGrp="1"/>
+          </p:cNvSpPr>
+          <p:nvPr>
+            <p:ph type="ctrTitle"/>
+          </p:nvPr>
+        </p:nvSpPr>
+        <p:spPr>
+          <a:xfrm>
+            <a:off x="4669227" y="-2387600"/>
+            <a:ext cx="9144000" cy="2387600"/>
+          </a:xfrm>
+        </p:spPr>
+        <p:txBody>
+          <a:bodyPr>
+            <a:normAutofit/>
+          </a:bodyPr>
+          <a:lstStyle/>
+          <a:p>
+            <a:r>
+              <a:rPr lang="de-AT" sz="4400" dirty="0">
+                <a:solidFill>
+                  <a:schemeClr val="bg1"/>
+                </a:solidFill>
+                <a:latin typeface="Old English Text MT" panose="03040902040508030806" pitchFamily="66" charset="0"/>
+              </a:rPr>
+              <a:t>Wie wurde man Ritter?</a:t>
+            </a:r>
+            <a:endParaRPr lang="en-GB" sz="4400" dirty="0">
+              <a:solidFill>
+                <a:schemeClr val="bg1"/>
+              </a:solidFill>
+              <a:latin typeface="Old English Text MT" panose="03040902040508030806" pitchFamily="66" charset="0"/>
+            </a:endParaRPr>
+          </a:p>
+        </p:txBody>
+      </p:sp>
+      <p:sp>
+        <p:nvSpPr>
+          <p:cNvPr id="3" name="Subtitle 2">
+            <a:extLst>
+              <a:ext uri="{FF2B5EF4-FFF2-40B4-BE49-F238E27FC236}">
+                <a16:creationId xmlns:a16="http://schemas.microsoft.com/office/drawing/2014/main" id="{FF937654-532D-DBD6-2B72-D4AA9A29F64D}"/>
+              </a:ext>
+            </a:extLst>
+          </p:cNvPr>
+          <p:cNvSpPr>
+            <a:spLocks noGrp="1"/>
+          </p:cNvSpPr>
+          <p:nvPr>
+            <p:ph type="subTitle" idx="1"/>
+          </p:nvPr>
+        </p:nvSpPr>
+        <p:spPr>
+          <a:xfrm>
+            <a:off x="-1864296" y="6858000"/>
+            <a:ext cx="9144000" cy="1655762"/>
+          </a:xfrm>
+        </p:spPr>
+        <p:txBody>
+          <a:bodyPr>
+            <a:normAutofit/>
+          </a:bodyPr>
+          <a:lstStyle/>
+          <a:p>
+            <a:r>
+              <a:rPr lang="de-AT" sz="2000" dirty="0">
+                <a:solidFill>
+                  <a:schemeClr val="bg1"/>
+                </a:solidFill>
+                <a:latin typeface="Agency FB" panose="020B0503020202020204" pitchFamily="34" charset="0"/>
+              </a:rPr>
+              <a:t>Referat von</a:t>
+            </a:r>
+          </a:p>
+          <a:p>
+            <a:r>
+              <a:rPr lang="de-AT" sz="2000" dirty="0">
+                <a:solidFill>
+                  <a:schemeClr val="bg1"/>
+                </a:solidFill>
+                <a:latin typeface="Agency FB" panose="020B0503020202020204" pitchFamily="34" charset="0"/>
+              </a:rPr>
+              <a:t> Lukas </a:t>
+            </a:r>
+            <a:r>
+              <a:rPr lang="de-AT" sz="2000" dirty="0" err="1">
+                <a:solidFill>
+                  <a:schemeClr val="bg1"/>
+                </a:solidFill>
+                <a:latin typeface="Agency FB" panose="020B0503020202020204" pitchFamily="34" charset="0"/>
+              </a:rPr>
+              <a:t>Grünzweil</a:t>
+            </a:r>
+            <a:r>
+              <a:rPr lang="de-AT" sz="2000" dirty="0">
+                <a:solidFill>
+                  <a:schemeClr val="bg1"/>
+                </a:solidFill>
+                <a:latin typeface="Agency FB" panose="020B0503020202020204" pitchFamily="34" charset="0"/>
+              </a:rPr>
+              <a:t>, Matthias Darbos, Jan Brunner und Almir Hadzic</a:t>
+            </a:r>
+            <a:endParaRPr lang="en-GB" sz="2000" dirty="0">
+              <a:solidFill>
+                <a:schemeClr val="bg1"/>
+              </a:solidFill>
+              <a:latin typeface="Agency FB" panose="020B0503020202020204" pitchFamily="34" charset="0"/>
+            </a:endParaRPr>
+          </a:p>
+        </p:txBody>
+      </p:sp>
+      <p:grpSp>
+        <p:nvGrpSpPr>
+          <p:cNvPr id="12" name="Group 11">
+            <a:extLst>
+              <a:ext uri="{FF2B5EF4-FFF2-40B4-BE49-F238E27FC236}">
+                <a16:creationId xmlns:a16="http://schemas.microsoft.com/office/drawing/2014/main" id="{9447C687-C3D6-C52F-12A4-B9F0E93F1BD5}"/>
+              </a:ext>
+            </a:extLst>
+          </p:cNvPr>
+          <p:cNvGrpSpPr/>
+          <p:nvPr/>
+        </p:nvGrpSpPr>
+        <p:grpSpPr>
+          <a:xfrm>
+            <a:off x="5134873" y="776436"/>
+            <a:ext cx="6625391" cy="3970318"/>
+            <a:chOff x="5134873" y="776436"/>
+            <a:chExt cx="6625391" cy="3970318"/>
+          </a:xfrm>
+        </p:grpSpPr>
+        <p:sp>
+          <p:nvSpPr>
+            <p:cNvPr id="4" name="TextBox 3">
+              <a:extLst>
+                <a:ext uri="{FF2B5EF4-FFF2-40B4-BE49-F238E27FC236}">
+                  <a16:creationId xmlns:a16="http://schemas.microsoft.com/office/drawing/2014/main" id="{618C2166-35BF-5849-AA53-F2DF56802BE3}"/>
+                </a:ext>
+              </a:extLst>
+            </p:cNvPr>
+            <p:cNvSpPr txBox="1"/>
+            <p:nvPr/>
+          </p:nvSpPr>
+          <p:spPr>
+            <a:xfrm>
+              <a:off x="6365304" y="776436"/>
+              <a:ext cx="5394960" cy="3970318"/>
+            </a:xfrm>
+            <a:prstGeom prst="rect">
+              <a:avLst/>
+            </a:prstGeom>
+            <a:noFill/>
+          </p:spPr>
+          <p:txBody>
+            <a:bodyPr wrap="square" rtlCol="0">
+              <a:spAutoFit/>
+            </a:bodyPr>
+            <a:lstStyle/>
+            <a:p>
+              <a:r>
+                <a:rPr lang="de-AT" sz="2800" dirty="0">
+                  <a:solidFill>
+                    <a:schemeClr val="bg1"/>
+                  </a:solidFill>
+                  <a:latin typeface="Old English Text MT" panose="03040902040508030806" pitchFamily="66" charset="0"/>
+                </a:rPr>
+                <a:t>Was genau sind Rittern</a:t>
+              </a:r>
+            </a:p>
+            <a:p>
+              <a:endParaRPr lang="de-AT" sz="2800" dirty="0">
+                <a:solidFill>
+                  <a:schemeClr val="bg1"/>
+                </a:solidFill>
+                <a:latin typeface="Old English Text MT" panose="03040902040508030806" pitchFamily="66" charset="0"/>
+              </a:endParaRPr>
+            </a:p>
+            <a:p>
+              <a:r>
+                <a:rPr lang="de-AT" sz="2800" dirty="0">
+                  <a:solidFill>
+                    <a:schemeClr val="bg1"/>
+                  </a:solidFill>
+                  <a:latin typeface="Old English Text MT" panose="03040902040508030806" pitchFamily="66" charset="0"/>
+                </a:rPr>
+                <a:t>Wer konnte Ritter werden</a:t>
+              </a:r>
+            </a:p>
+            <a:p>
+              <a:endParaRPr lang="de-AT" sz="2800" dirty="0">
+                <a:solidFill>
+                  <a:schemeClr val="bg1"/>
+                </a:solidFill>
+                <a:latin typeface="Old English Text MT" panose="03040902040508030806" pitchFamily="66" charset="0"/>
+              </a:endParaRPr>
+            </a:p>
+            <a:p>
+              <a:r>
+                <a:rPr lang="en-GB" sz="2800" dirty="0">
+                  <a:solidFill>
+                    <a:schemeClr val="bg1"/>
+                  </a:solidFill>
+                  <a:latin typeface="Old English Text MT" panose="03040902040508030806" pitchFamily="66" charset="0"/>
+                </a:rPr>
+                <a:t>Wie </a:t>
+              </a:r>
+              <a:r>
+                <a:rPr lang="en-GB" sz="2800" dirty="0" err="1">
+                  <a:solidFill>
+                    <a:schemeClr val="bg1"/>
+                  </a:solidFill>
+                  <a:latin typeface="Old English Text MT" panose="03040902040508030806" pitchFamily="66" charset="0"/>
+                </a:rPr>
+                <a:t>wurde</a:t>
+              </a:r>
+              <a:r>
+                <a:rPr lang="en-GB" sz="2800" dirty="0">
+                  <a:solidFill>
+                    <a:schemeClr val="bg1"/>
+                  </a:solidFill>
+                  <a:latin typeface="Old English Text MT" panose="03040902040508030806" pitchFamily="66" charset="0"/>
+                </a:rPr>
+                <a:t> man Ritter</a:t>
+              </a:r>
+            </a:p>
+            <a:p>
+              <a:endParaRPr lang="en-GB" sz="2800" dirty="0">
+                <a:solidFill>
+                  <a:schemeClr val="bg1"/>
+                </a:solidFill>
+                <a:latin typeface="Old English Text MT" panose="03040902040508030806" pitchFamily="66" charset="0"/>
+              </a:endParaRPr>
+            </a:p>
+            <a:p>
+              <a:r>
+                <a:rPr lang="en-GB" sz="2800" dirty="0">
+                  <a:solidFill>
+                    <a:schemeClr val="bg1"/>
+                  </a:solidFill>
+                  <a:latin typeface="Old English Text MT" panose="03040902040508030806" pitchFamily="66" charset="0"/>
+                </a:rPr>
+                <a:t>Die </a:t>
+              </a:r>
+              <a:r>
+                <a:rPr lang="en-GB" sz="2800" dirty="0" err="1">
+                  <a:solidFill>
+                    <a:schemeClr val="bg1"/>
+                  </a:solidFill>
+                  <a:latin typeface="Old English Text MT" panose="03040902040508030806" pitchFamily="66" charset="0"/>
+                </a:rPr>
+                <a:t>Ausbildung</a:t>
+              </a:r>
+              <a:endParaRPr lang="en-GB" sz="2800" dirty="0">
+                <a:solidFill>
+                  <a:schemeClr val="bg1"/>
+                </a:solidFill>
+                <a:latin typeface="Old English Text MT" panose="03040902040508030806" pitchFamily="66" charset="0"/>
+              </a:endParaRPr>
+            </a:p>
+            <a:p>
+              <a:endParaRPr lang="en-GB" sz="2800" dirty="0">
+                <a:solidFill>
+                  <a:schemeClr val="bg1"/>
+                </a:solidFill>
+                <a:latin typeface="Old English Text MT" panose="03040902040508030806" pitchFamily="66" charset="0"/>
+              </a:endParaRPr>
+            </a:p>
+            <a:p>
+              <a:r>
+                <a:rPr lang="en-GB" sz="2800" dirty="0">
+                  <a:solidFill>
+                    <a:schemeClr val="bg1"/>
+                  </a:solidFill>
+                  <a:latin typeface="Old English Text MT" panose="03040902040508030806" pitchFamily="66" charset="0"/>
+                </a:rPr>
+                <a:t>Die </a:t>
+              </a:r>
+              <a:r>
+                <a:rPr lang="en-GB" sz="2800" dirty="0" err="1">
+                  <a:solidFill>
+                    <a:schemeClr val="bg1"/>
+                  </a:solidFill>
+                  <a:latin typeface="Old English Text MT" panose="03040902040508030806" pitchFamily="66" charset="0"/>
+                </a:rPr>
+                <a:t>Pflichten</a:t>
+              </a:r>
+              <a:r>
+                <a:rPr lang="en-GB" sz="2800" dirty="0">
+                  <a:solidFill>
+                    <a:schemeClr val="bg1"/>
+                  </a:solidFill>
+                  <a:latin typeface="Old English Text MT" panose="03040902040508030806" pitchFamily="66" charset="0"/>
+                </a:rPr>
+                <a:t> </a:t>
+              </a:r>
+              <a:r>
+                <a:rPr lang="en-GB" sz="2800" dirty="0" err="1">
+                  <a:solidFill>
+                    <a:schemeClr val="bg1"/>
+                  </a:solidFill>
+                  <a:latin typeface="Old English Text MT" panose="03040902040508030806" pitchFamily="66" charset="0"/>
+                </a:rPr>
+                <a:t>eines</a:t>
+              </a:r>
+              <a:r>
+                <a:rPr lang="en-GB" sz="2800" dirty="0">
+                  <a:solidFill>
+                    <a:schemeClr val="bg1"/>
+                  </a:solidFill>
+                  <a:latin typeface="Old English Text MT" panose="03040902040508030806" pitchFamily="66" charset="0"/>
+                </a:rPr>
+                <a:t> Ritters</a:t>
+              </a:r>
+              <a:endParaRPr lang="de-AT" sz="2800" dirty="0">
+                <a:solidFill>
+                  <a:schemeClr val="bg1"/>
+                </a:solidFill>
+                <a:latin typeface="Old English Text MT" panose="03040902040508030806" pitchFamily="66" charset="0"/>
+              </a:endParaRPr>
+            </a:p>
+          </p:txBody>
+        </p:sp>
+        <p:pic>
+          <p:nvPicPr>
+            <p:cNvPr id="6" name="Picture 5" descr="A black and white image of a sword&#10;&#10;Description automatically generated">
+              <a:extLst>
+                <a:ext uri="{FF2B5EF4-FFF2-40B4-BE49-F238E27FC236}">
+                  <a16:creationId xmlns:a16="http://schemas.microsoft.com/office/drawing/2014/main" id="{B8A7E176-EA51-CF87-8951-8F43201B0D7A}"/>
+                </a:ext>
+              </a:extLst>
+            </p:cNvPr>
+            <p:cNvPicPr>
+              <a:picLocks noChangeAspect="1"/>
+            </p:cNvPicPr>
+            <p:nvPr/>
+          </p:nvPicPr>
+          <p:blipFill>
+            <a:blip r:embed="rId4">
+              <a:extLst>
+                <a:ext uri="{28A0092B-C50C-407E-A947-70E740481C1C}">
+                  <a14:useLocalDpi xmlns:a14="http://schemas.microsoft.com/office/drawing/2010/main" val="0"/>
+                </a:ext>
+              </a:extLst>
+            </a:blip>
+            <a:stretch>
+              <a:fillRect/>
+            </a:stretch>
+          </p:blipFill>
+          <p:spPr>
+            <a:xfrm rot="10800000">
+              <a:off x="5134876" y="776436"/>
+              <a:ext cx="1175553" cy="523706"/>
+            </a:xfrm>
+            <a:prstGeom prst="rect">
+              <a:avLst/>
+            </a:prstGeom>
+          </p:spPr>
+        </p:pic>
+        <p:pic>
+          <p:nvPicPr>
+            <p:cNvPr id="8" name="Picture 7" descr="A black and white image of a sword&#10;&#10;Description automatically generated">
+              <a:extLst>
+                <a:ext uri="{FF2B5EF4-FFF2-40B4-BE49-F238E27FC236}">
+                  <a16:creationId xmlns:a16="http://schemas.microsoft.com/office/drawing/2014/main" id="{21D347AB-A5FB-D9ED-AF17-FDEDEA79B220}"/>
+                </a:ext>
+              </a:extLst>
+            </p:cNvPr>
+            <p:cNvPicPr>
+              <a:picLocks noChangeAspect="1"/>
+            </p:cNvPicPr>
+            <p:nvPr/>
+          </p:nvPicPr>
+          <p:blipFill>
+            <a:blip r:embed="rId4">
+              <a:extLst>
+                <a:ext uri="{28A0092B-C50C-407E-A947-70E740481C1C}">
+                  <a14:useLocalDpi xmlns:a14="http://schemas.microsoft.com/office/drawing/2010/main" val="0"/>
+                </a:ext>
+              </a:extLst>
+            </a:blip>
+            <a:stretch>
+              <a:fillRect/>
+            </a:stretch>
+          </p:blipFill>
+          <p:spPr>
+            <a:xfrm rot="10800000">
+              <a:off x="5134875" y="1655276"/>
+              <a:ext cx="1175553" cy="523706"/>
+            </a:xfrm>
+            <a:prstGeom prst="rect">
+              <a:avLst/>
+            </a:prstGeom>
+          </p:spPr>
+        </p:pic>
+        <p:pic>
+          <p:nvPicPr>
+            <p:cNvPr id="10" name="Picture 9" descr="A black and white image of a sword&#10;&#10;Description automatically generated">
+              <a:extLst>
+                <a:ext uri="{FF2B5EF4-FFF2-40B4-BE49-F238E27FC236}">
+                  <a16:creationId xmlns:a16="http://schemas.microsoft.com/office/drawing/2014/main" id="{9BBAF95D-312C-9C01-8DB9-88970EA22D20}"/>
+                </a:ext>
+              </a:extLst>
+            </p:cNvPr>
+            <p:cNvPicPr>
+              <a:picLocks noChangeAspect="1"/>
+            </p:cNvPicPr>
+            <p:nvPr/>
+          </p:nvPicPr>
+          <p:blipFill>
+            <a:blip r:embed="rId4">
+              <a:extLst>
+                <a:ext uri="{28A0092B-C50C-407E-A947-70E740481C1C}">
+                  <a14:useLocalDpi xmlns:a14="http://schemas.microsoft.com/office/drawing/2010/main" val="0"/>
+                </a:ext>
+              </a:extLst>
+            </a:blip>
+            <a:stretch>
+              <a:fillRect/>
+            </a:stretch>
+          </p:blipFill>
+          <p:spPr>
+            <a:xfrm rot="10800000">
+              <a:off x="5134873" y="2498958"/>
+              <a:ext cx="1175553" cy="523706"/>
+            </a:xfrm>
+            <a:prstGeom prst="rect">
+              <a:avLst/>
+            </a:prstGeom>
+          </p:spPr>
+        </p:pic>
+        <p:pic>
+          <p:nvPicPr>
+            <p:cNvPr id="11" name="Picture 10" descr="A black and white image of a sword&#10;&#10;Description automatically generated">
+              <a:extLst>
+                <a:ext uri="{FF2B5EF4-FFF2-40B4-BE49-F238E27FC236}">
+                  <a16:creationId xmlns:a16="http://schemas.microsoft.com/office/drawing/2014/main" id="{39D04FF7-E3BD-0839-CFA1-DBF0AC8CCD59}"/>
+                </a:ext>
+              </a:extLst>
+            </p:cNvPr>
+            <p:cNvPicPr>
+              <a:picLocks noChangeAspect="1"/>
+            </p:cNvPicPr>
+            <p:nvPr/>
+          </p:nvPicPr>
+          <p:blipFill>
+            <a:blip r:embed="rId4">
+              <a:extLst>
+                <a:ext uri="{28A0092B-C50C-407E-A947-70E740481C1C}">
+                  <a14:useLocalDpi xmlns:a14="http://schemas.microsoft.com/office/drawing/2010/main" val="0"/>
+                </a:ext>
+              </a:extLst>
+            </a:blip>
+            <a:stretch>
+              <a:fillRect/>
+            </a:stretch>
+          </p:blipFill>
+          <p:spPr>
+            <a:xfrm rot="10800000">
+              <a:off x="5134873" y="3377797"/>
+              <a:ext cx="1175553" cy="523706"/>
+            </a:xfrm>
+            <a:prstGeom prst="rect">
+              <a:avLst/>
+            </a:prstGeom>
+          </p:spPr>
+        </p:pic>
+      </p:grpSp>
+      <p:pic>
+        <p:nvPicPr>
+          <p:cNvPr id="5" name="Picture 10" descr="A black and white image of a sword&#10;&#10;Description automatically generated">
+            <a:extLst>
+              <a:ext uri="{FF2B5EF4-FFF2-40B4-BE49-F238E27FC236}">
+                <a16:creationId xmlns:a16="http://schemas.microsoft.com/office/drawing/2014/main" id="{5758C907-6BEA-EC1C-828B-24D4D83A7A66}"/>
+              </a:ext>
+            </a:extLst>
+          </p:cNvPr>
+          <p:cNvPicPr>
+            <a:picLocks noChangeAspect="1"/>
+          </p:cNvPicPr>
+          <p:nvPr/>
+        </p:nvPicPr>
+        <p:blipFill>
+          <a:blip r:embed="rId4">
+            <a:extLst>
+              <a:ext uri="{28A0092B-C50C-407E-A947-70E740481C1C}">
+                <a14:useLocalDpi xmlns:a14="http://schemas.microsoft.com/office/drawing/2010/main" val="0"/>
+              </a:ext>
+            </a:extLst>
+          </a:blip>
+          <a:stretch>
+            <a:fillRect/>
+          </a:stretch>
+        </p:blipFill>
+        <p:spPr>
+          <a:xfrm rot="10800000">
+            <a:off x="5134872" y="4203575"/>
+            <a:ext cx="1175553" cy="523706"/>
+          </a:xfrm>
+          <a:prstGeom prst="rect">
+            <a:avLst/>
+          </a:prstGeom>
+        </p:spPr>
+      </p:pic>
+    </p:spTree>
+    <p:extLst>
+      <p:ext uri="{BB962C8B-B14F-4D97-AF65-F5344CB8AC3E}">
+        <p14:creationId xmlns:p14="http://schemas.microsoft.com/office/powerpoint/2010/main" val="4264789475"/>
+      </p:ext>
+    </p:extLst>
+  </p:cSld>
+  <p:clrMapOvr>
+    <a:masterClrMapping/>
+  </p:clrMapOvr>
+  <mc:AlternateContent xmlns:mc="http://schemas.openxmlformats.org/markup-compatibility/2006" xmlns:p159="http://schemas.microsoft.com/office/powerpoint/2015/09/main">
+    <mc:Choice Requires="p159">
+      <p:transition xmlns:p14="http://schemas.microsoft.com/office/powerpoint/2010/main" spd="slow" p14:dur="2000">
+        <p159:morph option="byObject"/>
+      </p:transition>
+    </mc:Choice>
+    <mc:Fallback xmlns="">
+      <p:transition spd="slow">
+        <p:fade/>
+      </p:transition>
+    </mc:Fallback>
+  </mc:AlternateContent>
+</p:sld>
+</file>
+
+<file path=ppt/slides/slide4.xml><?xml version="1.0" encoding="utf-8"?>
+<p:sld xmlns:a="http://schemas.openxmlformats.org/drawingml/2006/main" xmlns:r="http://schemas.openxmlformats.org/officeDocument/2006/relationships" xmlns:p="http://schemas.openxmlformats.org/presentationml/2006/main">
+  <p:cSld>
+    <p:spTree>
+      <p:nvGrpSpPr>
+        <p:cNvPr id="1" name=""/>
+        <p:cNvGrpSpPr/>
+        <p:nvPr/>
+      </p:nvGrpSpPr>
+      <p:grpSpPr>
+        <a:xfrm>
+          <a:off x="0" y="0"/>
+          <a:ext cx="0" cy="0"/>
+          <a:chOff x="0" y="0"/>
+          <a:chExt cx="0" cy="0"/>
+        </a:xfrm>
+      </p:grpSpPr>
+      <p:pic>
+        <p:nvPicPr>
+          <p:cNvPr id="1026" name="Picture 2">
+            <a:extLst>
+              <a:ext uri="{FF2B5EF4-FFF2-40B4-BE49-F238E27FC236}">
+                <a16:creationId xmlns:a16="http://schemas.microsoft.com/office/drawing/2014/main" id="{66060E70-AF33-BBB7-4415-AF4B0B1C3DD8}"/>
+              </a:ext>
+            </a:extLst>
+          </p:cNvPr>
+          <p:cNvPicPr>
+            <a:picLocks noGrp="1" noRot="1" noChangeAspect="1" noMove="1" noResize="1" noEditPoints="1" noAdjustHandles="1" noChangeArrowheads="1" noChangeShapeType="1" noCrop="1"/>
+          </p:cNvPicPr>
+          <p:nvPr/>
+        </p:nvPicPr>
+        <p:blipFill>
+          <a:blip r:embed="rId2">
+            <a:extLst>
+              <a:ext uri="{28A0092B-C50C-407E-A947-70E740481C1C}">
+                <a14:useLocalDpi xmlns:a14="http://schemas.microsoft.com/office/drawing/2010/main" val="0"/>
+              </a:ext>
+            </a:extLst>
+          </a:blip>
+          <a:srcRect/>
+          <a:stretch>
+            <a:fillRect/>
+          </a:stretch>
+        </p:blipFill>
+        <p:spPr bwMode="auto">
+          <a:xfrm>
+            <a:off x="0" y="-374650"/>
+            <a:ext cx="12192000" cy="7232649"/>
+          </a:xfrm>
+          <a:prstGeom prst="rect">
+            <a:avLst/>
+          </a:prstGeom>
+          <a:noFill/>
+          <a:extLst>
+            <a:ext uri="{909E8E84-426E-40DD-AFC4-6F175D3DCCD1}">
+              <a14:hiddenFill xmlns:a14="http://schemas.microsoft.com/office/drawing/2010/main">
+                <a:solidFill>
+                  <a:srgbClr val="FFFFFF"/>
+                </a:solidFill>
+              </a14:hiddenFill>
+            </a:ext>
+          </a:extLst>
+        </p:spPr>
+      </p:pic>
+      <p:sp>
+        <p:nvSpPr>
+          <p:cNvPr id="4" name="Titel 3">
+            <a:extLst>
+              <a:ext uri="{FF2B5EF4-FFF2-40B4-BE49-F238E27FC236}">
+                <a16:creationId xmlns:a16="http://schemas.microsoft.com/office/drawing/2014/main" id="{0ECEAC8D-67AE-E553-1953-73F35A6EFB98}"/>
+              </a:ext>
+            </a:extLst>
+          </p:cNvPr>
+          <p:cNvSpPr>
+            <a:spLocks noGrp="1"/>
+          </p:cNvSpPr>
+          <p:nvPr>
+            <p:ph type="ctrTitle"/>
+          </p:nvPr>
+        </p:nvSpPr>
+        <p:spPr/>
+        <p:txBody>
+          <a:bodyPr/>
+          <a:lstStyle/>
+          <a:p>
+            <a:r>
+              <a:rPr lang="de-AT" dirty="0">
+                <a:ln>
+                  <a:solidFill>
+                    <a:schemeClr val="bg1">
+                      <a:lumMod val="65000"/>
+                    </a:schemeClr>
+                  </a:solidFill>
+                </a:ln>
+                <a:latin typeface="Old English Text MT" panose="03040902040508030806" pitchFamily="66" charset="0"/>
+              </a:rPr>
+              <a:t>Was genau sind Rittern?</a:t>
+            </a:r>
+          </a:p>
+        </p:txBody>
+      </p:sp>
+    </p:spTree>
+    <p:extLst>
+      <p:ext uri="{BB962C8B-B14F-4D97-AF65-F5344CB8AC3E}">
+        <p14:creationId xmlns:p14="http://schemas.microsoft.com/office/powerpoint/2010/main" val="892607651"/>
+      </p:ext>
+    </p:extLst>
+  </p:cSld>
+  <p:clrMapOvr>
+    <a:masterClrMapping/>
+  </p:clrMapOvr>
+  <p:transition spd="slow">
+    <p:push dir="u"/>
+  </p:transition>
+</p:sld>
+</file>
+
+<file path=ppt/slides/slide5.xml><?xml version="1.0" encoding="utf-8"?>
+<p:sld xmlns:a="http://schemas.openxmlformats.org/drawingml/2006/main" xmlns:r="http://schemas.openxmlformats.org/officeDocument/2006/relationships" xmlns:p="http://schemas.openxmlformats.org/presentationml/2006/main">
+  <p:cSld>
+    <p:spTree>
+      <p:nvGrpSpPr>
+        <p:cNvPr id="1" name="">
+          <a:extLst>
+            <a:ext uri="{FF2B5EF4-FFF2-40B4-BE49-F238E27FC236}">
+              <a16:creationId xmlns:a16="http://schemas.microsoft.com/office/drawing/2014/main" id="{854A3430-A77D-9854-6D4F-BF3B9452A15A}"/>
+            </a:ext>
+          </a:extLst>
+        </p:cNvPr>
+        <p:cNvGrpSpPr/>
+        <p:nvPr/>
+      </p:nvGrpSpPr>
+      <p:grpSpPr>
+        <a:xfrm>
+          <a:off x="0" y="0"/>
+          <a:ext cx="0" cy="0"/>
+          <a:chOff x="0" y="0"/>
+          <a:chExt cx="0" cy="0"/>
+        </a:xfrm>
+      </p:grpSpPr>
+      <p:pic>
+        <p:nvPicPr>
+          <p:cNvPr id="1026" name="Picture 2">
+            <a:extLst>
+              <a:ext uri="{FF2B5EF4-FFF2-40B4-BE49-F238E27FC236}">
+                <a16:creationId xmlns:a16="http://schemas.microsoft.com/office/drawing/2014/main" id="{421B1565-765F-FF8F-51BE-72B84FE7CD12}"/>
+              </a:ext>
+            </a:extLst>
+          </p:cNvPr>
+          <p:cNvPicPr>
+            <a:picLocks noGrp="1" noRot="1" noChangeAspect="1" noMove="1" noResize="1" noEditPoints="1" noAdjustHandles="1" noChangeArrowheads="1" noChangeShapeType="1" noCrop="1"/>
+          </p:cNvPicPr>
+          <p:nvPr/>
+        </p:nvPicPr>
+        <p:blipFill>
+          <a:blip r:embed="rId2">
+            <a:extLst>
+              <a:ext uri="{BEBA8EAE-BF5A-486C-A8C5-ECC9F3942E4B}">
+                <a14:imgProps xmlns:a14="http://schemas.microsoft.com/office/drawing/2010/main">
+                  <a14:imgLayer r:embed="rId3">
+                    <a14:imgEffect>
+                      <a14:saturation sat="33000"/>
+                    </a14:imgEffect>
+                  </a14:imgLayer>
+                </a14:imgProps>
+              </a:ext>
+              <a:ext uri="{28A0092B-C50C-407E-A947-70E740481C1C}">
+                <a14:useLocalDpi xmlns:a14="http://schemas.microsoft.com/office/drawing/2010/main" val="0"/>
+              </a:ext>
+            </a:extLst>
+          </a:blip>
+          <a:srcRect/>
+          <a:stretch>
+            <a:fillRect/>
+          </a:stretch>
+        </p:blipFill>
+        <p:spPr bwMode="auto">
+          <a:xfrm>
+            <a:off x="0" y="-361950"/>
+            <a:ext cx="12192000" cy="7219949"/>
+          </a:xfrm>
+          <a:prstGeom prst="rect">
+            <a:avLst/>
+          </a:prstGeom>
+          <a:noFill/>
+          <a:extLst>
+            <a:ext uri="{909E8E84-426E-40DD-AFC4-6F175D3DCCD1}">
+              <a14:hiddenFill xmlns:a14="http://schemas.microsoft.com/office/drawing/2010/main">
+                <a:solidFill>
+                  <a:srgbClr val="FFFFFF"/>
+                </a:solidFill>
+              </a14:hiddenFill>
+            </a:ext>
+          </a:extLst>
+        </p:spPr>
+      </p:pic>
+      <p:sp>
+        <p:nvSpPr>
+          <p:cNvPr id="4" name="Titel 3">
+            <a:extLst>
+              <a:ext uri="{FF2B5EF4-FFF2-40B4-BE49-F238E27FC236}">
+                <a16:creationId xmlns:a16="http://schemas.microsoft.com/office/drawing/2014/main" id="{66675C73-98CE-2FF6-0C43-1BA3052EBE1C}"/>
+              </a:ext>
+            </a:extLst>
+          </p:cNvPr>
+          <p:cNvSpPr>
+            <a:spLocks noGrp="1"/>
+          </p:cNvSpPr>
+          <p:nvPr>
+            <p:ph type="ctrTitle"/>
+          </p:nvPr>
+        </p:nvSpPr>
+        <p:spPr>
+          <a:xfrm>
+            <a:off x="1524000" y="69849"/>
+            <a:ext cx="9144000" cy="957263"/>
+          </a:xfrm>
+        </p:spPr>
+        <p:txBody>
+          <a:bodyPr/>
+          <a:lstStyle/>
+          <a:p>
+            <a:r>
+              <a:rPr lang="de-AT" dirty="0">
+                <a:ln>
+                  <a:solidFill>
+                    <a:schemeClr val="bg1">
+                      <a:lumMod val="65000"/>
+                    </a:schemeClr>
+                  </a:solidFill>
+                </a:ln>
+                <a:latin typeface="Old English Text MT" panose="03040902040508030806" pitchFamily="66" charset="0"/>
+              </a:rPr>
+              <a:t>Was genau sind Rittern?</a:t>
+            </a:r>
+          </a:p>
+        </p:txBody>
+      </p:sp>
+      <p:sp>
+        <p:nvSpPr>
+          <p:cNvPr id="3" name="Textfeld 2">
+            <a:extLst>
+              <a:ext uri="{FF2B5EF4-FFF2-40B4-BE49-F238E27FC236}">
+                <a16:creationId xmlns:a16="http://schemas.microsoft.com/office/drawing/2014/main" id="{132C9D20-D04C-9FBE-BC39-D773B15D4EB0}"/>
+              </a:ext>
+            </a:extLst>
+          </p:cNvPr>
+          <p:cNvSpPr txBox="1"/>
+          <p:nvPr/>
+        </p:nvSpPr>
+        <p:spPr>
+          <a:xfrm>
+            <a:off x="1206500" y="1841500"/>
+            <a:ext cx="5588000" cy="3539430"/>
+          </a:xfrm>
+          <a:prstGeom prst="rect">
+            <a:avLst/>
+          </a:prstGeom>
+          <a:noFill/>
+        </p:spPr>
+        <p:txBody>
+          <a:bodyPr wrap="square" rtlCol="0">
+            <a:spAutoFit/>
+          </a:bodyPr>
+          <a:lstStyle/>
+          <a:p>
+            <a:pPr marL="457200" indent="-457200">
+              <a:buFont typeface="Wingdings" panose="05000000000000000000" pitchFamily="2" charset="2"/>
+              <a:buChar char="Ø"/>
+            </a:pPr>
+            <a:r>
+              <a:rPr lang="en-US" sz="3200" dirty="0">
+                <a:ln>
+                  <a:solidFill>
+                    <a:schemeClr val="bg1">
+                      <a:lumMod val="85000"/>
+                    </a:schemeClr>
+                  </a:solidFill>
+                </a:ln>
+                <a:solidFill>
+                  <a:schemeClr val="bg1"/>
+                </a:solidFill>
+              </a:rPr>
+              <a:t>Krieger</a:t>
+            </a:r>
+            <a:r>
+              <a:rPr lang="de-AT" sz="3200" dirty="0">
+                <a:ln>
+                  <a:solidFill>
+                    <a:schemeClr val="bg1">
+                      <a:lumMod val="85000"/>
+                    </a:schemeClr>
+                  </a:solidFill>
+                </a:ln>
+                <a:solidFill>
+                  <a:schemeClr val="bg1"/>
+                </a:solidFill>
+              </a:rPr>
+              <a:t> im </a:t>
+            </a:r>
+            <a:r>
+              <a:rPr lang="en-US" sz="3200" dirty="0">
+                <a:ln>
+                  <a:solidFill>
+                    <a:schemeClr val="bg1">
+                      <a:lumMod val="85000"/>
+                    </a:schemeClr>
+                  </a:solidFill>
+                </a:ln>
+                <a:solidFill>
+                  <a:schemeClr val="bg1"/>
+                </a:solidFill>
+              </a:rPr>
+              <a:t>Mittel alter</a:t>
+            </a:r>
+          </a:p>
+          <a:p>
+            <a:pPr marL="457200" indent="-457200">
+              <a:buFont typeface="Wingdings" panose="05000000000000000000" pitchFamily="2" charset="2"/>
+              <a:buChar char="Ø"/>
+            </a:pPr>
+            <a:endParaRPr lang="en-US" sz="3200" dirty="0">
+              <a:ln>
+                <a:solidFill>
+                  <a:schemeClr val="bg1">
+                    <a:lumMod val="85000"/>
+                  </a:schemeClr>
+                </a:solidFill>
+              </a:ln>
+              <a:solidFill>
+                <a:schemeClr val="bg1"/>
+              </a:solidFill>
+            </a:endParaRPr>
+          </a:p>
+          <a:p>
+            <a:pPr marL="457200" indent="-457200">
+              <a:buFont typeface="Wingdings" panose="05000000000000000000" pitchFamily="2" charset="2"/>
+              <a:buChar char="Ø"/>
+            </a:pPr>
+            <a:endParaRPr lang="en-US" sz="3200" dirty="0">
+              <a:ln>
+                <a:solidFill>
+                  <a:schemeClr val="bg1">
+                    <a:lumMod val="85000"/>
+                  </a:schemeClr>
+                </a:solidFill>
+              </a:ln>
+              <a:solidFill>
+                <a:schemeClr val="bg1"/>
+              </a:solidFill>
+            </a:endParaRPr>
+          </a:p>
+          <a:p>
+            <a:pPr marL="457200" indent="-457200">
+              <a:buFont typeface="Wingdings" panose="05000000000000000000" pitchFamily="2" charset="2"/>
+              <a:buChar char="Ø"/>
+            </a:pPr>
+            <a:r>
+              <a:rPr lang="en-US" sz="3200" dirty="0" err="1">
+                <a:ln>
+                  <a:solidFill>
+                    <a:schemeClr val="bg1">
+                      <a:lumMod val="85000"/>
+                    </a:schemeClr>
+                  </a:solidFill>
+                </a:ln>
+                <a:solidFill>
+                  <a:schemeClr val="bg1"/>
+                </a:solidFill>
+              </a:rPr>
+              <a:t>Gefolgsleute</a:t>
+            </a:r>
+            <a:r>
+              <a:rPr lang="en-US" sz="3200" dirty="0">
+                <a:ln>
+                  <a:solidFill>
+                    <a:schemeClr val="bg1">
+                      <a:lumMod val="85000"/>
+                    </a:schemeClr>
+                  </a:solidFill>
+                </a:ln>
+                <a:solidFill>
+                  <a:schemeClr val="bg1"/>
+                </a:solidFill>
+              </a:rPr>
+              <a:t> von </a:t>
+            </a:r>
+            <a:r>
+              <a:rPr lang="en-US" sz="3200" dirty="0" err="1">
+                <a:ln>
+                  <a:solidFill>
+                    <a:schemeClr val="bg1">
+                      <a:lumMod val="85000"/>
+                    </a:schemeClr>
+                  </a:solidFill>
+                </a:ln>
+                <a:solidFill>
+                  <a:schemeClr val="bg1"/>
+                </a:solidFill>
+              </a:rPr>
+              <a:t>Adelige</a:t>
+            </a:r>
+            <a:endParaRPr lang="en-US" sz="3200" dirty="0">
+              <a:ln>
+                <a:solidFill>
+                  <a:schemeClr val="bg1">
+                    <a:lumMod val="85000"/>
+                  </a:schemeClr>
+                </a:solidFill>
+              </a:ln>
+              <a:solidFill>
+                <a:schemeClr val="bg1"/>
+              </a:solidFill>
+            </a:endParaRPr>
+          </a:p>
+          <a:p>
+            <a:pPr marL="457200" indent="-457200">
+              <a:buFont typeface="Wingdings" panose="05000000000000000000" pitchFamily="2" charset="2"/>
+              <a:buChar char="Ø"/>
+            </a:pPr>
+            <a:endParaRPr lang="en-US" sz="3200" dirty="0">
+              <a:ln>
+                <a:solidFill>
+                  <a:schemeClr val="bg1">
+                    <a:lumMod val="85000"/>
+                  </a:schemeClr>
+                </a:solidFill>
+              </a:ln>
+              <a:solidFill>
+                <a:schemeClr val="bg1"/>
+              </a:solidFill>
+            </a:endParaRPr>
+          </a:p>
+          <a:p>
+            <a:pPr marL="457200" indent="-457200">
+              <a:buFont typeface="Wingdings" panose="05000000000000000000" pitchFamily="2" charset="2"/>
+              <a:buChar char="Ø"/>
+            </a:pPr>
+            <a:endParaRPr lang="en-US" sz="3200" dirty="0">
+              <a:ln>
+                <a:solidFill>
+                  <a:schemeClr val="bg1">
+                    <a:lumMod val="85000"/>
+                  </a:schemeClr>
+                </a:solidFill>
+              </a:ln>
+              <a:solidFill>
+                <a:schemeClr val="bg1"/>
+              </a:solidFill>
+            </a:endParaRPr>
+          </a:p>
+          <a:p>
+            <a:pPr marL="457200" indent="-457200">
+              <a:buFont typeface="Wingdings" panose="05000000000000000000" pitchFamily="2" charset="2"/>
+              <a:buChar char="Ø"/>
+            </a:pPr>
+            <a:r>
+              <a:rPr lang="en-US" sz="3200" dirty="0">
+                <a:ln>
+                  <a:solidFill>
+                    <a:schemeClr val="bg1">
+                      <a:lumMod val="85000"/>
+                    </a:schemeClr>
+                  </a:solidFill>
+                </a:ln>
+                <a:solidFill>
+                  <a:schemeClr val="bg1"/>
+                </a:solidFill>
+              </a:rPr>
+              <a:t>Aufgabe und Privilege</a:t>
+            </a:r>
+          </a:p>
+        </p:txBody>
+      </p:sp>
+    </p:spTree>
+    <p:extLst>
+      <p:ext uri="{BB962C8B-B14F-4D97-AF65-F5344CB8AC3E}">
+        <p14:creationId xmlns:p14="http://schemas.microsoft.com/office/powerpoint/2010/main" val="2157724457"/>
+      </p:ext>
+    </p:extLst>
+  </p:cSld>
+  <p:clrMapOvr>
+    <a:masterClrMapping/>
+  </p:clrMapOvr>
+  <mc:AlternateContent xmlns:mc="http://schemas.openxmlformats.org/markup-compatibility/2006" xmlns:p159="http://schemas.microsoft.com/office/powerpoint/2015/09/main">
+    <mc:Choice Requires="p159">
+      <p:transition xmlns:p14="http://schemas.microsoft.com/office/powerpoint/2010/main" spd="slow" p14:dur="2000">
+        <p159:morph option="byObject"/>
+      </p:transition>
+    </mc:Choice>
+    <mc:Fallback xmlns="">
+      <p:transition spd="slow">
+        <p:fade/>
+      </p:transition>
+    </mc:Fallback>
+  </mc:AlternateContent>
+  <p:timing>
+    <p:tnLst>
+      <p:par>
+        <p:cTn id="1" dur="indefinite" restart="never" nodeType="tmRoot">
+          <p:childTnLst>
+            <p:seq concurrent="1" nextAc="seek">
+              <p:cTn id="2" dur="indefinite" nodeType="mainSeq">
+                <p:childTnLst>
+                  <p:par>
+                    <p:cTn id="3" fill="hold">
+                      <p:stCondLst>
+                        <p:cond delay="indefinite"/>
+                      </p:stCondLst>
+                      <p:childTnLst>
+                        <p:par>
+                          <p:cTn id="4" fill="hold">
+                            <p:stCondLst>
+                              <p:cond delay="0"/>
+                            </p:stCondLst>
+                            <p:childTnLst>
+                              <p:par>
+                                <p:cTn id="5" presetID="2" presetClass="entr" presetSubtype="8" fill="hold" nodeType="clickEffect">
+                                  <p:stCondLst>
+                                    <p:cond delay="0"/>
+                                  </p:stCondLst>
+                                  <p:childTnLst>
+                                    <p:set>
+                                      <p:cBhvr>
+                                        <p:cTn id="6" dur="1" fill="hold">
+                                          <p:stCondLst>
+                                            <p:cond delay="0"/>
+                                          </p:stCondLst>
+                                        </p:cTn>
+                                        <p:tgtEl>
+                                          <p:spTgt spid="3">
+                                            <p:txEl>
+                                              <p:pRg st="0" end="0"/>
+                                            </p:txEl>
+                                          </p:spTgt>
+                                        </p:tgtEl>
+                                        <p:attrNameLst>
+                                          <p:attrName>style.visibility</p:attrName>
+                                        </p:attrNameLst>
+                                      </p:cBhvr>
+                                      <p:to>
+                                        <p:strVal val="visible"/>
+                                      </p:to>
+                                    </p:set>
+                                    <p:anim calcmode="lin" valueType="num">
+                                      <p:cBhvr additive="base">
+                                        <p:cTn id="7" dur="500" fill="hold"/>
+                                        <p:tgtEl>
+                                          <p:spTgt spid="3">
+                                            <p:txEl>
+                                              <p:pRg st="0" end="0"/>
+                                            </p:txEl>
+                                          </p:spTgt>
+                                        </p:tgtEl>
+                                        <p:attrNameLst>
+                                          <p:attrName>ppt_x</p:attrName>
+                                        </p:attrNameLst>
+                                      </p:cBhvr>
+                                      <p:tavLst>
+                                        <p:tav tm="0">
+                                          <p:val>
+                                            <p:strVal val="0-#ppt_w/2"/>
+                                          </p:val>
+                                        </p:tav>
+                                        <p:tav tm="100000">
+                                          <p:val>
+                                            <p:strVal val="#ppt_x"/>
+                                          </p:val>
+                                        </p:tav>
+                                      </p:tavLst>
+                                    </p:anim>
+                                    <p:anim calcmode="lin" valueType="num">
+                                      <p:cBhvr additive="base">
+                                        <p:cTn id="8" dur="500" fill="hold"/>
+                                        <p:tgtEl>
+                                          <p:spTgt spid="3">
+                                            <p:txEl>
+                                              <p:pRg st="0" end="0"/>
+                                            </p:txEl>
+                                          </p:spTgt>
+                                        </p:tgtEl>
+                                        <p:attrNameLst>
+                                          <p:attrName>ppt_y</p:attrName>
+                                        </p:attrNameLst>
+                                      </p:cBhvr>
+                                      <p:tavLst>
+                                        <p:tav tm="0">
+                                          <p:val>
+                                            <p:strVal val="#ppt_y"/>
+                                          </p:val>
+                                        </p:tav>
+                                        <p:tav tm="100000">
+                                          <p:val>
+                                            <p:strVal val="#ppt_y"/>
+                                          </p:val>
+                                        </p:tav>
+                                      </p:tavLst>
+                                    </p:anim>
+                                  </p:childTnLst>
+                                </p:cTn>
+                              </p:par>
+                            </p:childTnLst>
+                          </p:cTn>
+                        </p:par>
+                      </p:childTnLst>
+                    </p:cTn>
+                  </p:par>
+                  <p:par>
+                    <p:cTn id="9" fill="hold">
+                      <p:stCondLst>
+                        <p:cond delay="indefinite"/>
+                      </p:stCondLst>
+                      <p:childTnLst>
+                        <p:par>
+                          <p:cTn id="10" fill="hold">
+                            <p:stCondLst>
+                              <p:cond delay="0"/>
+                            </p:stCondLst>
+                            <p:childTnLst>
+                              <p:par>
+                                <p:cTn id="11" presetID="2" presetClass="entr" presetSubtype="8" fill="hold" nodeType="clickEffect">
+                                  <p:stCondLst>
+                                    <p:cond delay="0"/>
+                                  </p:stCondLst>
+                                  <p:childTnLst>
+                                    <p:set>
+                                      <p:cBhvr>
+                                        <p:cTn id="12" dur="1" fill="hold">
+                                          <p:stCondLst>
+                                            <p:cond delay="0"/>
+                                          </p:stCondLst>
+                                        </p:cTn>
+                                        <p:tgtEl>
+                                          <p:spTgt spid="3">
+                                            <p:txEl>
+                                              <p:pRg st="3" end="3"/>
+                                            </p:txEl>
+                                          </p:spTgt>
+                                        </p:tgtEl>
+                                        <p:attrNameLst>
+                                          <p:attrName>style.visibility</p:attrName>
+                                        </p:attrNameLst>
+                                      </p:cBhvr>
+                                      <p:to>
+                                        <p:strVal val="visible"/>
+                                      </p:to>
+                                    </p:set>
+                                    <p:anim calcmode="lin" valueType="num">
+                                      <p:cBhvr additive="base">
+                                        <p:cTn id="13" dur="500" fill="hold"/>
+                                        <p:tgtEl>
+                                          <p:spTgt spid="3">
+                                            <p:txEl>
+                                              <p:pRg st="3" end="3"/>
+                                            </p:txEl>
+                                          </p:spTgt>
+                                        </p:tgtEl>
+                                        <p:attrNameLst>
+                                          <p:attrName>ppt_x</p:attrName>
+                                        </p:attrNameLst>
+                                      </p:cBhvr>
+                                      <p:tavLst>
+                                        <p:tav tm="0">
+                                          <p:val>
+                                            <p:strVal val="0-#ppt_w/2"/>
+                                          </p:val>
+                                        </p:tav>
+                                        <p:tav tm="100000">
+                                          <p:val>
+                                            <p:strVal val="#ppt_x"/>
+                                          </p:val>
+                                        </p:tav>
+                                      </p:tavLst>
+                                    </p:anim>
+                                    <p:anim calcmode="lin" valueType="num">
+                                      <p:cBhvr additive="base">
+                                        <p:cTn id="14" dur="500" fill="hold"/>
+                                        <p:tgtEl>
+                                          <p:spTgt spid="3">
+                                            <p:txEl>
+                                              <p:pRg st="3" end="3"/>
+                                            </p:txEl>
+                                          </p:spTgt>
+                                        </p:tgtEl>
+                                        <p:attrNameLst>
+                                          <p:attrName>ppt_y</p:attrName>
+                                        </p:attrNameLst>
+                                      </p:cBhvr>
+                                      <p:tavLst>
+                                        <p:tav tm="0">
+                                          <p:val>
+                                            <p:strVal val="#ppt_y"/>
+                                          </p:val>
+                                        </p:tav>
+                                        <p:tav tm="100000">
+                                          <p:val>
+                                            <p:strVal val="#ppt_y"/>
+                                          </p:val>
+                                        </p:tav>
+                                      </p:tavLst>
+                                    </p:anim>
+                                  </p:childTnLst>
+                                </p:cTn>
+                              </p:par>
+                            </p:childTnLst>
+                          </p:cTn>
+                        </p:par>
+                      </p:childTnLst>
+                    </p:cTn>
+                  </p:par>
+                  <p:par>
+                    <p:cTn id="15" fill="hold">
+                      <p:stCondLst>
+                        <p:cond delay="indefinite"/>
+                      </p:stCondLst>
+                      <p:childTnLst>
+                        <p:par>
+                          <p:cTn id="16" fill="hold">
+                            <p:stCondLst>
+                              <p:cond delay="0"/>
+                            </p:stCondLst>
+                            <p:childTnLst>
+                              <p:par>
+                                <p:cTn id="17" presetID="2" presetClass="entr" presetSubtype="8" fill="hold" nodeType="clickEffect">
+                                  <p:stCondLst>
+                                    <p:cond delay="0"/>
+                                  </p:stCondLst>
+                                  <p:childTnLst>
+                                    <p:set>
+                                      <p:cBhvr>
+                                        <p:cTn id="18" dur="1" fill="hold">
+                                          <p:stCondLst>
+                                            <p:cond delay="0"/>
+                                          </p:stCondLst>
+                                        </p:cTn>
+                                        <p:tgtEl>
+                                          <p:spTgt spid="3">
+                                            <p:txEl>
+                                              <p:pRg st="6" end="6"/>
+                                            </p:txEl>
+                                          </p:spTgt>
+                                        </p:tgtEl>
+                                        <p:attrNameLst>
+                                          <p:attrName>style.visibility</p:attrName>
+                                        </p:attrNameLst>
+                                      </p:cBhvr>
+                                      <p:to>
+                                        <p:strVal val="visible"/>
+                                      </p:to>
+                                    </p:set>
+                                    <p:anim calcmode="lin" valueType="num">
+                                      <p:cBhvr additive="base">
+                                        <p:cTn id="19" dur="500" fill="hold"/>
+                                        <p:tgtEl>
+                                          <p:spTgt spid="3">
+                                            <p:txEl>
+                                              <p:pRg st="6" end="6"/>
+                                            </p:txEl>
+                                          </p:spTgt>
+                                        </p:tgtEl>
+                                        <p:attrNameLst>
+                                          <p:attrName>ppt_x</p:attrName>
+                                        </p:attrNameLst>
+                                      </p:cBhvr>
+                                      <p:tavLst>
+                                        <p:tav tm="0">
+                                          <p:val>
+                                            <p:strVal val="0-#ppt_w/2"/>
+                                          </p:val>
+                                        </p:tav>
+                                        <p:tav tm="100000">
+                                          <p:val>
+                                            <p:strVal val="#ppt_x"/>
+                                          </p:val>
+                                        </p:tav>
+                                      </p:tavLst>
+                                    </p:anim>
+                                    <p:anim calcmode="lin" valueType="num">
+                                      <p:cBhvr additive="base">
+                                        <p:cTn id="20" dur="500" fill="hold"/>
+                                        <p:tgtEl>
+                                          <p:spTgt spid="3">
+                                            <p:txEl>
+                                              <p:pRg st="6" end="6"/>
+                                            </p:txEl>
+                                          </p:spTgt>
+                                        </p:tgtEl>
+                                        <p:attrNameLst>
+                                          <p:attrName>ppt_y</p:attrName>
+                                        </p:attrNameLst>
+                                      </p:cBhvr>
+                                      <p:tavLst>
+                                        <p:tav tm="0">
+                                          <p:val>
+                                            <p:strVal val="#ppt_y"/>
+                                          </p:val>
+                                        </p:tav>
+                                        <p:tav tm="100000">
+                                          <p:val>
+                                            <p:strVal val="#ppt_y"/>
+                                          </p:val>
+                                        </p:tav>
+                                      </p:tavLst>
+                                    </p:anim>
+                                  </p:childTnLst>
+                                </p:cTn>
+                              </p:par>
+                            </p:childTnLst>
+                          </p:cTn>
+                        </p:par>
+                      </p:childTnLst>
+                    </p:cTn>
+                  </p:par>
+                </p:childTnLst>
+              </p:cTn>
+              <p:prevCondLst>
+                <p:cond evt="onPrev" delay="0">
+                  <p:tgtEl>
+                    <p:sldTgt/>
+                  </p:tgtEl>
+                </p:cond>
+              </p:prevCondLst>
+              <p:nextCondLst>
+                <p:cond evt="onNext" delay="0">
+                  <p:tgtEl>
+                    <p:sldTgt/>
+                  </p:tgtEl>
+                </p:cond>
+              </p:nextCondLst>
+            </p:seq>
+          </p:childTnLst>
+        </p:cTn>
+      </p:par>
+    </p:tnLst>
+  </p:timing>
+</p:sld>
+</file>
+
+<file path=ppt/slides/slide6.xml><?xml version="1.0" encoding="utf-8"?>
+<p:sld xmlns:a="http://schemas.openxmlformats.org/drawingml/2006/main" xmlns:r="http://schemas.openxmlformats.org/officeDocument/2006/relationships" xmlns:p="http://schemas.openxmlformats.org/presentationml/2006/main">
+  <p:cSld>
+    <p:spTree>
+      <p:nvGrpSpPr>
+        <p:cNvPr id="1" name=""/>
+        <p:cNvGrpSpPr/>
+        <p:nvPr/>
+      </p:nvGrpSpPr>
+      <p:grpSpPr>
+        <a:xfrm>
+          <a:off x="0" y="0"/>
+          <a:ext cx="0" cy="0"/>
+          <a:chOff x="0" y="0"/>
+          <a:chExt cx="0" cy="0"/>
+        </a:xfrm>
+      </p:grpSpPr>
+      <p:pic>
+        <p:nvPicPr>
+          <p:cNvPr id="1028" name="Picture 4" descr="undefined">
+            <a:extLst>
+              <a:ext uri="{FF2B5EF4-FFF2-40B4-BE49-F238E27FC236}">
+                <a16:creationId xmlns:a16="http://schemas.microsoft.com/office/drawing/2014/main" id="{A6F0D7E1-82B5-1B1E-EE11-180D4B32D697}"/>
+              </a:ext>
+            </a:extLst>
+          </p:cNvPr>
+          <p:cNvPicPr>
+            <a:picLocks noGrp="1" noRot="1" noChangeAspect="1" noMove="1" noResize="1" noEditPoints="1" noAdjustHandles="1" noChangeArrowheads="1" noChangeShapeType="1" noCrop="1"/>
+          </p:cNvPicPr>
+          <p:nvPr/>
+        </p:nvPicPr>
+        <p:blipFill>
+          <a:blip r:embed="rId2">
+            <a:extLst>
+              <a:ext uri="{28A0092B-C50C-407E-A947-70E740481C1C}">
+                <a14:useLocalDpi xmlns:a14="http://schemas.microsoft.com/office/drawing/2010/main" val="0"/>
+              </a:ext>
+            </a:extLst>
+          </a:blip>
+          <a:srcRect/>
+          <a:stretch>
+            <a:fillRect/>
+          </a:stretch>
+        </p:blipFill>
+        <p:spPr bwMode="auto">
+          <a:xfrm>
+            <a:off x="-262605" y="-304800"/>
+            <a:ext cx="12546321" cy="7467600"/>
+          </a:xfrm>
+          <a:prstGeom prst="rect">
+            <a:avLst/>
+          </a:prstGeom>
+          <a:noFill/>
+          <a:extLst>
+            <a:ext uri="{909E8E84-426E-40DD-AFC4-6F175D3DCCD1}">
+              <a14:hiddenFill xmlns:a14="http://schemas.microsoft.com/office/drawing/2010/main">
+                <a:solidFill>
+                  <a:srgbClr val="FFFFFF"/>
+                </a:solidFill>
+              </a14:hiddenFill>
+            </a:ext>
+          </a:extLst>
+        </p:spPr>
+      </p:pic>
+      <p:sp>
+        <p:nvSpPr>
+          <p:cNvPr id="4" name="Textfeld 3">
+            <a:extLst>
+              <a:ext uri="{FF2B5EF4-FFF2-40B4-BE49-F238E27FC236}">
+                <a16:creationId xmlns:a16="http://schemas.microsoft.com/office/drawing/2014/main" id="{9317D597-A281-D241-5F0B-4312316BC4BE}"/>
+              </a:ext>
+            </a:extLst>
+          </p:cNvPr>
+          <p:cNvSpPr txBox="1"/>
+          <p:nvPr/>
+        </p:nvSpPr>
+        <p:spPr>
+          <a:xfrm>
+            <a:off x="2283539" y="2876280"/>
+            <a:ext cx="7624921" cy="830997"/>
+          </a:xfrm>
+          <a:prstGeom prst="rect">
+            <a:avLst/>
+          </a:prstGeom>
+          <a:noFill/>
+          <a:ln>
+            <a:noFill/>
+          </a:ln>
+        </p:spPr>
+        <p:txBody>
+          <a:bodyPr wrap="square" rtlCol="0">
+            <a:spAutoFit/>
+          </a:bodyPr>
+          <a:lstStyle/>
+          <a:p>
+            <a:pPr algn="ctr"/>
+            <a:r>
+              <a:rPr lang="de-AT" sz="4800" b="1" dirty="0">
+                <a:ln w="9525">
+                  <a:solidFill>
+                    <a:schemeClr val="tx1"/>
+                  </a:solidFill>
+                </a:ln>
+                <a:solidFill>
+                  <a:schemeClr val="bg1"/>
+                </a:solidFill>
+                <a:latin typeface="Old English Text MT" panose="03040902040508030806" pitchFamily="66" charset="0"/>
+              </a:rPr>
+              <a:t>Wer konnte Ritter werden?</a:t>
+            </a:r>
+          </a:p>
+        </p:txBody>
+      </p:sp>
+    </p:spTree>
+    <p:extLst>
+      <p:ext uri="{BB962C8B-B14F-4D97-AF65-F5344CB8AC3E}">
+        <p14:creationId xmlns:p14="http://schemas.microsoft.com/office/powerpoint/2010/main" val="81733058"/>
+      </p:ext>
+    </p:extLst>
+  </p:cSld>
+  <p:clrMapOvr>
+    <a:masterClrMapping/>
+  </p:clrMapOvr>
+  <p:transition spd="slow">
+    <p:push dir="u"/>
+  </p:transition>
+</p:sld>
+</file>
+
+<file path=ppt/slides/slide7.xml><?xml version="1.0" encoding="utf-8"?>
+<p:sld xmlns:a="http://schemas.openxmlformats.org/drawingml/2006/main" xmlns:r="http://schemas.openxmlformats.org/officeDocument/2006/relationships" xmlns:p="http://schemas.openxmlformats.org/presentationml/2006/main">
+  <p:cSld>
+    <p:spTree>
+      <p:nvGrpSpPr>
+        <p:cNvPr id="1" name="">
+          <a:extLst>
+            <a:ext uri="{FF2B5EF4-FFF2-40B4-BE49-F238E27FC236}">
+              <a16:creationId xmlns:a16="http://schemas.microsoft.com/office/drawing/2014/main" id="{922114AA-B606-5B41-C4B2-0F4A9BCD8986}"/>
+            </a:ext>
+          </a:extLst>
+        </p:cNvPr>
+        <p:cNvGrpSpPr/>
+        <p:nvPr/>
+      </p:nvGrpSpPr>
+      <p:grpSpPr>
+        <a:xfrm>
+          <a:off x="0" y="0"/>
+          <a:ext cx="0" cy="0"/>
+          <a:chOff x="0" y="0"/>
+          <a:chExt cx="0" cy="0"/>
+        </a:xfrm>
+      </p:grpSpPr>
+      <p:pic>
+        <p:nvPicPr>
+          <p:cNvPr id="1028" name="Picture 4" descr="undefined">
+            <a:extLst>
+              <a:ext uri="{FF2B5EF4-FFF2-40B4-BE49-F238E27FC236}">
+                <a16:creationId xmlns:a16="http://schemas.microsoft.com/office/drawing/2014/main" id="{EE5F3794-840A-ED62-4E6C-7F8FD92BAD75}"/>
+              </a:ext>
+            </a:extLst>
+          </p:cNvPr>
+          <p:cNvPicPr>
+            <a:picLocks noGrp="1" noRot="1" noChangeAspect="1" noMove="1" noResize="1" noEditPoints="1" noAdjustHandles="1" noChangeArrowheads="1" noChangeShapeType="1" noCrop="1"/>
+          </p:cNvPicPr>
+          <p:nvPr/>
+        </p:nvPicPr>
+        <p:blipFill>
+          <a:blip r:embed="rId2">
+            <a:extLst>
+              <a:ext uri="{BEBA8EAE-BF5A-486C-A8C5-ECC9F3942E4B}">
+                <a14:imgProps xmlns:a14="http://schemas.microsoft.com/office/drawing/2010/main">
+                  <a14:imgLayer r:embed="rId3">
+                    <a14:imgEffect>
+                      <a14:saturation sat="33000"/>
+                    </a14:imgEffect>
+                  </a14:imgLayer>
+                </a14:imgProps>
+              </a:ext>
+              <a:ext uri="{28A0092B-C50C-407E-A947-70E740481C1C}">
+                <a14:useLocalDpi xmlns:a14="http://schemas.microsoft.com/office/drawing/2010/main" val="0"/>
+              </a:ext>
+            </a:extLst>
+          </a:blip>
+          <a:srcRect/>
+          <a:stretch>
+            <a:fillRect/>
+          </a:stretch>
+        </p:blipFill>
+        <p:spPr bwMode="auto">
+          <a:xfrm>
+            <a:off x="-262605" y="-304800"/>
+            <a:ext cx="12546321" cy="7467600"/>
+          </a:xfrm>
+          <a:prstGeom prst="rect">
+            <a:avLst/>
+          </a:prstGeom>
+          <a:noFill/>
+          <a:extLst>
+            <a:ext uri="{909E8E84-426E-40DD-AFC4-6F175D3DCCD1}">
+              <a14:hiddenFill xmlns:a14="http://schemas.microsoft.com/office/drawing/2010/main">
+                <a:solidFill>
+                  <a:srgbClr val="FFFFFF"/>
+                </a:solidFill>
+              </a14:hiddenFill>
+            </a:ext>
+          </a:extLst>
+        </p:spPr>
+      </p:pic>
+      <p:sp>
+        <p:nvSpPr>
+          <p:cNvPr id="4" name="Textfeld 3">
+            <a:extLst>
+              <a:ext uri="{FF2B5EF4-FFF2-40B4-BE49-F238E27FC236}">
+                <a16:creationId xmlns:a16="http://schemas.microsoft.com/office/drawing/2014/main" id="{675B3B70-A94A-E241-249C-1B951BD09B5E}"/>
+              </a:ext>
+            </a:extLst>
+          </p:cNvPr>
+          <p:cNvSpPr txBox="1"/>
+          <p:nvPr/>
+        </p:nvSpPr>
+        <p:spPr>
+          <a:xfrm>
+            <a:off x="2283539" y="44450"/>
+            <a:ext cx="7624921" cy="830997"/>
+          </a:xfrm>
+          <a:prstGeom prst="rect">
+            <a:avLst/>
+          </a:prstGeom>
+          <a:noFill/>
+          <a:ln>
+            <a:noFill/>
+          </a:ln>
+        </p:spPr>
+        <p:txBody>
+          <a:bodyPr wrap="square" rtlCol="0">
+            <a:spAutoFit/>
+          </a:bodyPr>
+          <a:lstStyle/>
+          <a:p>
+            <a:pPr algn="ctr"/>
+            <a:r>
+              <a:rPr lang="de-AT" sz="4800" b="1" dirty="0">
+                <a:ln w="9525">
+                  <a:solidFill>
+                    <a:schemeClr val="tx1"/>
+                  </a:solidFill>
+                </a:ln>
+                <a:solidFill>
+                  <a:schemeClr val="bg1"/>
+                </a:solidFill>
+                <a:latin typeface="Old English Text MT" panose="03040902040508030806" pitchFamily="66" charset="0"/>
+              </a:rPr>
+              <a:t>Wer konnte Ritter werden?</a:t>
+            </a:r>
+          </a:p>
+        </p:txBody>
+      </p:sp>
+      <p:sp>
+        <p:nvSpPr>
+          <p:cNvPr id="2" name="Textfeld 1">
+            <a:extLst>
+              <a:ext uri="{FF2B5EF4-FFF2-40B4-BE49-F238E27FC236}">
+                <a16:creationId xmlns:a16="http://schemas.microsoft.com/office/drawing/2014/main" id="{34AF1495-F753-216E-EC47-2CE063121DE5}"/>
+              </a:ext>
+            </a:extLst>
+          </p:cNvPr>
+          <p:cNvSpPr txBox="1"/>
+          <p:nvPr/>
+        </p:nvSpPr>
+        <p:spPr>
+          <a:xfrm>
+            <a:off x="1195989" y="1809969"/>
+            <a:ext cx="6466051" cy="3539430"/>
+          </a:xfrm>
+          <a:prstGeom prst="rect">
+            <a:avLst/>
+          </a:prstGeom>
+          <a:noFill/>
+        </p:spPr>
+        <p:txBody>
+          <a:bodyPr wrap="square" rtlCol="0">
+            <a:spAutoFit/>
+          </a:bodyPr>
+          <a:lstStyle/>
+          <a:p>
+            <a:pPr marL="457200" indent="-457200">
+              <a:buFont typeface="Wingdings" panose="05000000000000000000" pitchFamily="2" charset="2"/>
+              <a:buChar char="Ø"/>
+            </a:pPr>
+            <a:r>
+              <a:rPr lang="de-AT" sz="3200" dirty="0">
+                <a:ln>
+                  <a:solidFill>
+                    <a:schemeClr val="bg1">
+                      <a:lumMod val="50000"/>
+                    </a:schemeClr>
+                  </a:solidFill>
+                </a:ln>
+                <a:solidFill>
+                  <a:schemeClr val="bg1"/>
+                </a:solidFill>
+              </a:rPr>
+              <a:t>Adelige Herkünfte</a:t>
+            </a:r>
+            <a:endParaRPr lang="en-US" sz="3200" dirty="0">
+              <a:ln>
+                <a:solidFill>
+                  <a:schemeClr val="bg1">
+                    <a:lumMod val="50000"/>
+                  </a:schemeClr>
+                </a:solidFill>
+              </a:ln>
+              <a:solidFill>
+                <a:schemeClr val="bg1"/>
+              </a:solidFill>
+            </a:endParaRPr>
+          </a:p>
+          <a:p>
+            <a:pPr marL="457200" indent="-457200">
+              <a:buFont typeface="Wingdings" panose="05000000000000000000" pitchFamily="2" charset="2"/>
+              <a:buChar char="Ø"/>
+            </a:pPr>
+            <a:endParaRPr lang="en-US" sz="3200" dirty="0">
+              <a:ln>
+                <a:solidFill>
+                  <a:schemeClr val="bg1">
+                    <a:lumMod val="50000"/>
+                  </a:schemeClr>
+                </a:solidFill>
+              </a:ln>
+              <a:solidFill>
+                <a:schemeClr val="bg1"/>
+              </a:solidFill>
+            </a:endParaRPr>
+          </a:p>
+          <a:p>
+            <a:pPr marL="457200" indent="-457200">
+              <a:buFont typeface="Wingdings" panose="05000000000000000000" pitchFamily="2" charset="2"/>
+              <a:buChar char="Ø"/>
+            </a:pPr>
+            <a:r>
+              <a:rPr lang="en-US" sz="3200" dirty="0" err="1">
+                <a:ln>
+                  <a:solidFill>
+                    <a:schemeClr val="bg1">
+                      <a:lumMod val="50000"/>
+                    </a:schemeClr>
+                  </a:solidFill>
+                </a:ln>
+                <a:solidFill>
+                  <a:schemeClr val="bg1"/>
+                </a:solidFill>
+              </a:rPr>
+              <a:t>Ausbildung</a:t>
+            </a:r>
+            <a:r>
+              <a:rPr lang="en-US" sz="3200" dirty="0">
+                <a:ln>
+                  <a:solidFill>
+                    <a:schemeClr val="bg1">
+                      <a:lumMod val="50000"/>
+                    </a:schemeClr>
+                  </a:solidFill>
+                </a:ln>
+                <a:solidFill>
+                  <a:schemeClr val="bg1"/>
+                </a:solidFill>
+              </a:rPr>
+              <a:t> </a:t>
+            </a:r>
+            <a:r>
+              <a:rPr lang="en-US" sz="3200" dirty="0" err="1">
+                <a:ln>
+                  <a:solidFill>
+                    <a:schemeClr val="bg1">
+                      <a:lumMod val="50000"/>
+                    </a:schemeClr>
+                  </a:solidFill>
+                </a:ln>
+                <a:solidFill>
+                  <a:schemeClr val="bg1"/>
+                </a:solidFill>
+              </a:rPr>
+              <a:t>als</a:t>
+            </a:r>
+            <a:r>
+              <a:rPr lang="en-US" sz="3200" dirty="0">
+                <a:ln>
+                  <a:solidFill>
+                    <a:schemeClr val="bg1">
+                      <a:lumMod val="50000"/>
+                    </a:schemeClr>
+                  </a:solidFill>
+                </a:ln>
+                <a:solidFill>
+                  <a:schemeClr val="bg1"/>
+                </a:solidFill>
+              </a:rPr>
+              <a:t> Page und </a:t>
+            </a:r>
+            <a:r>
+              <a:rPr lang="en-US" sz="3200" dirty="0" err="1">
+                <a:ln>
+                  <a:solidFill>
+                    <a:schemeClr val="bg1">
+                      <a:lumMod val="50000"/>
+                    </a:schemeClr>
+                  </a:solidFill>
+                </a:ln>
+                <a:solidFill>
+                  <a:schemeClr val="bg1"/>
+                </a:solidFill>
+              </a:rPr>
+              <a:t>Knappe</a:t>
+            </a:r>
+            <a:endParaRPr lang="en-US" sz="3200" dirty="0">
+              <a:ln>
+                <a:solidFill>
+                  <a:schemeClr val="bg1">
+                    <a:lumMod val="50000"/>
+                  </a:schemeClr>
+                </a:solidFill>
+              </a:ln>
+              <a:solidFill>
+                <a:schemeClr val="bg1"/>
+              </a:solidFill>
+            </a:endParaRPr>
+          </a:p>
+          <a:p>
+            <a:pPr marL="457200" indent="-457200">
+              <a:buFont typeface="Wingdings" panose="05000000000000000000" pitchFamily="2" charset="2"/>
+              <a:buChar char="Ø"/>
+            </a:pPr>
+            <a:endParaRPr lang="en-US" sz="3200" dirty="0">
+              <a:ln>
+                <a:solidFill>
+                  <a:schemeClr val="bg1">
+                    <a:lumMod val="50000"/>
+                  </a:schemeClr>
+                </a:solidFill>
+              </a:ln>
+              <a:solidFill>
+                <a:schemeClr val="bg1"/>
+              </a:solidFill>
+            </a:endParaRPr>
+          </a:p>
+          <a:p>
+            <a:pPr marL="457200" indent="-457200">
+              <a:buFont typeface="Wingdings" panose="05000000000000000000" pitchFamily="2" charset="2"/>
+              <a:buChar char="Ø"/>
+            </a:pPr>
+            <a:r>
+              <a:rPr lang="en-US" sz="3200" dirty="0" err="1">
+                <a:ln>
+                  <a:solidFill>
+                    <a:schemeClr val="bg1">
+                      <a:lumMod val="50000"/>
+                    </a:schemeClr>
+                  </a:solidFill>
+                </a:ln>
+                <a:solidFill>
+                  <a:schemeClr val="bg1"/>
+                </a:solidFill>
+              </a:rPr>
+              <a:t>Ritterschlag-Zeremonie</a:t>
+            </a:r>
+            <a:endParaRPr lang="en-US" sz="3200" dirty="0">
+              <a:ln>
+                <a:solidFill>
+                  <a:schemeClr val="bg1">
+                    <a:lumMod val="50000"/>
+                  </a:schemeClr>
+                </a:solidFill>
+              </a:ln>
+              <a:solidFill>
+                <a:schemeClr val="bg1"/>
+              </a:solidFill>
+            </a:endParaRPr>
+          </a:p>
+          <a:p>
+            <a:pPr marL="457200" indent="-457200">
+              <a:buFont typeface="Wingdings" panose="05000000000000000000" pitchFamily="2" charset="2"/>
+              <a:buChar char="Ø"/>
+            </a:pPr>
+            <a:endParaRPr lang="en-US" sz="3200" dirty="0">
+              <a:ln>
+                <a:solidFill>
+                  <a:schemeClr val="bg1">
+                    <a:lumMod val="50000"/>
+                  </a:schemeClr>
+                </a:solidFill>
+              </a:ln>
+              <a:solidFill>
+                <a:schemeClr val="bg1"/>
+              </a:solidFill>
+            </a:endParaRPr>
+          </a:p>
+          <a:p>
+            <a:pPr marL="457200" indent="-457200">
+              <a:buFont typeface="Wingdings" panose="05000000000000000000" pitchFamily="2" charset="2"/>
+              <a:buChar char="Ø"/>
+            </a:pPr>
+            <a:r>
+              <a:rPr lang="en-US" sz="3200" dirty="0" err="1">
+                <a:ln>
+                  <a:solidFill>
+                    <a:schemeClr val="bg1">
+                      <a:lumMod val="50000"/>
+                    </a:schemeClr>
+                  </a:solidFill>
+                </a:ln>
+                <a:solidFill>
+                  <a:schemeClr val="bg1"/>
+                </a:solidFill>
+              </a:rPr>
+              <a:t>Besondere</a:t>
+            </a:r>
+            <a:r>
+              <a:rPr lang="en-US" sz="3200" dirty="0">
+                <a:ln>
+                  <a:solidFill>
+                    <a:schemeClr val="bg1">
+                      <a:lumMod val="50000"/>
+                    </a:schemeClr>
+                  </a:solidFill>
+                </a:ln>
+                <a:solidFill>
+                  <a:schemeClr val="bg1"/>
+                </a:solidFill>
+              </a:rPr>
+              <a:t> </a:t>
+            </a:r>
+            <a:r>
+              <a:rPr lang="en-US" sz="3200" dirty="0" err="1">
+                <a:ln>
+                  <a:solidFill>
+                    <a:schemeClr val="bg1">
+                      <a:lumMod val="50000"/>
+                    </a:schemeClr>
+                  </a:solidFill>
+                </a:ln>
+                <a:solidFill>
+                  <a:schemeClr val="bg1"/>
+                </a:solidFill>
+              </a:rPr>
+              <a:t>fälle</a:t>
+            </a:r>
+            <a:r>
+              <a:rPr lang="en-US" sz="3200" dirty="0">
+                <a:ln>
+                  <a:solidFill>
+                    <a:schemeClr val="bg1">
+                      <a:lumMod val="50000"/>
+                    </a:schemeClr>
+                  </a:solidFill>
+                </a:ln>
+                <a:solidFill>
+                  <a:schemeClr val="bg1"/>
+                </a:solidFill>
+              </a:rPr>
+              <a:t> und </a:t>
+            </a:r>
+            <a:r>
+              <a:rPr lang="en-US" sz="3200" dirty="0" err="1">
+                <a:ln>
+                  <a:solidFill>
+                    <a:schemeClr val="bg1">
+                      <a:lumMod val="50000"/>
+                    </a:schemeClr>
+                  </a:solidFill>
+                </a:ln>
+                <a:solidFill>
+                  <a:schemeClr val="bg1"/>
+                </a:solidFill>
+              </a:rPr>
+              <a:t>vorderungen</a:t>
+            </a:r>
+            <a:endParaRPr lang="en-US" sz="3200" dirty="0">
+              <a:ln>
+                <a:solidFill>
+                  <a:schemeClr val="bg1">
+                    <a:lumMod val="50000"/>
+                  </a:schemeClr>
+                </a:solidFill>
+              </a:ln>
+              <a:solidFill>
+                <a:schemeClr val="bg1"/>
+              </a:solidFill>
+            </a:endParaRPr>
+          </a:p>
+        </p:txBody>
+      </p:sp>
+    </p:spTree>
+    <p:extLst>
+      <p:ext uri="{BB962C8B-B14F-4D97-AF65-F5344CB8AC3E}">
+        <p14:creationId xmlns:p14="http://schemas.microsoft.com/office/powerpoint/2010/main" val="1104726861"/>
+      </p:ext>
+    </p:extLst>
+  </p:cSld>
+  <p:clrMapOvr>
+    <a:masterClrMapping/>
+  </p:clrMapOvr>
+  <mc:AlternateContent xmlns:mc="http://schemas.openxmlformats.org/markup-compatibility/2006" xmlns:p159="http://schemas.microsoft.com/office/powerpoint/2015/09/main">
+    <mc:Choice Requires="p159">
+      <p:transition xmlns:p14="http://schemas.microsoft.com/office/powerpoint/2010/main" spd="slow" p14:dur="2000">
+        <p159:morph option="byObject"/>
+      </p:transition>
+    </mc:Choice>
+    <mc:Fallback xmlns="">
+      <p:transition spd="slow">
+        <p:fade/>
+      </p:transition>
+    </mc:Fallback>
+  </mc:AlternateContent>
+  <p:timing>
+    <p:tnLst>
+      <p:par>
+        <p:cTn id="1" dur="indefinite" restart="never" nodeType="tmRoot">
+          <p:childTnLst>
+            <p:seq concurrent="1" nextAc="seek">
+              <p:cTn id="2" dur="indefinite" nodeType="mainSeq">
+                <p:childTnLst>
+                  <p:par>
+                    <p:cTn id="3" fill="hold">
+                      <p:stCondLst>
+                        <p:cond delay="indefinite"/>
+                      </p:stCondLst>
+                      <p:childTnLst>
+                        <p:par>
+                          <p:cTn id="4" fill="hold">
+                            <p:stCondLst>
+                              <p:cond delay="0"/>
+                            </p:stCondLst>
+                            <p:childTnLst>
+                              <p:par>
+                                <p:cTn id="5" presetID="2" presetClass="entr" presetSubtype="8" fill="hold" nodeType="clickEffect">
+                                  <p:stCondLst>
+                                    <p:cond delay="0"/>
+                                  </p:stCondLst>
+                                  <p:childTnLst>
+                                    <p:set>
+                                      <p:cBhvr>
+                                        <p:cTn id="6" dur="1" fill="hold">
+                                          <p:stCondLst>
+                                            <p:cond delay="0"/>
+                                          </p:stCondLst>
+                                        </p:cTn>
+                                        <p:tgtEl>
+                                          <p:spTgt spid="2">
+                                            <p:txEl>
+                                              <p:pRg st="0" end="0"/>
+                                            </p:txEl>
+                                          </p:spTgt>
+                                        </p:tgtEl>
+                                        <p:attrNameLst>
+                                          <p:attrName>style.visibility</p:attrName>
+                                        </p:attrNameLst>
+                                      </p:cBhvr>
+                                      <p:to>
+                                        <p:strVal val="visible"/>
+                                      </p:to>
+                                    </p:set>
+                                    <p:anim calcmode="lin" valueType="num">
+                                      <p:cBhvr additive="base">
+                                        <p:cTn id="7" dur="500" fill="hold"/>
+                                        <p:tgtEl>
+                                          <p:spTgt spid="2">
+                                            <p:txEl>
+                                              <p:pRg st="0" end="0"/>
+                                            </p:txEl>
+                                          </p:spTgt>
+                                        </p:tgtEl>
+                                        <p:attrNameLst>
+                                          <p:attrName>ppt_x</p:attrName>
+                                        </p:attrNameLst>
+                                      </p:cBhvr>
+                                      <p:tavLst>
+                                        <p:tav tm="0">
+                                          <p:val>
+                                            <p:strVal val="0-#ppt_w/2"/>
+                                          </p:val>
+                                        </p:tav>
+                                        <p:tav tm="100000">
+                                          <p:val>
+                                            <p:strVal val="#ppt_x"/>
+                                          </p:val>
+                                        </p:tav>
+                                      </p:tavLst>
+                                    </p:anim>
+                                    <p:anim calcmode="lin" valueType="num">
+                                      <p:cBhvr additive="base">
+                                        <p:cTn id="8" dur="500" fill="hold"/>
+                                        <p:tgtEl>
+                                          <p:spTgt spid="2">
+                                            <p:txEl>
+                                              <p:pRg st="0" end="0"/>
+                                            </p:txEl>
+                                          </p:spTgt>
+                                        </p:tgtEl>
+                                        <p:attrNameLst>
+                                          <p:attrName>ppt_y</p:attrName>
+                                        </p:attrNameLst>
+                                      </p:cBhvr>
+                                      <p:tavLst>
+                                        <p:tav tm="0">
+                                          <p:val>
+                                            <p:strVal val="#ppt_y"/>
+                                          </p:val>
+                                        </p:tav>
+                                        <p:tav tm="100000">
+                                          <p:val>
+                                            <p:strVal val="#ppt_y"/>
+                                          </p:val>
+                                        </p:tav>
+                                      </p:tavLst>
+                                    </p:anim>
+                                  </p:childTnLst>
+                                </p:cTn>
+                              </p:par>
+                            </p:childTnLst>
+                          </p:cTn>
+                        </p:par>
+                      </p:childTnLst>
+                    </p:cTn>
+                  </p:par>
+                  <p:par>
+                    <p:cTn id="9" fill="hold">
+                      <p:stCondLst>
+                        <p:cond delay="indefinite"/>
+                      </p:stCondLst>
+                      <p:childTnLst>
+                        <p:par>
+                          <p:cTn id="10" fill="hold">
+                            <p:stCondLst>
+                              <p:cond delay="0"/>
+                            </p:stCondLst>
+                            <p:childTnLst>
+                              <p:par>
+                                <p:cTn id="11" presetID="2" presetClass="entr" presetSubtype="8" fill="hold" nodeType="clickEffect">
+                                  <p:stCondLst>
+                                    <p:cond delay="0"/>
+                                  </p:stCondLst>
+                                  <p:childTnLst>
+                                    <p:set>
+                                      <p:cBhvr>
+                                        <p:cTn id="12" dur="1" fill="hold">
+                                          <p:stCondLst>
+                                            <p:cond delay="0"/>
+                                          </p:stCondLst>
+                                        </p:cTn>
+                                        <p:tgtEl>
+                                          <p:spTgt spid="2">
+                                            <p:txEl>
+                                              <p:pRg st="2" end="2"/>
+                                            </p:txEl>
+                                          </p:spTgt>
+                                        </p:tgtEl>
+                                        <p:attrNameLst>
+                                          <p:attrName>style.visibility</p:attrName>
+                                        </p:attrNameLst>
+                                      </p:cBhvr>
+                                      <p:to>
+                                        <p:strVal val="visible"/>
+                                      </p:to>
+                                    </p:set>
+                                    <p:anim calcmode="lin" valueType="num">
+                                      <p:cBhvr additive="base">
+                                        <p:cTn id="13" dur="500" fill="hold"/>
+                                        <p:tgtEl>
+                                          <p:spTgt spid="2">
+                                            <p:txEl>
+                                              <p:pRg st="2" end="2"/>
+                                            </p:txEl>
+                                          </p:spTgt>
+                                        </p:tgtEl>
+                                        <p:attrNameLst>
+                                          <p:attrName>ppt_x</p:attrName>
+                                        </p:attrNameLst>
+                                      </p:cBhvr>
+                                      <p:tavLst>
+                                        <p:tav tm="0">
+                                          <p:val>
+                                            <p:strVal val="0-#ppt_w/2"/>
+                                          </p:val>
+                                        </p:tav>
+                                        <p:tav tm="100000">
+                                          <p:val>
+                                            <p:strVal val="#ppt_x"/>
+                                          </p:val>
+                                        </p:tav>
+                                      </p:tavLst>
+                                    </p:anim>
+                                    <p:anim calcmode="lin" valueType="num">
+                                      <p:cBhvr additive="base">
+                                        <p:cTn id="14" dur="500" fill="hold"/>
+                                        <p:tgtEl>
+                                          <p:spTgt spid="2">
+                                            <p:txEl>
+                                              <p:pRg st="2" end="2"/>
+                                            </p:txEl>
+                                          </p:spTgt>
+                                        </p:tgtEl>
+                                        <p:attrNameLst>
+                                          <p:attrName>ppt_y</p:attrName>
+                                        </p:attrNameLst>
+                                      </p:cBhvr>
+                                      <p:tavLst>
+                                        <p:tav tm="0">
+                                          <p:val>
+                                            <p:strVal val="#ppt_y"/>
+                                          </p:val>
+                                        </p:tav>
+                                        <p:tav tm="100000">
+                                          <p:val>
+                                            <p:strVal val="#ppt_y"/>
+                                          </p:val>
+                                        </p:tav>
+                                      </p:tavLst>
+                                    </p:anim>
+                                  </p:childTnLst>
+                                </p:cTn>
+                              </p:par>
+                            </p:childTnLst>
+                          </p:cTn>
+                        </p:par>
+                      </p:childTnLst>
+                    </p:cTn>
+                  </p:par>
+                  <p:par>
+                    <p:cTn id="15" fill="hold">
+                      <p:stCondLst>
+                        <p:cond delay="indefinite"/>
+                      </p:stCondLst>
+                      <p:childTnLst>
+                        <p:par>
+                          <p:cTn id="16" fill="hold">
+                            <p:stCondLst>
+                              <p:cond delay="0"/>
+                            </p:stCondLst>
+                            <p:childTnLst>
+                              <p:par>
+                                <p:cTn id="17" presetID="2" presetClass="entr" presetSubtype="8" fill="hold" nodeType="clickEffect">
+                                  <p:stCondLst>
+                                    <p:cond delay="0"/>
+                                  </p:stCondLst>
+                                  <p:childTnLst>
+                                    <p:set>
+                                      <p:cBhvr>
+                                        <p:cTn id="18" dur="1" fill="hold">
+                                          <p:stCondLst>
+                                            <p:cond delay="0"/>
+                                          </p:stCondLst>
+                                        </p:cTn>
+                                        <p:tgtEl>
+                                          <p:spTgt spid="2">
+                                            <p:txEl>
+                                              <p:pRg st="4" end="4"/>
+                                            </p:txEl>
+                                          </p:spTgt>
+                                        </p:tgtEl>
+                                        <p:attrNameLst>
+                                          <p:attrName>style.visibility</p:attrName>
+                                        </p:attrNameLst>
+                                      </p:cBhvr>
+                                      <p:to>
+                                        <p:strVal val="visible"/>
+                                      </p:to>
+                                    </p:set>
+                                    <p:anim calcmode="lin" valueType="num">
+                                      <p:cBhvr additive="base">
+                                        <p:cTn id="19" dur="500" fill="hold"/>
+                                        <p:tgtEl>
+                                          <p:spTgt spid="2">
+                                            <p:txEl>
+                                              <p:pRg st="4" end="4"/>
+                                            </p:txEl>
+                                          </p:spTgt>
+                                        </p:tgtEl>
+                                        <p:attrNameLst>
+                                          <p:attrName>ppt_x</p:attrName>
+                                        </p:attrNameLst>
+                                      </p:cBhvr>
+                                      <p:tavLst>
+                                        <p:tav tm="0">
+                                          <p:val>
+                                            <p:strVal val="0-#ppt_w/2"/>
+                                          </p:val>
+                                        </p:tav>
+                                        <p:tav tm="100000">
+                                          <p:val>
+                                            <p:strVal val="#ppt_x"/>
+                                          </p:val>
+                                        </p:tav>
+                                      </p:tavLst>
+                                    </p:anim>
+                                    <p:anim calcmode="lin" valueType="num">
+                                      <p:cBhvr additive="base">
+                                        <p:cTn id="20" dur="500" fill="hold"/>
+                                        <p:tgtEl>
+                                          <p:spTgt spid="2">
+                                            <p:txEl>
+                                              <p:pRg st="4" end="4"/>
+                                            </p:txEl>
+                                          </p:spTgt>
+                                        </p:tgtEl>
+                                        <p:attrNameLst>
+                                          <p:attrName>ppt_y</p:attrName>
+                                        </p:attrNameLst>
+                                      </p:cBhvr>
+                                      <p:tavLst>
+                                        <p:tav tm="0">
+                                          <p:val>
+                                            <p:strVal val="#ppt_y"/>
+                                          </p:val>
+                                        </p:tav>
+                                        <p:tav tm="100000">
+                                          <p:val>
+                                            <p:strVal val="#ppt_y"/>
+                                          </p:val>
+                                        </p:tav>
+                                      </p:tavLst>
+                                    </p:anim>
+                                  </p:childTnLst>
+                                </p:cTn>
+                              </p:par>
+                            </p:childTnLst>
+                          </p:cTn>
+                        </p:par>
+                      </p:childTnLst>
+                    </p:cTn>
+                  </p:par>
+                  <p:par>
+                    <p:cTn id="21" fill="hold">
+                      <p:stCondLst>
+                        <p:cond delay="indefinite"/>
+                      </p:stCondLst>
+                      <p:childTnLst>
+                        <p:par>
+                          <p:cTn id="22" fill="hold">
+                            <p:stCondLst>
+                              <p:cond delay="0"/>
+                            </p:stCondLst>
+                            <p:childTnLst>
+                              <p:par>
+                                <p:cTn id="23" presetID="2" presetClass="entr" presetSubtype="8" fill="hold" nodeType="clickEffect">
+                                  <p:stCondLst>
+                                    <p:cond delay="0"/>
+                                  </p:stCondLst>
+                                  <p:childTnLst>
+                                    <p:set>
+                                      <p:cBhvr>
+                                        <p:cTn id="24" dur="1" fill="hold">
+                                          <p:stCondLst>
+                                            <p:cond delay="0"/>
+                                          </p:stCondLst>
+                                        </p:cTn>
+                                        <p:tgtEl>
+                                          <p:spTgt spid="2">
+                                            <p:txEl>
+                                              <p:pRg st="6" end="6"/>
+                                            </p:txEl>
+                                          </p:spTgt>
+                                        </p:tgtEl>
+                                        <p:attrNameLst>
+                                          <p:attrName>style.visibility</p:attrName>
+                                        </p:attrNameLst>
+                                      </p:cBhvr>
+                                      <p:to>
+                                        <p:strVal val="visible"/>
+                                      </p:to>
+                                    </p:set>
+                                    <p:anim calcmode="lin" valueType="num">
+                                      <p:cBhvr additive="base">
+                                        <p:cTn id="25" dur="500" fill="hold"/>
+                                        <p:tgtEl>
+                                          <p:spTgt spid="2">
+                                            <p:txEl>
+                                              <p:pRg st="6" end="6"/>
+                                            </p:txEl>
+                                          </p:spTgt>
+                                        </p:tgtEl>
+                                        <p:attrNameLst>
+                                          <p:attrName>ppt_x</p:attrName>
+                                        </p:attrNameLst>
+                                      </p:cBhvr>
+                                      <p:tavLst>
+                                        <p:tav tm="0">
+                                          <p:val>
+                                            <p:strVal val="0-#ppt_w/2"/>
+                                          </p:val>
+                                        </p:tav>
+                                        <p:tav tm="100000">
+                                          <p:val>
+                                            <p:strVal val="#ppt_x"/>
+                                          </p:val>
+                                        </p:tav>
+                                      </p:tavLst>
+                                    </p:anim>
+                                    <p:anim calcmode="lin" valueType="num">
+                                      <p:cBhvr additive="base">
+                                        <p:cTn id="26" dur="500" fill="hold"/>
+                                        <p:tgtEl>
+                                          <p:spTgt spid="2">
+                                            <p:txEl>
+                                              <p:pRg st="6" end="6"/>
+                                            </p:txEl>
+                                          </p:spTgt>
+                                        </p:tgtEl>
+                                        <p:attrNameLst>
+                                          <p:attrName>ppt_y</p:attrName>
+                                        </p:attrNameLst>
+                                      </p:cBhvr>
+                                      <p:tavLst>
+                                        <p:tav tm="0">
+                                          <p:val>
+                                            <p:strVal val="#ppt_y"/>
+                                          </p:val>
+                                        </p:tav>
+                                        <p:tav tm="100000">
+                                          <p:val>
+                                            <p:strVal val="#ppt_y"/>
+                                          </p:val>
+                                        </p:tav>
+                                      </p:tavLst>
+                                    </p:anim>
+                                  </p:childTnLst>
+                                </p:cTn>
+                              </p:par>
+                            </p:childTnLst>
+                          </p:cTn>
+                        </p:par>
+                      </p:childTnLst>
+                    </p:cTn>
+                  </p:par>
+                </p:childTnLst>
+              </p:cTn>
+              <p:prevCondLst>
+                <p:cond evt="onPrev" delay="0">
+                  <p:tgtEl>
+                    <p:sldTgt/>
+                  </p:tgtEl>
+                </p:cond>
+              </p:prevCondLst>
+              <p:nextCondLst>
+                <p:cond evt="onNext" delay="0">
+                  <p:tgtEl>
+                    <p:sldTgt/>
+                  </p:tgtEl>
+                </p:cond>
+              </p:nextCondLst>
+            </p:seq>
+          </p:childTnLst>
+        </p:cTn>
+      </p:par>
+    </p:tnLst>
+  </p:timing>
+</p:sld>
+</file>
+
+<file path=ppt/slides/slide8.xml><?xml version="1.0" encoding="utf-8"?>
 <p:sld xmlns:a="http://schemas.openxmlformats.org/drawingml/2006/main" xmlns:r="http://schemas.openxmlformats.org/officeDocument/2006/relationships" xmlns:p="http://schemas.openxmlformats.org/presentationml/2006/main">
   <p:cSld>
     <p:spTree>

--- a/Deutsch/Referate/Ritter/Wie wurde man Ritter.pptx
+++ b/Deutsch/Referate/Ritter/Wie wurde man Ritter.pptx
@@ -10,9 +10,9 @@
     <p:sldId id="260" r:id="rId4"/>
     <p:sldId id="262" r:id="rId5"/>
     <p:sldId id="263" r:id="rId6"/>
-    <p:sldId id="256" r:id="rId7"/>
-    <p:sldId id="261" r:id="rId8"/>
-    <p:sldId id="257" r:id="rId9"/>
+    <p:sldId id="264" r:id="rId7"/>
+    <p:sldId id="265" r:id="rId8"/>
+    <p:sldId id="266" r:id="rId9"/>
   </p:sldIdLst>
   <p:sldSz cx="12192000" cy="6858000"/>
   <p:notesSz cx="6858000" cy="9144000"/>
@@ -122,13 +122,590 @@
 <file path=ppt/revisionInfo.xml><?xml version="1.0" encoding="utf-8"?>
 <p1510:revInfo xmlns:a="http://schemas.openxmlformats.org/drawingml/2006/main" xmlns:r="http://schemas.openxmlformats.org/officeDocument/2006/relationships" xmlns:p1510="http://schemas.microsoft.com/office/powerpoint/2015/10/main">
   <p1510:revLst>
-    <p1510:client id="{0B6BD7B3-359B-4AB9-8C52-42C56A788E66}" v="25" dt="2024-10-24T10:12:53.031"/>
+    <p1510:client id="{1675A95B-4748-4FCF-A298-ABB6019839B9}" v="93" dt="2024-11-07T20:44:59.553"/>
   </p1510:revLst>
 </p1510:revInfo>
 </file>
 
 <file path=ppt/changesInfos/changesInfo1.xml><?xml version="1.0" encoding="utf-8"?>
 <pc:chgInfo xmlns:a="http://schemas.openxmlformats.org/drawingml/2006/main" xmlns:r="http://schemas.openxmlformats.org/officeDocument/2006/relationships" xmlns:ac="http://schemas.microsoft.com/office/drawing/2013/main/command" xmlns:pc="http://schemas.microsoft.com/office/powerpoint/2013/main/command">
+  <pc:docChgLst>
+    <pc:chgData name="Lukas Grünzweil" userId="0486b1c61146c26f" providerId="LiveId" clId="{1675A95B-4748-4FCF-A298-ABB6019839B9}"/>
+    <pc:docChg chg="undo custSel addSld delSld modSld sldOrd modMainMaster">
+      <pc:chgData name="Lukas Grünzweil" userId="0486b1c61146c26f" providerId="LiveId" clId="{1675A95B-4748-4FCF-A298-ABB6019839B9}" dt="2024-11-07T20:47:40.491" v="699" actId="20577"/>
+      <pc:docMkLst>
+        <pc:docMk/>
+      </pc:docMkLst>
+      <pc:sldChg chg="del">
+        <pc:chgData name="Lukas Grünzweil" userId="0486b1c61146c26f" providerId="LiveId" clId="{1675A95B-4748-4FCF-A298-ABB6019839B9}" dt="2024-11-07T20:05:57.624" v="78" actId="47"/>
+        <pc:sldMkLst>
+          <pc:docMk/>
+          <pc:sldMk cId="81733058" sldId="256"/>
+        </pc:sldMkLst>
+      </pc:sldChg>
+      <pc:sldChg chg="modSp add del mod">
+        <pc:chgData name="Lukas Grünzweil" userId="0486b1c61146c26f" providerId="LiveId" clId="{1675A95B-4748-4FCF-A298-ABB6019839B9}" dt="2024-11-07T20:42:46.280" v="605" actId="47"/>
+        <pc:sldMkLst>
+          <pc:docMk/>
+          <pc:sldMk cId="3514738801" sldId="257"/>
+        </pc:sldMkLst>
+        <pc:spChg chg="mod">
+          <ac:chgData name="Lukas Grünzweil" userId="0486b1c61146c26f" providerId="LiveId" clId="{1675A95B-4748-4FCF-A298-ABB6019839B9}" dt="2024-11-07T20:32:30.069" v="509" actId="27636"/>
+          <ac:spMkLst>
+            <pc:docMk/>
+            <pc:sldMk cId="3514738801" sldId="257"/>
+            <ac:spMk id="3" creationId="{35374AAA-BB6D-F790-E897-7E8215369591}"/>
+          </ac:spMkLst>
+        </pc:spChg>
+      </pc:sldChg>
+      <pc:sldChg chg="modSp mod">
+        <pc:chgData name="Lukas Grünzweil" userId="0486b1c61146c26f" providerId="LiveId" clId="{1675A95B-4748-4FCF-A298-ABB6019839B9}" dt="2024-11-07T20:06:58.284" v="106" actId="1076"/>
+        <pc:sldMkLst>
+          <pc:docMk/>
+          <pc:sldMk cId="4264789475" sldId="260"/>
+        </pc:sldMkLst>
+        <pc:spChg chg="mod">
+          <ac:chgData name="Lukas Grünzweil" userId="0486b1c61146c26f" providerId="LiveId" clId="{1675A95B-4748-4FCF-A298-ABB6019839B9}" dt="2024-11-07T20:06:58.284" v="106" actId="1076"/>
+          <ac:spMkLst>
+            <pc:docMk/>
+            <pc:sldMk cId="4264789475" sldId="260"/>
+            <ac:spMk id="3" creationId="{FF937654-532D-DBD6-2B72-D4AA9A29F64D}"/>
+          </ac:spMkLst>
+        </pc:spChg>
+        <pc:spChg chg="mod">
+          <ac:chgData name="Lukas Grünzweil" userId="0486b1c61146c26f" providerId="LiveId" clId="{1675A95B-4748-4FCF-A298-ABB6019839B9}" dt="2024-11-07T20:06:18.420" v="104" actId="20577"/>
+          <ac:spMkLst>
+            <pc:docMk/>
+            <pc:sldMk cId="4264789475" sldId="260"/>
+            <ac:spMk id="4" creationId="{618C2166-35BF-5849-AA53-F2DF56802BE3}"/>
+          </ac:spMkLst>
+        </pc:spChg>
+      </pc:sldChg>
+      <pc:sldChg chg="del">
+        <pc:chgData name="Lukas Grünzweil" userId="0486b1c61146c26f" providerId="LiveId" clId="{1675A95B-4748-4FCF-A298-ABB6019839B9}" dt="2024-11-07T20:05:58.500" v="79" actId="47"/>
+        <pc:sldMkLst>
+          <pc:docMk/>
+          <pc:sldMk cId="1104726861" sldId="261"/>
+        </pc:sldMkLst>
+      </pc:sldChg>
+      <pc:sldChg chg="addSp delSp modSp new del mod modTransition setBg">
+        <pc:chgData name="Lukas Grünzweil" userId="0486b1c61146c26f" providerId="LiveId" clId="{1675A95B-4748-4FCF-A298-ABB6019839B9}" dt="2024-11-07T20:16:18.347" v="224" actId="47"/>
+        <pc:sldMkLst>
+          <pc:docMk/>
+          <pc:sldMk cId="3581006378" sldId="261"/>
+        </pc:sldMkLst>
+        <pc:spChg chg="mod ord">
+          <ac:chgData name="Lukas Grünzweil" userId="0486b1c61146c26f" providerId="LiveId" clId="{1675A95B-4748-4FCF-A298-ABB6019839B9}" dt="2024-11-07T20:15:32.157" v="218" actId="26606"/>
+          <ac:spMkLst>
+            <pc:docMk/>
+            <pc:sldMk cId="3581006378" sldId="261"/>
+            <ac:spMk id="2" creationId="{22AD3852-5C63-03DB-A01B-31DA082FDCCC}"/>
+          </ac:spMkLst>
+        </pc:spChg>
+        <pc:spChg chg="add del">
+          <ac:chgData name="Lukas Grünzweil" userId="0486b1c61146c26f" providerId="LiveId" clId="{1675A95B-4748-4FCF-A298-ABB6019839B9}" dt="2024-11-07T20:15:32.157" v="218" actId="26606"/>
+          <ac:spMkLst>
+            <pc:docMk/>
+            <pc:sldMk cId="3581006378" sldId="261"/>
+            <ac:spMk id="3" creationId="{715ED102-97F7-CEE8-D8FC-AB9698DAA51A}"/>
+          </ac:spMkLst>
+        </pc:spChg>
+        <pc:spChg chg="add del">
+          <ac:chgData name="Lukas Grünzweil" userId="0486b1c61146c26f" providerId="LiveId" clId="{1675A95B-4748-4FCF-A298-ABB6019839B9}" dt="2024-11-07T20:15:29.182" v="216" actId="26606"/>
+          <ac:spMkLst>
+            <pc:docMk/>
+            <pc:sldMk cId="3581006378" sldId="261"/>
+            <ac:spMk id="1028" creationId="{37C89E4B-3C9F-44B9-8B86-D9E3D112D8EC}"/>
+          </ac:spMkLst>
+        </pc:spChg>
+        <pc:spChg chg="add del">
+          <ac:chgData name="Lukas Grünzweil" userId="0486b1c61146c26f" providerId="LiveId" clId="{1675A95B-4748-4FCF-A298-ABB6019839B9}" dt="2024-11-07T20:15:08.069" v="214" actId="26606"/>
+          <ac:spMkLst>
+            <pc:docMk/>
+            <pc:sldMk cId="3581006378" sldId="261"/>
+            <ac:spMk id="1031" creationId="{37C89E4B-3C9F-44B9-8B86-D9E3D112D8EC}"/>
+          </ac:spMkLst>
+        </pc:spChg>
+        <pc:spChg chg="add">
+          <ac:chgData name="Lukas Grünzweil" userId="0486b1c61146c26f" providerId="LiveId" clId="{1675A95B-4748-4FCF-A298-ABB6019839B9}" dt="2024-11-07T20:15:32.157" v="218" actId="26606"/>
+          <ac:spMkLst>
+            <pc:docMk/>
+            <pc:sldMk cId="3581006378" sldId="261"/>
+            <ac:spMk id="1032" creationId="{37C89E4B-3C9F-44B9-8B86-D9E3D112D8EC}"/>
+          </ac:spMkLst>
+        </pc:spChg>
+        <pc:picChg chg="add mod">
+          <ac:chgData name="Lukas Grünzweil" userId="0486b1c61146c26f" providerId="LiveId" clId="{1675A95B-4748-4FCF-A298-ABB6019839B9}" dt="2024-11-07T20:15:32.157" v="218" actId="26606"/>
+          <ac:picMkLst>
+            <pc:docMk/>
+            <pc:sldMk cId="3581006378" sldId="261"/>
+            <ac:picMk id="1026" creationId="{16B52495-2D83-2C94-ED4E-4D4EDF3979ED}"/>
+          </ac:picMkLst>
+        </pc:picChg>
+        <pc:cxnChg chg="add del">
+          <ac:chgData name="Lukas Grünzweil" userId="0486b1c61146c26f" providerId="LiveId" clId="{1675A95B-4748-4FCF-A298-ABB6019839B9}" dt="2024-11-07T20:15:29.182" v="216" actId="26606"/>
+          <ac:cxnSpMkLst>
+            <pc:docMk/>
+            <pc:sldMk cId="3581006378" sldId="261"/>
+            <ac:cxnSpMk id="1029" creationId="{AA2EAA10-076F-46BD-8F0F-B9A2FB77A85C}"/>
+          </ac:cxnSpMkLst>
+        </pc:cxnChg>
+        <pc:cxnChg chg="add del">
+          <ac:chgData name="Lukas Grünzweil" userId="0486b1c61146c26f" providerId="LiveId" clId="{1675A95B-4748-4FCF-A298-ABB6019839B9}" dt="2024-11-07T20:15:29.182" v="216" actId="26606"/>
+          <ac:cxnSpMkLst>
+            <pc:docMk/>
+            <pc:sldMk cId="3581006378" sldId="261"/>
+            <ac:cxnSpMk id="1030" creationId="{D891E407-403B-4764-86C9-33A56D3BCAA3}"/>
+          </ac:cxnSpMkLst>
+        </pc:cxnChg>
+        <pc:cxnChg chg="add del">
+          <ac:chgData name="Lukas Grünzweil" userId="0486b1c61146c26f" providerId="LiveId" clId="{1675A95B-4748-4FCF-A298-ABB6019839B9}" dt="2024-11-07T20:15:08.069" v="214" actId="26606"/>
+          <ac:cxnSpMkLst>
+            <pc:docMk/>
+            <pc:sldMk cId="3581006378" sldId="261"/>
+            <ac:cxnSpMk id="1033" creationId="{AA2EAA10-076F-46BD-8F0F-B9A2FB77A85C}"/>
+          </ac:cxnSpMkLst>
+        </pc:cxnChg>
+        <pc:cxnChg chg="add">
+          <ac:chgData name="Lukas Grünzweil" userId="0486b1c61146c26f" providerId="LiveId" clId="{1675A95B-4748-4FCF-A298-ABB6019839B9}" dt="2024-11-07T20:15:32.157" v="218" actId="26606"/>
+          <ac:cxnSpMkLst>
+            <pc:docMk/>
+            <pc:sldMk cId="3581006378" sldId="261"/>
+            <ac:cxnSpMk id="1034" creationId="{AA2EAA10-076F-46BD-8F0F-B9A2FB77A85C}"/>
+          </ac:cxnSpMkLst>
+        </pc:cxnChg>
+        <pc:cxnChg chg="add del">
+          <ac:chgData name="Lukas Grünzweil" userId="0486b1c61146c26f" providerId="LiveId" clId="{1675A95B-4748-4FCF-A298-ABB6019839B9}" dt="2024-11-07T20:15:08.069" v="214" actId="26606"/>
+          <ac:cxnSpMkLst>
+            <pc:docMk/>
+            <pc:sldMk cId="3581006378" sldId="261"/>
+            <ac:cxnSpMk id="1035" creationId="{D891E407-403B-4764-86C9-33A56D3BCAA3}"/>
+          </ac:cxnSpMkLst>
+        </pc:cxnChg>
+        <pc:cxnChg chg="add">
+          <ac:chgData name="Lukas Grünzweil" userId="0486b1c61146c26f" providerId="LiveId" clId="{1675A95B-4748-4FCF-A298-ABB6019839B9}" dt="2024-11-07T20:15:32.157" v="218" actId="26606"/>
+          <ac:cxnSpMkLst>
+            <pc:docMk/>
+            <pc:sldMk cId="3581006378" sldId="261"/>
+            <ac:cxnSpMk id="1036" creationId="{D891E407-403B-4764-86C9-33A56D3BCAA3}"/>
+          </ac:cxnSpMkLst>
+        </pc:cxnChg>
+      </pc:sldChg>
+      <pc:sldChg chg="modSp add del mod">
+        <pc:chgData name="Lukas Grünzweil" userId="0486b1c61146c26f" providerId="LiveId" clId="{1675A95B-4748-4FCF-A298-ABB6019839B9}" dt="2024-11-07T20:15:05.119" v="208" actId="2890"/>
+        <pc:sldMkLst>
+          <pc:docMk/>
+          <pc:sldMk cId="243836514" sldId="262"/>
+        </pc:sldMkLst>
+        <pc:spChg chg="mod">
+          <ac:chgData name="Lukas Grünzweil" userId="0486b1c61146c26f" providerId="LiveId" clId="{1675A95B-4748-4FCF-A298-ABB6019839B9}" dt="2024-11-07T20:14:38.647" v="205" actId="1076"/>
+          <ac:spMkLst>
+            <pc:docMk/>
+            <pc:sldMk cId="243836514" sldId="262"/>
+            <ac:spMk id="2" creationId="{E629DB83-03C5-E61D-4E16-4787A9B0989B}"/>
+          </ac:spMkLst>
+        </pc:spChg>
+        <pc:picChg chg="mod">
+          <ac:chgData name="Lukas Grünzweil" userId="0486b1c61146c26f" providerId="LiveId" clId="{1675A95B-4748-4FCF-A298-ABB6019839B9}" dt="2024-11-07T20:14:37.659" v="204" actId="1076"/>
+          <ac:picMkLst>
+            <pc:docMk/>
+            <pc:sldMk cId="243836514" sldId="262"/>
+            <ac:picMk id="1026" creationId="{E78B4A0E-0ADF-2717-9A1B-7B43A1445611}"/>
+          </ac:picMkLst>
+        </pc:picChg>
+      </pc:sldChg>
+      <pc:sldChg chg="modSp del mod">
+        <pc:chgData name="Lukas Grünzweil" userId="0486b1c61146c26f" providerId="LiveId" clId="{1675A95B-4748-4FCF-A298-ABB6019839B9}" dt="2024-11-07T20:05:55.465" v="76" actId="47"/>
+        <pc:sldMkLst>
+          <pc:docMk/>
+          <pc:sldMk cId="892607651" sldId="262"/>
+        </pc:sldMkLst>
+        <pc:spChg chg="mod">
+          <ac:chgData name="Lukas Grünzweil" userId="0486b1c61146c26f" providerId="LiveId" clId="{1675A95B-4748-4FCF-A298-ABB6019839B9}" dt="2024-11-07T20:05:40.830" v="73" actId="20577"/>
+          <ac:spMkLst>
+            <pc:docMk/>
+            <pc:sldMk cId="892607651" sldId="262"/>
+            <ac:spMk id="4" creationId="{0ECEAC8D-67AE-E553-1953-73F35A6EFB98}"/>
+          </ac:spMkLst>
+        </pc:spChg>
+      </pc:sldChg>
+      <pc:sldChg chg="modSp add del">
+        <pc:chgData name="Lukas Grünzweil" userId="0486b1c61146c26f" providerId="LiveId" clId="{1675A95B-4748-4FCF-A298-ABB6019839B9}" dt="2024-11-07T20:15:05.695" v="210" actId="2890"/>
+        <pc:sldMkLst>
+          <pc:docMk/>
+          <pc:sldMk cId="1120599437" sldId="262"/>
+        </pc:sldMkLst>
+        <pc:picChg chg="mod">
+          <ac:chgData name="Lukas Grünzweil" userId="0486b1c61146c26f" providerId="LiveId" clId="{1675A95B-4748-4FCF-A298-ABB6019839B9}" dt="2024-11-07T20:13:19.171" v="199" actId="1076"/>
+          <ac:picMkLst>
+            <pc:docMk/>
+            <pc:sldMk cId="1120599437" sldId="262"/>
+            <ac:picMk id="1026" creationId="{A507C1FB-048C-47AB-4CA0-9DB196D6ECB1}"/>
+          </ac:picMkLst>
+        </pc:picChg>
+      </pc:sldChg>
+      <pc:sldChg chg="addSp delSp modSp add del mod">
+        <pc:chgData name="Lukas Grünzweil" userId="0486b1c61146c26f" providerId="LiveId" clId="{1675A95B-4748-4FCF-A298-ABB6019839B9}" dt="2024-11-07T20:15:07.549" v="213" actId="2890"/>
+        <pc:sldMkLst>
+          <pc:docMk/>
+          <pc:sldMk cId="1240970174" sldId="262"/>
+        </pc:sldMkLst>
+        <pc:spChg chg="mod">
+          <ac:chgData name="Lukas Grünzweil" userId="0486b1c61146c26f" providerId="LiveId" clId="{1675A95B-4748-4FCF-A298-ABB6019839B9}" dt="2024-11-07T20:12:35.287" v="189" actId="1076"/>
+          <ac:spMkLst>
+            <pc:docMk/>
+            <pc:sldMk cId="1240970174" sldId="262"/>
+            <ac:spMk id="2" creationId="{80BE2761-63F9-C578-A1B0-B8F01B0356F5}"/>
+          </ac:spMkLst>
+        </pc:spChg>
+        <pc:spChg chg="add mod">
+          <ac:chgData name="Lukas Grünzweil" userId="0486b1c61146c26f" providerId="LiveId" clId="{1675A95B-4748-4FCF-A298-ABB6019839B9}" dt="2024-11-07T20:12:39.068" v="190" actId="478"/>
+          <ac:spMkLst>
+            <pc:docMk/>
+            <pc:sldMk cId="1240970174" sldId="262"/>
+            <ac:spMk id="3" creationId="{031C17FF-AC91-8464-86DF-FFCAC7D3059E}"/>
+          </ac:spMkLst>
+        </pc:spChg>
+        <pc:picChg chg="add del">
+          <ac:chgData name="Lukas Grünzweil" userId="0486b1c61146c26f" providerId="LiveId" clId="{1675A95B-4748-4FCF-A298-ABB6019839B9}" dt="2024-11-07T20:15:06.865" v="212" actId="478"/>
+          <ac:picMkLst>
+            <pc:docMk/>
+            <pc:sldMk cId="1240970174" sldId="262"/>
+            <ac:picMk id="1026" creationId="{4A75D6AD-E105-0F89-88F0-DA8B268B6EF1}"/>
+          </ac:picMkLst>
+        </pc:picChg>
+      </pc:sldChg>
+      <pc:sldChg chg="modSp new del mod">
+        <pc:chgData name="Lukas Grünzweil" userId="0486b1c61146c26f" providerId="LiveId" clId="{1675A95B-4748-4FCF-A298-ABB6019839B9}" dt="2024-11-07T20:11:00.100" v="182" actId="47"/>
+        <pc:sldMkLst>
+          <pc:docMk/>
+          <pc:sldMk cId="2096244223" sldId="262"/>
+        </pc:sldMkLst>
+        <pc:spChg chg="mod">
+          <ac:chgData name="Lukas Grünzweil" userId="0486b1c61146c26f" providerId="LiveId" clId="{1675A95B-4748-4FCF-A298-ABB6019839B9}" dt="2024-11-07T20:10:15.767" v="175" actId="20577"/>
+          <ac:spMkLst>
+            <pc:docMk/>
+            <pc:sldMk cId="2096244223" sldId="262"/>
+            <ac:spMk id="2" creationId="{61813BD7-8BB5-BF7E-E714-91C3EBD78588}"/>
+          </ac:spMkLst>
+        </pc:spChg>
+      </pc:sldChg>
+      <pc:sldChg chg="addSp delSp modSp add del mod modTransition setBg modAnim">
+        <pc:chgData name="Lukas Grünzweil" userId="0486b1c61146c26f" providerId="LiveId" clId="{1675A95B-4748-4FCF-A298-ABB6019839B9}" dt="2024-11-07T20:20:09.274" v="312"/>
+        <pc:sldMkLst>
+          <pc:docMk/>
+          <pc:sldMk cId="3651985745" sldId="262"/>
+        </pc:sldMkLst>
+        <pc:spChg chg="mod ord">
+          <ac:chgData name="Lukas Grünzweil" userId="0486b1c61146c26f" providerId="LiveId" clId="{1675A95B-4748-4FCF-A298-ABB6019839B9}" dt="2024-11-07T20:15:34.832" v="219" actId="26606"/>
+          <ac:spMkLst>
+            <pc:docMk/>
+            <pc:sldMk cId="3651985745" sldId="262"/>
+            <ac:spMk id="2" creationId="{2F028C70-3E3E-CBEA-34DB-189E79D8E663}"/>
+          </ac:spMkLst>
+        </pc:spChg>
+        <pc:spChg chg="del">
+          <ac:chgData name="Lukas Grünzweil" userId="0486b1c61146c26f" providerId="LiveId" clId="{1675A95B-4748-4FCF-A298-ABB6019839B9}" dt="2024-11-07T20:15:34.832" v="219" actId="26606"/>
+          <ac:spMkLst>
+            <pc:docMk/>
+            <pc:sldMk cId="3651985745" sldId="262"/>
+            <ac:spMk id="3" creationId="{164F3B62-6761-491E-69FE-0E64E34BFEAB}"/>
+          </ac:spMkLst>
+        </pc:spChg>
+        <pc:spChg chg="add mod">
+          <ac:chgData name="Lukas Grünzweil" userId="0486b1c61146c26f" providerId="LiveId" clId="{1675A95B-4748-4FCF-A298-ABB6019839B9}" dt="2024-11-07T20:19:32.399" v="311" actId="1076"/>
+          <ac:spMkLst>
+            <pc:docMk/>
+            <pc:sldMk cId="3651985745" sldId="262"/>
+            <ac:spMk id="5" creationId="{7C22CD6C-FD8A-E8A4-6F09-CD8FE7991DCA}"/>
+          </ac:spMkLst>
+        </pc:spChg>
+        <pc:spChg chg="add">
+          <ac:chgData name="Lukas Grünzweil" userId="0486b1c61146c26f" providerId="LiveId" clId="{1675A95B-4748-4FCF-A298-ABB6019839B9}" dt="2024-11-07T20:15:34.832" v="219" actId="26606"/>
+          <ac:spMkLst>
+            <pc:docMk/>
+            <pc:sldMk cId="3651985745" sldId="262"/>
+            <ac:spMk id="1031" creationId="{37C89E4B-3C9F-44B9-8B86-D9E3D112D8EC}"/>
+          </ac:spMkLst>
+        </pc:spChg>
+        <pc:picChg chg="add del mod">
+          <ac:chgData name="Lukas Grünzweil" userId="0486b1c61146c26f" providerId="LiveId" clId="{1675A95B-4748-4FCF-A298-ABB6019839B9}" dt="2024-11-07T20:18:13.106" v="228" actId="478"/>
+          <ac:picMkLst>
+            <pc:docMk/>
+            <pc:sldMk cId="3651985745" sldId="262"/>
+            <ac:picMk id="4" creationId="{8C130585-B80F-42A2-A2D6-1E52C102D5D6}"/>
+          </ac:picMkLst>
+        </pc:picChg>
+        <pc:picChg chg="mod">
+          <ac:chgData name="Lukas Grünzweil" userId="0486b1c61146c26f" providerId="LiveId" clId="{1675A95B-4748-4FCF-A298-ABB6019839B9}" dt="2024-11-07T20:15:34.832" v="219" actId="26606"/>
+          <ac:picMkLst>
+            <pc:docMk/>
+            <pc:sldMk cId="3651985745" sldId="262"/>
+            <ac:picMk id="1026" creationId="{04B40B6B-C9CB-758A-5768-35B394743288}"/>
+          </ac:picMkLst>
+        </pc:picChg>
+        <pc:cxnChg chg="add">
+          <ac:chgData name="Lukas Grünzweil" userId="0486b1c61146c26f" providerId="LiveId" clId="{1675A95B-4748-4FCF-A298-ABB6019839B9}" dt="2024-11-07T20:15:34.832" v="219" actId="26606"/>
+          <ac:cxnSpMkLst>
+            <pc:docMk/>
+            <pc:sldMk cId="3651985745" sldId="262"/>
+            <ac:cxnSpMk id="1033" creationId="{AA2EAA10-076F-46BD-8F0F-B9A2FB77A85C}"/>
+          </ac:cxnSpMkLst>
+        </pc:cxnChg>
+        <pc:cxnChg chg="add">
+          <ac:chgData name="Lukas Grünzweil" userId="0486b1c61146c26f" providerId="LiveId" clId="{1675A95B-4748-4FCF-A298-ABB6019839B9}" dt="2024-11-07T20:15:34.832" v="219" actId="26606"/>
+          <ac:cxnSpMkLst>
+            <pc:docMk/>
+            <pc:sldMk cId="3651985745" sldId="262"/>
+            <ac:cxnSpMk id="1035" creationId="{D891E407-403B-4764-86C9-33A56D3BCAA3}"/>
+          </ac:cxnSpMkLst>
+        </pc:cxnChg>
+      </pc:sldChg>
+      <pc:sldChg chg="addSp delSp modSp new mod modTransition modAnim">
+        <pc:chgData name="Lukas Grünzweil" userId="0486b1c61146c26f" providerId="LiveId" clId="{1675A95B-4748-4FCF-A298-ABB6019839B9}" dt="2024-11-07T20:45:45.694" v="642" actId="1076"/>
+        <pc:sldMkLst>
+          <pc:docMk/>
+          <pc:sldMk cId="719308788" sldId="263"/>
+        </pc:sldMkLst>
+        <pc:spChg chg="mod">
+          <ac:chgData name="Lukas Grünzweil" userId="0486b1c61146c26f" providerId="LiveId" clId="{1675A95B-4748-4FCF-A298-ABB6019839B9}" dt="2024-11-07T20:27:12.391" v="420" actId="1076"/>
+          <ac:spMkLst>
+            <pc:docMk/>
+            <pc:sldMk cId="719308788" sldId="263"/>
+            <ac:spMk id="2" creationId="{A210C6BF-7C8B-D31D-01A4-A14F698433B9}"/>
+          </ac:spMkLst>
+        </pc:spChg>
+        <pc:spChg chg="del">
+          <ac:chgData name="Lukas Grünzweil" userId="0486b1c61146c26f" providerId="LiveId" clId="{1675A95B-4748-4FCF-A298-ABB6019839B9}" dt="2024-11-07T20:23:11.707" v="405"/>
+          <ac:spMkLst>
+            <pc:docMk/>
+            <pc:sldMk cId="719308788" sldId="263"/>
+            <ac:spMk id="3" creationId="{EF3EC800-7243-B90C-5AB0-217CE9887F1B}"/>
+          </ac:spMkLst>
+        </pc:spChg>
+        <pc:spChg chg="add del mod">
+          <ac:chgData name="Lukas Grünzweil" userId="0486b1c61146c26f" providerId="LiveId" clId="{1675A95B-4748-4FCF-A298-ABB6019839B9}" dt="2024-11-07T20:27:20.301" v="421" actId="478"/>
+          <ac:spMkLst>
+            <pc:docMk/>
+            <pc:sldMk cId="719308788" sldId="263"/>
+            <ac:spMk id="4" creationId="{5DB8D7D5-739F-3C02-2C47-0E1F07B46095}"/>
+          </ac:spMkLst>
+        </pc:spChg>
+        <pc:spChg chg="add mod">
+          <ac:chgData name="Lukas Grünzweil" userId="0486b1c61146c26f" providerId="LiveId" clId="{1675A95B-4748-4FCF-A298-ABB6019839B9}" dt="2024-11-07T20:29:42.649" v="499" actId="164"/>
+          <ac:spMkLst>
+            <pc:docMk/>
+            <pc:sldMk cId="719308788" sldId="263"/>
+            <ac:spMk id="5" creationId="{86A3662C-8EC1-32F7-241C-61DC8D516458}"/>
+          </ac:spMkLst>
+        </pc:spChg>
+        <pc:spChg chg="add del mod">
+          <ac:chgData name="Lukas Grünzweil" userId="0486b1c61146c26f" providerId="LiveId" clId="{1675A95B-4748-4FCF-A298-ABB6019839B9}" dt="2024-11-07T20:28:04.127" v="429"/>
+          <ac:spMkLst>
+            <pc:docMk/>
+            <pc:sldMk cId="719308788" sldId="263"/>
+            <ac:spMk id="6" creationId="{42024D06-81B3-BF21-0B30-1698ACF0F33A}"/>
+          </ac:spMkLst>
+        </pc:spChg>
+        <pc:spChg chg="add del mod">
+          <ac:chgData name="Lukas Grünzweil" userId="0486b1c61146c26f" providerId="LiveId" clId="{1675A95B-4748-4FCF-A298-ABB6019839B9}" dt="2024-11-07T20:28:22.043" v="439" actId="478"/>
+          <ac:spMkLst>
+            <pc:docMk/>
+            <pc:sldMk cId="719308788" sldId="263"/>
+            <ac:spMk id="7" creationId="{D25CAFE1-7B51-139E-2505-EBDD00279A0E}"/>
+          </ac:spMkLst>
+        </pc:spChg>
+        <pc:spChg chg="add mod">
+          <ac:chgData name="Lukas Grünzweil" userId="0486b1c61146c26f" providerId="LiveId" clId="{1675A95B-4748-4FCF-A298-ABB6019839B9}" dt="2024-11-07T20:29:42.649" v="499" actId="164"/>
+          <ac:spMkLst>
+            <pc:docMk/>
+            <pc:sldMk cId="719308788" sldId="263"/>
+            <ac:spMk id="8" creationId="{F168CA0E-C375-3607-DA91-D431944267D5}"/>
+          </ac:spMkLst>
+        </pc:spChg>
+        <pc:spChg chg="add mod">
+          <ac:chgData name="Lukas Grünzweil" userId="0486b1c61146c26f" providerId="LiveId" clId="{1675A95B-4748-4FCF-A298-ABB6019839B9}" dt="2024-11-07T20:34:07.647" v="518" actId="164"/>
+          <ac:spMkLst>
+            <pc:docMk/>
+            <pc:sldMk cId="719308788" sldId="263"/>
+            <ac:spMk id="10" creationId="{4087A742-8477-0AC8-B2A7-1886FD66AD9C}"/>
+          </ac:spMkLst>
+        </pc:spChg>
+        <pc:spChg chg="add mod">
+          <ac:chgData name="Lukas Grünzweil" userId="0486b1c61146c26f" providerId="LiveId" clId="{1675A95B-4748-4FCF-A298-ABB6019839B9}" dt="2024-11-07T20:44:26.974" v="615" actId="1076"/>
+          <ac:spMkLst>
+            <pc:docMk/>
+            <pc:sldMk cId="719308788" sldId="263"/>
+            <ac:spMk id="12" creationId="{2E4B0D99-8BE1-F367-634B-785B17AEC180}"/>
+          </ac:spMkLst>
+        </pc:spChg>
+        <pc:spChg chg="add mod">
+          <ac:chgData name="Lukas Grünzweil" userId="0486b1c61146c26f" providerId="LiveId" clId="{1675A95B-4748-4FCF-A298-ABB6019839B9}" dt="2024-11-07T20:45:45.694" v="642" actId="1076"/>
+          <ac:spMkLst>
+            <pc:docMk/>
+            <pc:sldMk cId="719308788" sldId="263"/>
+            <ac:spMk id="13" creationId="{90FDCE8D-CA92-829F-1C61-2A0BFF93B20D}"/>
+          </ac:spMkLst>
+        </pc:spChg>
+        <pc:spChg chg="add mod">
+          <ac:chgData name="Lukas Grünzweil" userId="0486b1c61146c26f" providerId="LiveId" clId="{1675A95B-4748-4FCF-A298-ABB6019839B9}" dt="2024-11-07T20:44:39.401" v="635" actId="1076"/>
+          <ac:spMkLst>
+            <pc:docMk/>
+            <pc:sldMk cId="719308788" sldId="263"/>
+            <ac:spMk id="14" creationId="{853C5885-103D-8B79-430C-603BFA9C82CC}"/>
+          </ac:spMkLst>
+        </pc:spChg>
+        <pc:grpChg chg="add mod">
+          <ac:chgData name="Lukas Grünzweil" userId="0486b1c61146c26f" providerId="LiveId" clId="{1675A95B-4748-4FCF-A298-ABB6019839B9}" dt="2024-11-07T20:29:56.154" v="500" actId="1076"/>
+          <ac:grpSpMkLst>
+            <pc:docMk/>
+            <pc:sldMk cId="719308788" sldId="263"/>
+            <ac:grpSpMk id="9" creationId="{6303986C-01C1-BC76-4254-73DD022E3AC9}"/>
+          </ac:grpSpMkLst>
+        </pc:grpChg>
+        <pc:grpChg chg="add del mod">
+          <ac:chgData name="Lukas Grünzweil" userId="0486b1c61146c26f" providerId="LiveId" clId="{1675A95B-4748-4FCF-A298-ABB6019839B9}" dt="2024-11-07T20:34:34.741" v="524" actId="478"/>
+          <ac:grpSpMkLst>
+            <pc:docMk/>
+            <pc:sldMk cId="719308788" sldId="263"/>
+            <ac:grpSpMk id="11" creationId="{AB954739-CBCF-A758-F4C2-3348EC139AFF}"/>
+          </ac:grpSpMkLst>
+        </pc:grpChg>
+        <pc:picChg chg="add del mod">
+          <ac:chgData name="Lukas Grünzweil" userId="0486b1c61146c26f" providerId="LiveId" clId="{1675A95B-4748-4FCF-A298-ABB6019839B9}" dt="2024-11-07T20:27:09.374" v="419" actId="478"/>
+          <ac:picMkLst>
+            <pc:docMk/>
+            <pc:sldMk cId="719308788" sldId="263"/>
+            <ac:picMk id="2050" creationId="{1B0F958A-5CB9-136D-1978-967705D000D3}"/>
+          </ac:picMkLst>
+        </pc:picChg>
+        <pc:picChg chg="add mod">
+          <ac:chgData name="Lukas Grünzweil" userId="0486b1c61146c26f" providerId="LiveId" clId="{1675A95B-4748-4FCF-A298-ABB6019839B9}" dt="2024-11-07T20:34:07.647" v="518" actId="164"/>
+          <ac:picMkLst>
+            <pc:docMk/>
+            <pc:sldMk cId="719308788" sldId="263"/>
+            <ac:picMk id="2052" creationId="{8225A7D0-847A-5818-C05B-400E5023D52A}"/>
+          </ac:picMkLst>
+        </pc:picChg>
+      </pc:sldChg>
+      <pc:sldChg chg="modSp del mod">
+        <pc:chgData name="Lukas Grünzweil" userId="0486b1c61146c26f" providerId="LiveId" clId="{1675A95B-4748-4FCF-A298-ABB6019839B9}" dt="2024-11-07T20:05:56.649" v="77" actId="47"/>
+        <pc:sldMkLst>
+          <pc:docMk/>
+          <pc:sldMk cId="2157724457" sldId="263"/>
+        </pc:sldMkLst>
+        <pc:spChg chg="mod">
+          <ac:chgData name="Lukas Grünzweil" userId="0486b1c61146c26f" providerId="LiveId" clId="{1675A95B-4748-4FCF-A298-ABB6019839B9}" dt="2024-11-07T20:05:46.343" v="75" actId="20577"/>
+          <ac:spMkLst>
+            <pc:docMk/>
+            <pc:sldMk cId="2157724457" sldId="263"/>
+            <ac:spMk id="3" creationId="{132C9D20-D04C-9FBE-BC39-D773B15D4EB0}"/>
+          </ac:spMkLst>
+        </pc:spChg>
+        <pc:spChg chg="mod">
+          <ac:chgData name="Lukas Grünzweil" userId="0486b1c61146c26f" providerId="LiveId" clId="{1675A95B-4748-4FCF-A298-ABB6019839B9}" dt="2024-11-07T20:05:43.145" v="74" actId="20577"/>
+          <ac:spMkLst>
+            <pc:docMk/>
+            <pc:sldMk cId="2157724457" sldId="263"/>
+            <ac:spMk id="4" creationId="{66675C73-98CE-2FF6-0C43-1BA3052EBE1C}"/>
+          </ac:spMkLst>
+        </pc:spChg>
+      </pc:sldChg>
+      <pc:sldChg chg="modSp new mod">
+        <pc:chgData name="Lukas Grünzweil" userId="0486b1c61146c26f" providerId="LiveId" clId="{1675A95B-4748-4FCF-A298-ABB6019839B9}" dt="2024-11-07T20:47:01.553" v="661" actId="20577"/>
+        <pc:sldMkLst>
+          <pc:docMk/>
+          <pc:sldMk cId="1085933681" sldId="264"/>
+        </pc:sldMkLst>
+        <pc:spChg chg="mod">
+          <ac:chgData name="Lukas Grünzweil" userId="0486b1c61146c26f" providerId="LiveId" clId="{1675A95B-4748-4FCF-A298-ABB6019839B9}" dt="2024-11-07T20:47:01.553" v="661" actId="20577"/>
+          <ac:spMkLst>
+            <pc:docMk/>
+            <pc:sldMk cId="1085933681" sldId="264"/>
+            <ac:spMk id="2" creationId="{A591E747-FEB7-1D69-7D41-80DFC48E73BD}"/>
+          </ac:spMkLst>
+        </pc:spChg>
+      </pc:sldChg>
+      <pc:sldChg chg="delSp add del ord">
+        <pc:chgData name="Lukas Grünzweil" userId="0486b1c61146c26f" providerId="LiveId" clId="{1675A95B-4748-4FCF-A298-ABB6019839B9}" dt="2024-11-07T20:34:21.808" v="523" actId="47"/>
+        <pc:sldMkLst>
+          <pc:docMk/>
+          <pc:sldMk cId="2491370598" sldId="264"/>
+        </pc:sldMkLst>
+        <pc:grpChg chg="del">
+          <ac:chgData name="Lukas Grünzweil" userId="0486b1c61146c26f" providerId="LiveId" clId="{1675A95B-4748-4FCF-A298-ABB6019839B9}" dt="2024-11-07T20:34:16.394" v="522" actId="478"/>
+          <ac:grpSpMkLst>
+            <pc:docMk/>
+            <pc:sldMk cId="2491370598" sldId="264"/>
+            <ac:grpSpMk id="11" creationId="{987A9D14-D27E-C162-D62C-18DC55F57AAA}"/>
+          </ac:grpSpMkLst>
+        </pc:grpChg>
+      </pc:sldChg>
+      <pc:sldChg chg="modSp new mod">
+        <pc:chgData name="Lukas Grünzweil" userId="0486b1c61146c26f" providerId="LiveId" clId="{1675A95B-4748-4FCF-A298-ABB6019839B9}" dt="2024-11-07T20:47:14.692" v="682" actId="20577"/>
+        <pc:sldMkLst>
+          <pc:docMk/>
+          <pc:sldMk cId="983139501" sldId="265"/>
+        </pc:sldMkLst>
+        <pc:spChg chg="mod">
+          <ac:chgData name="Lukas Grünzweil" userId="0486b1c61146c26f" providerId="LiveId" clId="{1675A95B-4748-4FCF-A298-ABB6019839B9}" dt="2024-11-07T20:47:14.692" v="682" actId="20577"/>
+          <ac:spMkLst>
+            <pc:docMk/>
+            <pc:sldMk cId="983139501" sldId="265"/>
+            <ac:spMk id="2" creationId="{FCFF1C82-4477-57FE-10BF-B9416C5D8439}"/>
+          </ac:spMkLst>
+        </pc:spChg>
+      </pc:sldChg>
+      <pc:sldChg chg="modSp new mod">
+        <pc:chgData name="Lukas Grünzweil" userId="0486b1c61146c26f" providerId="LiveId" clId="{1675A95B-4748-4FCF-A298-ABB6019839B9}" dt="2024-11-07T20:47:40.491" v="699" actId="20577"/>
+        <pc:sldMkLst>
+          <pc:docMk/>
+          <pc:sldMk cId="1209888971" sldId="266"/>
+        </pc:sldMkLst>
+        <pc:spChg chg="mod">
+          <ac:chgData name="Lukas Grünzweil" userId="0486b1c61146c26f" providerId="LiveId" clId="{1675A95B-4748-4FCF-A298-ABB6019839B9}" dt="2024-11-07T20:47:40.491" v="699" actId="20577"/>
+          <ac:spMkLst>
+            <pc:docMk/>
+            <pc:sldMk cId="1209888971" sldId="266"/>
+            <ac:spMk id="2" creationId="{359A797A-1B03-B4E4-C5F5-0517A3A043F5}"/>
+          </ac:spMkLst>
+        </pc:spChg>
+      </pc:sldChg>
+      <pc:sldMasterChg chg="modSldLayout">
+        <pc:chgData name="Lukas Grünzweil" userId="0486b1c61146c26f" providerId="LiveId" clId="{1675A95B-4748-4FCF-A298-ABB6019839B9}" dt="2024-11-07T20:07:46.358" v="136" actId="2711"/>
+        <pc:sldMasterMkLst>
+          <pc:docMk/>
+          <pc:sldMasterMk cId="1550376936" sldId="2147483648"/>
+        </pc:sldMasterMkLst>
+        <pc:sldLayoutChg chg="modSp">
+          <pc:chgData name="Lukas Grünzweil" userId="0486b1c61146c26f" providerId="LiveId" clId="{1675A95B-4748-4FCF-A298-ABB6019839B9}" dt="2024-11-07T20:07:46.358" v="136" actId="2711"/>
+          <pc:sldLayoutMkLst>
+            <pc:docMk/>
+            <pc:sldMasterMk cId="1550376936" sldId="2147483648"/>
+            <pc:sldLayoutMk cId="2391525135" sldId="2147483650"/>
+          </pc:sldLayoutMkLst>
+          <pc:spChg chg="mod">
+            <ac:chgData name="Lukas Grünzweil" userId="0486b1c61146c26f" providerId="LiveId" clId="{1675A95B-4748-4FCF-A298-ABB6019839B9}" dt="2024-11-07T20:07:41.280" v="135" actId="2711"/>
+            <ac:spMkLst>
+              <pc:docMk/>
+              <pc:sldMasterMk cId="1550376936" sldId="2147483648"/>
+              <pc:sldLayoutMk cId="2391525135" sldId="2147483650"/>
+              <ac:spMk id="2" creationId="{03C7278F-5351-68FA-7E22-1B204BC7A3BE}"/>
+            </ac:spMkLst>
+          </pc:spChg>
+          <pc:spChg chg="mod">
+            <ac:chgData name="Lukas Grünzweil" userId="0486b1c61146c26f" providerId="LiveId" clId="{1675A95B-4748-4FCF-A298-ABB6019839B9}" dt="2024-11-07T20:07:46.358" v="136" actId="2711"/>
+            <ac:spMkLst>
+              <pc:docMk/>
+              <pc:sldMasterMk cId="1550376936" sldId="2147483648"/>
+              <pc:sldLayoutMk cId="2391525135" sldId="2147483650"/>
+              <ac:spMk id="3" creationId="{40A462DA-1B8F-A5A5-D9BD-EE92294B2142}"/>
+            </ac:spMkLst>
+          </pc:spChg>
+        </pc:sldLayoutChg>
+      </pc:sldMasterChg>
+    </pc:docChg>
+  </pc:docChgLst>
   <pc:docChgLst>
     <pc:chgData name="lukasgrunzweil@gmail.com" userId="658814fff265c26e" providerId="LiveId" clId="{0B6BD7B3-359B-4AB9-8C52-42C56A788E66}"/>
     <pc:docChg chg="undo redo custSel addSld delSld modSld sldOrd">
@@ -678,7 +1255,7 @@
           <a:p>
             <a:fld id="{644C6D97-1B40-4373-A934-0DA88AF1B610}" type="datetimeFigureOut">
               <a:rPr lang="en-GB" smtClean="0"/>
-              <a:t>04/11/2024</a:t>
+              <a:t>07/11/2024</a:t>
             </a:fld>
             <a:endParaRPr lang="en-GB"/>
           </a:p>
@@ -878,7 +1455,7 @@
           <a:p>
             <a:fld id="{644C6D97-1B40-4373-A934-0DA88AF1B610}" type="datetimeFigureOut">
               <a:rPr lang="en-GB" smtClean="0"/>
-              <a:t>04/11/2024</a:t>
+              <a:t>07/11/2024</a:t>
             </a:fld>
             <a:endParaRPr lang="en-GB"/>
           </a:p>
@@ -1088,7 +1665,7 @@
           <a:p>
             <a:fld id="{644C6D97-1B40-4373-A934-0DA88AF1B610}" type="datetimeFigureOut">
               <a:rPr lang="en-GB" smtClean="0"/>
-              <a:t>04/11/2024</a:t>
+              <a:t>07/11/2024</a:t>
             </a:fld>
             <a:endParaRPr lang="en-GB"/>
           </a:p>
@@ -1197,13 +1774,19 @@
         <p:spPr/>
         <p:txBody>
           <a:bodyPr/>
-          <a:lstStyle/>
-          <a:p>
-            <a:r>
-              <a:rPr lang="en-US"/>
+          <a:lstStyle>
+            <a:lvl1pPr>
+              <a:defRPr>
+                <a:latin typeface="Old English Text MT" panose="03040902040508030806" pitchFamily="66" charset="0"/>
+              </a:defRPr>
+            </a:lvl1pPr>
+          </a:lstStyle>
+          <a:p>
+            <a:r>
+              <a:rPr lang="en-US" dirty="0"/>
               <a:t>Click to edit Master title style</a:t>
             </a:r>
-            <a:endParaRPr lang="en-GB"/>
+            <a:endParaRPr lang="en-GB" dirty="0"/>
           </a:p>
         </p:txBody>
       </p:sp>
@@ -1221,6 +1804,90 @@
           </p:cNvSpPr>
           <p:nvPr>
             <p:ph idx="1"/>
+          </p:nvPr>
+        </p:nvSpPr>
+        <p:spPr/>
+        <p:txBody>
+          <a:bodyPr/>
+          <a:lstStyle>
+            <a:lvl1pPr>
+              <a:defRPr>
+                <a:latin typeface="Old English Text MT" panose="03040902040508030806" pitchFamily="66" charset="0"/>
+              </a:defRPr>
+            </a:lvl1pPr>
+            <a:lvl2pPr>
+              <a:defRPr>
+                <a:latin typeface="Old English Text MT" panose="03040902040508030806" pitchFamily="66" charset="0"/>
+              </a:defRPr>
+            </a:lvl2pPr>
+            <a:lvl3pPr>
+              <a:defRPr>
+                <a:latin typeface="Old English Text MT" panose="03040902040508030806" pitchFamily="66" charset="0"/>
+              </a:defRPr>
+            </a:lvl3pPr>
+            <a:lvl4pPr>
+              <a:defRPr>
+                <a:latin typeface="Old English Text MT" panose="03040902040508030806" pitchFamily="66" charset="0"/>
+              </a:defRPr>
+            </a:lvl4pPr>
+            <a:lvl5pPr>
+              <a:defRPr>
+                <a:latin typeface="Old English Text MT" panose="03040902040508030806" pitchFamily="66" charset="0"/>
+              </a:defRPr>
+            </a:lvl5pPr>
+          </a:lstStyle>
+          <a:p>
+            <a:pPr lvl="0"/>
+            <a:r>
+              <a:rPr lang="en-US" dirty="0"/>
+              <a:t>Click to edit Master text styles</a:t>
+            </a:r>
+          </a:p>
+          <a:p>
+            <a:pPr lvl="1"/>
+            <a:r>
+              <a:rPr lang="en-US" dirty="0"/>
+              <a:t>Second level</a:t>
+            </a:r>
+          </a:p>
+          <a:p>
+            <a:pPr lvl="2"/>
+            <a:r>
+              <a:rPr lang="en-US" dirty="0"/>
+              <a:t>Third level</a:t>
+            </a:r>
+          </a:p>
+          <a:p>
+            <a:pPr lvl="3"/>
+            <a:r>
+              <a:rPr lang="en-US" dirty="0"/>
+              <a:t>Fourth level</a:t>
+            </a:r>
+          </a:p>
+          <a:p>
+            <a:pPr lvl="4"/>
+            <a:r>
+              <a:rPr lang="en-US" dirty="0"/>
+              <a:t>Fifth level</a:t>
+            </a:r>
+            <a:endParaRPr lang="en-GB" dirty="0"/>
+          </a:p>
+        </p:txBody>
+      </p:sp>
+      <p:sp>
+        <p:nvSpPr>
+          <p:cNvPr id="4" name="Date Placeholder 3">
+            <a:extLst>
+              <a:ext uri="{FF2B5EF4-FFF2-40B4-BE49-F238E27FC236}">
+                <a16:creationId xmlns:a16="http://schemas.microsoft.com/office/drawing/2014/main" id="{B989293F-E87E-8A4F-7C3B-3A9F43118794}"/>
+              </a:ext>
+            </a:extLst>
+          </p:cNvPr>
+          <p:cNvSpPr>
+            <a:spLocks noGrp="1"/>
+          </p:cNvSpPr>
+          <p:nvPr>
+            <p:ph type="dt" sz="half" idx="10"/>
           </p:nvPr>
         </p:nvSpPr>
         <p:spPr/>
@@ -1228,67 +1895,9 @@
           <a:bodyPr/>
           <a:lstStyle/>
           <a:p>
-            <a:pPr lvl="0"/>
-            <a:r>
-              <a:rPr lang="en-US"/>
-              <a:t>Click to edit Master text styles</a:t>
-            </a:r>
-          </a:p>
-          <a:p>
-            <a:pPr lvl="1"/>
-            <a:r>
-              <a:rPr lang="en-US"/>
-              <a:t>Second level</a:t>
-            </a:r>
-          </a:p>
-          <a:p>
-            <a:pPr lvl="2"/>
-            <a:r>
-              <a:rPr lang="en-US"/>
-              <a:t>Third level</a:t>
-            </a:r>
-          </a:p>
-          <a:p>
-            <a:pPr lvl="3"/>
-            <a:r>
-              <a:rPr lang="en-US"/>
-              <a:t>Fourth level</a:t>
-            </a:r>
-          </a:p>
-          <a:p>
-            <a:pPr lvl="4"/>
-            <a:r>
-              <a:rPr lang="en-US"/>
-              <a:t>Fifth level</a:t>
-            </a:r>
-            <a:endParaRPr lang="en-GB"/>
-          </a:p>
-        </p:txBody>
-      </p:sp>
-      <p:sp>
-        <p:nvSpPr>
-          <p:cNvPr id="4" name="Date Placeholder 3">
-            <a:extLst>
-              <a:ext uri="{FF2B5EF4-FFF2-40B4-BE49-F238E27FC236}">
-                <a16:creationId xmlns:a16="http://schemas.microsoft.com/office/drawing/2014/main" id="{B989293F-E87E-8A4F-7C3B-3A9F43118794}"/>
-              </a:ext>
-            </a:extLst>
-          </p:cNvPr>
-          <p:cNvSpPr>
-            <a:spLocks noGrp="1"/>
-          </p:cNvSpPr>
-          <p:nvPr>
-            <p:ph type="dt" sz="half" idx="10"/>
-          </p:nvPr>
-        </p:nvSpPr>
-        <p:spPr/>
-        <p:txBody>
-          <a:bodyPr/>
-          <a:lstStyle/>
-          <a:p>
             <a:fld id="{644C6D97-1B40-4373-A934-0DA88AF1B610}" type="datetimeFigureOut">
               <a:rPr lang="en-GB" smtClean="0"/>
-              <a:t>04/11/2024</a:t>
+              <a:t>07/11/2024</a:t>
             </a:fld>
             <a:endParaRPr lang="en-GB"/>
           </a:p>
@@ -1564,7 +2173,7 @@
           <a:p>
             <a:fld id="{644C6D97-1B40-4373-A934-0DA88AF1B610}" type="datetimeFigureOut">
               <a:rPr lang="en-GB" smtClean="0"/>
-              <a:t>04/11/2024</a:t>
+              <a:t>07/11/2024</a:t>
             </a:fld>
             <a:endParaRPr lang="en-GB"/>
           </a:p>
@@ -1832,7 +2441,7 @@
           <a:p>
             <a:fld id="{644C6D97-1B40-4373-A934-0DA88AF1B610}" type="datetimeFigureOut">
               <a:rPr lang="en-GB" smtClean="0"/>
-              <a:t>04/11/2024</a:t>
+              <a:t>07/11/2024</a:t>
             </a:fld>
             <a:endParaRPr lang="en-GB"/>
           </a:p>
@@ -2247,7 +2856,7 @@
           <a:p>
             <a:fld id="{644C6D97-1B40-4373-A934-0DA88AF1B610}" type="datetimeFigureOut">
               <a:rPr lang="en-GB" smtClean="0"/>
-              <a:t>04/11/2024</a:t>
+              <a:t>07/11/2024</a:t>
             </a:fld>
             <a:endParaRPr lang="en-GB"/>
           </a:p>
@@ -2389,7 +2998,7 @@
           <a:p>
             <a:fld id="{644C6D97-1B40-4373-A934-0DA88AF1B610}" type="datetimeFigureOut">
               <a:rPr lang="en-GB" smtClean="0"/>
-              <a:t>04/11/2024</a:t>
+              <a:t>07/11/2024</a:t>
             </a:fld>
             <a:endParaRPr lang="en-GB"/>
           </a:p>
@@ -2502,7 +3111,7 @@
           <a:p>
             <a:fld id="{644C6D97-1B40-4373-A934-0DA88AF1B610}" type="datetimeFigureOut">
               <a:rPr lang="en-GB" smtClean="0"/>
-              <a:t>04/11/2024</a:t>
+              <a:t>07/11/2024</a:t>
             </a:fld>
             <a:endParaRPr lang="en-GB"/>
           </a:p>
@@ -2815,7 +3424,7 @@
           <a:p>
             <a:fld id="{644C6D97-1B40-4373-A934-0DA88AF1B610}" type="datetimeFigureOut">
               <a:rPr lang="en-GB" smtClean="0"/>
-              <a:t>04/11/2024</a:t>
+              <a:t>07/11/2024</a:t>
             </a:fld>
             <a:endParaRPr lang="en-GB"/>
           </a:p>
@@ -3104,7 +3713,7 @@
           <a:p>
             <a:fld id="{644C6D97-1B40-4373-A934-0DA88AF1B610}" type="datetimeFigureOut">
               <a:rPr lang="en-GB" smtClean="0"/>
-              <a:t>04/11/2024</a:t>
+              <a:t>07/11/2024</a:t>
             </a:fld>
             <a:endParaRPr lang="en-GB"/>
           </a:p>
@@ -3347,7 +3956,7 @@
           <a:p>
             <a:fld id="{644C6D97-1B40-4373-A934-0DA88AF1B610}" type="datetimeFigureOut">
               <a:rPr lang="en-GB" smtClean="0"/>
-              <a:t>04/11/2024</a:t>
+              <a:t>07/11/2024</a:t>
             </a:fld>
             <a:endParaRPr lang="en-GB"/>
           </a:p>
@@ -4707,7 +5316,7 @@
         </p:nvSpPr>
         <p:spPr>
           <a:xfrm>
-            <a:off x="-1864296" y="6858000"/>
+            <a:off x="-8741346" y="5202238"/>
             <a:ext cx="9144000" cy="1655762"/>
           </a:xfrm>
         </p:spPr>
@@ -4819,7 +5428,7 @@
                   </a:solidFill>
                   <a:latin typeface="Old English Text MT" panose="03040902040508030806" pitchFamily="66" charset="0"/>
                 </a:rPr>
-                <a:t>Was genau sind Rittern</a:t>
+                <a:t>Was ist ein Ritter eigentlich</a:t>
               </a:r>
             </a:p>
             <a:p>
@@ -4838,7 +5447,7 @@
                   </a:solidFill>
                   <a:latin typeface="Old English Text MT" panose="03040902040508030806" pitchFamily="66" charset="0"/>
                 </a:rPr>
-                <a:t>Wer konnte Ritter werden</a:t>
+                <a:t>Der Weg zum Ritter</a:t>
               </a:r>
             </a:p>
             <a:p>
@@ -4851,22 +5460,13 @@
             </a:p>
             <a:p>
               <a:r>
-                <a:rPr lang="en-GB" sz="2800" dirty="0">
-                  <a:solidFill>
-                    <a:schemeClr val="bg1"/>
-                  </a:solidFill>
-                  <a:latin typeface="Old English Text MT" panose="03040902040508030806" pitchFamily="66" charset="0"/>
-                </a:rPr>
-                <a:t>Wie </a:t>
-              </a:r>
-              <a:r>
                 <a:rPr lang="en-GB" sz="2800" dirty="0" err="1">
                   <a:solidFill>
                     <a:schemeClr val="bg1"/>
                   </a:solidFill>
                   <a:latin typeface="Old English Text MT" panose="03040902040508030806" pitchFamily="66" charset="0"/>
                 </a:rPr>
-                <a:t>wurde</a:t>
+                <a:t>Rüstung</a:t>
               </a:r>
               <a:r>
                 <a:rPr lang="en-GB" sz="2800" dirty="0">
@@ -4875,7 +5475,7 @@
                   </a:solidFill>
                   <a:latin typeface="Old English Text MT" panose="03040902040508030806" pitchFamily="66" charset="0"/>
                 </a:rPr>
-                <a:t> man Ritter</a:t>
+                <a:t> und Waffen</a:t>
               </a:r>
             </a:p>
             <a:p>
@@ -4888,29 +5488,23 @@
             </a:p>
             <a:p>
               <a:r>
+                <a:rPr lang="en-GB" sz="2800" dirty="0" err="1">
+                  <a:solidFill>
+                    <a:schemeClr val="bg1"/>
+                  </a:solidFill>
+                  <a:latin typeface="Old English Text MT" panose="03040902040508030806" pitchFamily="66" charset="0"/>
+                </a:rPr>
+                <a:t>Ehrenkodex</a:t>
+              </a:r>
+              <a:r>
                 <a:rPr lang="en-GB" sz="2800" dirty="0">
                   <a:solidFill>
                     <a:schemeClr val="bg1"/>
                   </a:solidFill>
                   <a:latin typeface="Old English Text MT" panose="03040902040508030806" pitchFamily="66" charset="0"/>
                 </a:rPr>
-                <a:t>Die </a:t>
+                <a:t> und Leben</a:t>
               </a:r>
-              <a:r>
-                <a:rPr lang="en-GB" sz="2800" dirty="0" err="1">
-                  <a:solidFill>
-                    <a:schemeClr val="bg1"/>
-                  </a:solidFill>
-                  <a:latin typeface="Old English Text MT" panose="03040902040508030806" pitchFamily="66" charset="0"/>
-                </a:rPr>
-                <a:t>Ausbildung</a:t>
-              </a:r>
-              <a:endParaRPr lang="en-GB" sz="2800" dirty="0">
-                <a:solidFill>
-                  <a:schemeClr val="bg1"/>
-                </a:solidFill>
-                <a:latin typeface="Old English Text MT" panose="03040902040508030806" pitchFamily="66" charset="0"/>
-              </a:endParaRPr>
             </a:p>
             <a:p>
               <a:endParaRPr lang="en-GB" sz="2800" dirty="0">
@@ -4922,49 +5516,13 @@
             </a:p>
             <a:p>
               <a:r>
-                <a:rPr lang="en-GB" sz="2800" dirty="0">
-                  <a:solidFill>
-                    <a:schemeClr val="bg1"/>
-                  </a:solidFill>
-                  <a:latin typeface="Old English Text MT" panose="03040902040508030806" pitchFamily="66" charset="0"/>
-                </a:rPr>
-                <a:t>Die </a:t>
-              </a:r>
-              <a:r>
                 <a:rPr lang="en-GB" sz="2800" dirty="0" err="1">
                   <a:solidFill>
                     <a:schemeClr val="bg1"/>
                   </a:solidFill>
                   <a:latin typeface="Old English Text MT" panose="03040902040508030806" pitchFamily="66" charset="0"/>
                 </a:rPr>
-                <a:t>Pflichten</a:t>
-              </a:r>
-              <a:r>
-                <a:rPr lang="en-GB" sz="2800" dirty="0">
-                  <a:solidFill>
-                    <a:schemeClr val="bg1"/>
-                  </a:solidFill>
-                  <a:latin typeface="Old English Text MT" panose="03040902040508030806" pitchFamily="66" charset="0"/>
-                </a:rPr>
-                <a:t> </a:t>
-              </a:r>
-              <a:r>
-                <a:rPr lang="en-GB" sz="2800" dirty="0" err="1">
-                  <a:solidFill>
-                    <a:schemeClr val="bg1"/>
-                  </a:solidFill>
-                  <a:latin typeface="Old English Text MT" panose="03040902040508030806" pitchFamily="66" charset="0"/>
-                </a:rPr>
-                <a:t>eines</a:t>
-              </a:r>
-              <a:r>
-                <a:rPr lang="en-GB" sz="2800" dirty="0">
-                  <a:solidFill>
-                    <a:schemeClr val="bg1"/>
-                  </a:solidFill>
-                  <a:latin typeface="Old English Text MT" panose="03040902040508030806" pitchFamily="66" charset="0"/>
-                </a:rPr>
-                <a:t> Ritters</a:t>
+                <a:t>Ritterschlag</a:t>
               </a:r>
               <a:endParaRPr lang="de-AT" sz="2800" dirty="0">
                 <a:solidFill>
@@ -5184,9 +5742,23 @@
 <file path=ppt/slides/slide4.xml><?xml version="1.0" encoding="utf-8"?>
 <p:sld xmlns:a="http://schemas.openxmlformats.org/drawingml/2006/main" xmlns:r="http://schemas.openxmlformats.org/officeDocument/2006/relationships" xmlns:p="http://schemas.openxmlformats.org/presentationml/2006/main">
   <p:cSld>
+    <p:bg>
+      <p:bgPr>
+        <a:solidFill>
+          <a:schemeClr val="bg1"/>
+        </a:solidFill>
+        <a:effectLst/>
+      </p:bgPr>
+    </p:bg>
     <p:spTree>
       <p:nvGrpSpPr>
-        <p:cNvPr id="1" name=""/>
+        <p:cNvPr id="1" name="">
+          <a:extLst>
+            <a:ext uri="{FF2B5EF4-FFF2-40B4-BE49-F238E27FC236}">
+              <a16:creationId xmlns:a16="http://schemas.microsoft.com/office/drawing/2014/main" id="{BA4B4AC3-CD2A-8966-F4D9-3F4F41A67FF1}"/>
+            </a:ext>
+          </a:extLst>
+        </p:cNvPr>
         <p:cNvGrpSpPr/>
         <p:nvPr/>
       </p:nvGrpSpPr>
@@ -5200,17 +5772,19 @@
       </p:grpSpPr>
       <p:pic>
         <p:nvPicPr>
-          <p:cNvPr id="1026" name="Picture 2">
-            <a:extLst>
-              <a:ext uri="{FF2B5EF4-FFF2-40B4-BE49-F238E27FC236}">
-                <a16:creationId xmlns:a16="http://schemas.microsoft.com/office/drawing/2014/main" id="{66060E70-AF33-BBB7-4415-AF4B0B1C3DD8}"/>
+          <p:cNvPr id="1026" name="Picture 2" descr="Ritter-auf-dem-Schlachtfeld-Taktiken-und-Strategien-des-mittelalterlichen-Kampfes">
+            <a:extLst>
+              <a:ext uri="{FF2B5EF4-FFF2-40B4-BE49-F238E27FC236}">
+                <a16:creationId xmlns:a16="http://schemas.microsoft.com/office/drawing/2014/main" id="{04B40B6B-C9CB-758A-5768-35B394743288}"/>
               </a:ext>
             </a:extLst>
           </p:cNvPr>
           <p:cNvPicPr>
-            <a:picLocks noGrp="1" noRot="1" noChangeAspect="1" noMove="1" noResize="1" noEditPoints="1" noAdjustHandles="1" noChangeArrowheads="1" noChangeShapeType="1" noCrop="1"/>
+            <a:picLocks noGrp="1" noChangeAspect="1" noChangeArrowheads="1"/>
           </p:cNvPicPr>
-          <p:nvPr/>
+          <p:nvPr>
+            <p:ph idx="1"/>
+          </p:nvPr>
         </p:nvPicPr>
         <p:blipFill>
           <a:blip r:embed="rId2">
@@ -5220,15 +5794,13 @@
               </a:ext>
             </a:extLst>
           </a:blip>
-          <a:srcRect/>
-          <a:stretch>
-            <a:fillRect/>
-          </a:stretch>
+          <a:srcRect l="5333"/>
+          <a:stretch/>
         </p:blipFill>
         <p:spPr bwMode="auto">
           <a:xfrm>
-            <a:off x="0" y="-374650"/>
-            <a:ext cx="12192000" cy="7232649"/>
+            <a:off x="20" y="10"/>
+            <a:ext cx="12191980" cy="6857990"/>
           </a:xfrm>
           <a:prstGeom prst="rect">
             <a:avLst/>
@@ -5247,37 +5819,260 @@
       </p:pic>
       <p:sp>
         <p:nvSpPr>
-          <p:cNvPr id="4" name="Titel 3">
-            <a:extLst>
-              <a:ext uri="{FF2B5EF4-FFF2-40B4-BE49-F238E27FC236}">
-                <a16:creationId xmlns:a16="http://schemas.microsoft.com/office/drawing/2014/main" id="{0ECEAC8D-67AE-E553-1953-73F35A6EFB98}"/>
-              </a:ext>
-            </a:extLst>
-          </p:cNvPr>
-          <p:cNvSpPr>
-            <a:spLocks noGrp="1"/>
-          </p:cNvSpPr>
-          <p:nvPr>
-            <p:ph type="ctrTitle"/>
-          </p:nvPr>
-        </p:nvSpPr>
-        <p:spPr/>
-        <p:txBody>
-          <a:bodyPr/>
+          <p:cNvPr id="1031" name="Rectangle 1030">
+            <a:extLst>
+              <a:ext uri="{FF2B5EF4-FFF2-40B4-BE49-F238E27FC236}">
+                <a16:creationId xmlns:a16="http://schemas.microsoft.com/office/drawing/2014/main" id="{37C89E4B-3C9F-44B9-8B86-D9E3D112D8EC}"/>
+              </a:ext>
+              <a:ext uri="{C183D7F6-B498-43B3-948B-1728B52AA6E4}">
+                <adec:decorative xmlns:adec="http://schemas.microsoft.com/office/drawing/2017/decorative" val="1"/>
+              </a:ext>
+            </a:extLst>
+          </p:cNvPr>
+          <p:cNvSpPr>
+            <a:spLocks noGrp="1" noRot="1" noChangeAspect="1" noMove="1" noResize="1" noEditPoints="1" noAdjustHandles="1" noChangeArrowheads="1" noChangeShapeType="1" noTextEdit="1"/>
+          </p:cNvSpPr>
+          <p:nvPr>
+            <p:extLst>
+              <p:ext uri="{386F3935-93C4-4BCD-93E2-E3B085C9AB24}">
+                <p16:designElem xmlns:p16="http://schemas.microsoft.com/office/powerpoint/2015/main" val="1"/>
+              </p:ext>
+            </p:extLst>
+          </p:nvPr>
+        </p:nvSpPr>
+        <p:spPr>
+          <a:xfrm>
+            <a:off x="0" y="428852"/>
+            <a:ext cx="12192000" cy="736551"/>
+          </a:xfrm>
+          <a:prstGeom prst="rect">
+            <a:avLst/>
+          </a:prstGeom>
+          <a:solidFill>
+            <a:schemeClr val="bg1">
+              <a:alpha val="93000"/>
+            </a:schemeClr>
+          </a:solidFill>
+          <a:ln>
+            <a:noFill/>
+          </a:ln>
+        </p:spPr>
+        <p:style>
+          <a:lnRef idx="2">
+            <a:schemeClr val="accent1">
+              <a:shade val="50000"/>
+            </a:schemeClr>
+          </a:lnRef>
+          <a:fillRef idx="1">
+            <a:schemeClr val="accent1"/>
+          </a:fillRef>
+          <a:effectRef idx="0">
+            <a:schemeClr val="accent1"/>
+          </a:effectRef>
+          <a:fontRef idx="minor">
+            <a:schemeClr val="lt1"/>
+          </a:fontRef>
+        </p:style>
+        <p:txBody>
+          <a:bodyPr rtlCol="0" anchor="ctr"/>
           <a:lstStyle/>
           <a:p>
-            <a:r>
-              <a:rPr lang="de-AT" dirty="0">
-                <a:ln>
-                  <a:solidFill>
-                    <a:schemeClr val="bg1">
-                      <a:lumMod val="65000"/>
-                    </a:schemeClr>
-                  </a:solidFill>
-                </a:ln>
-                <a:latin typeface="Old English Text MT" panose="03040902040508030806" pitchFamily="66" charset="0"/>
+            <a:pPr algn="ctr"/>
+            <a:endParaRPr lang="en-US"/>
+          </a:p>
+        </p:txBody>
+      </p:sp>
+      <p:sp>
+        <p:nvSpPr>
+          <p:cNvPr id="2" name="Titel 1">
+            <a:extLst>
+              <a:ext uri="{FF2B5EF4-FFF2-40B4-BE49-F238E27FC236}">
+                <a16:creationId xmlns:a16="http://schemas.microsoft.com/office/drawing/2014/main" id="{2F028C70-3E3E-CBEA-34DB-189E79D8E663}"/>
+              </a:ext>
+            </a:extLst>
+          </p:cNvPr>
+          <p:cNvSpPr>
+            <a:spLocks noGrp="1"/>
+          </p:cNvSpPr>
+          <p:nvPr>
+            <p:ph type="title"/>
+          </p:nvPr>
+        </p:nvSpPr>
+        <p:spPr>
+          <a:xfrm>
+            <a:off x="523875" y="425950"/>
+            <a:ext cx="11210925" cy="744836"/>
+          </a:xfrm>
+        </p:spPr>
+        <p:txBody>
+          <a:bodyPr vert="horz" lIns="91440" tIns="45720" rIns="91440" bIns="45720" rtlCol="0" anchor="ctr">
+            <a:normAutofit/>
+          </a:bodyPr>
+          <a:lstStyle/>
+          <a:p>
+            <a:pPr algn="ctr"/>
+            <a:r>
+              <a:rPr lang="en-US" sz="3600">
+                <a:solidFill>
+                  <a:schemeClr val="tx1">
+                    <a:lumMod val="85000"/>
+                    <a:lumOff val="15000"/>
+                  </a:schemeClr>
+                </a:solidFill>
+                <a:latin typeface="+mj-lt"/>
               </a:rPr>
-              <a:t>Was genau sind Rittern?</a:t>
+              <a:t>Was sind Ritter eigentlich?</a:t>
+            </a:r>
+          </a:p>
+        </p:txBody>
+      </p:sp>
+      <p:cxnSp>
+        <p:nvCxnSpPr>
+          <p:cNvPr id="1033" name="Straight Connector 1032">
+            <a:extLst>
+              <a:ext uri="{FF2B5EF4-FFF2-40B4-BE49-F238E27FC236}">
+                <a16:creationId xmlns:a16="http://schemas.microsoft.com/office/drawing/2014/main" id="{AA2EAA10-076F-46BD-8F0F-B9A2FB77A85C}"/>
+              </a:ext>
+              <a:ext uri="{C183D7F6-B498-43B3-948B-1728B52AA6E4}">
+                <adec:decorative xmlns:adec="http://schemas.microsoft.com/office/drawing/2017/decorative" val="1"/>
+              </a:ext>
+            </a:extLst>
+          </p:cNvPr>
+          <p:cNvCxnSpPr>
+            <a:cxnSpLocks noGrp="1" noRot="1" noChangeAspect="1" noMove="1" noResize="1" noEditPoints="1" noAdjustHandles="1" noChangeArrowheads="1" noChangeShapeType="1"/>
+          </p:cNvCxnSpPr>
+          <p:nvPr>
+            <p:extLst>
+              <p:ext uri="{386F3935-93C4-4BCD-93E2-E3B085C9AB24}">
+                <p16:designElem xmlns:p16="http://schemas.microsoft.com/office/powerpoint/2015/main" val="1"/>
+              </p:ext>
+            </p:extLst>
+          </p:nvPr>
+        </p:nvCxnSpPr>
+        <p:spPr>
+          <a:xfrm>
+            <a:off x="0" y="350693"/>
+            <a:ext cx="12192000" cy="0"/>
+          </a:xfrm>
+          <a:prstGeom prst="line">
+            <a:avLst/>
+          </a:prstGeom>
+          <a:ln w="41275">
+            <a:solidFill>
+              <a:schemeClr val="bg1">
+                <a:alpha val="90000"/>
+              </a:schemeClr>
+            </a:solidFill>
+          </a:ln>
+        </p:spPr>
+        <p:style>
+          <a:lnRef idx="1">
+            <a:schemeClr val="accent1"/>
+          </a:lnRef>
+          <a:fillRef idx="0">
+            <a:schemeClr val="accent1"/>
+          </a:fillRef>
+          <a:effectRef idx="0">
+            <a:schemeClr val="accent1"/>
+          </a:effectRef>
+          <a:fontRef idx="minor">
+            <a:schemeClr val="tx1"/>
+          </a:fontRef>
+        </p:style>
+      </p:cxnSp>
+      <p:cxnSp>
+        <p:nvCxnSpPr>
+          <p:cNvPr id="1035" name="Straight Connector 1034">
+            <a:extLst>
+              <a:ext uri="{FF2B5EF4-FFF2-40B4-BE49-F238E27FC236}">
+                <a16:creationId xmlns:a16="http://schemas.microsoft.com/office/drawing/2014/main" id="{D891E407-403B-4764-86C9-33A56D3BCAA3}"/>
+              </a:ext>
+              <a:ext uri="{C183D7F6-B498-43B3-948B-1728B52AA6E4}">
+                <adec:decorative xmlns:adec="http://schemas.microsoft.com/office/drawing/2017/decorative" val="1"/>
+              </a:ext>
+            </a:extLst>
+          </p:cNvPr>
+          <p:cNvCxnSpPr>
+            <a:cxnSpLocks noGrp="1" noRot="1" noChangeAspect="1" noMove="1" noResize="1" noEditPoints="1" noAdjustHandles="1" noChangeArrowheads="1" noChangeShapeType="1"/>
+          </p:cNvCxnSpPr>
+          <p:nvPr>
+            <p:extLst>
+              <p:ext uri="{386F3935-93C4-4BCD-93E2-E3B085C9AB24}">
+                <p16:designElem xmlns:p16="http://schemas.microsoft.com/office/powerpoint/2015/main" val="1"/>
+              </p:ext>
+            </p:extLst>
+          </p:nvPr>
+        </p:nvCxnSpPr>
+        <p:spPr>
+          <a:xfrm>
+            <a:off x="0" y="1243562"/>
+            <a:ext cx="12192000" cy="0"/>
+          </a:xfrm>
+          <a:prstGeom prst="line">
+            <a:avLst/>
+          </a:prstGeom>
+          <a:ln w="41275">
+            <a:solidFill>
+              <a:schemeClr val="bg1">
+                <a:alpha val="90000"/>
+              </a:schemeClr>
+            </a:solidFill>
+          </a:ln>
+        </p:spPr>
+        <p:style>
+          <a:lnRef idx="1">
+            <a:schemeClr val="accent1"/>
+          </a:lnRef>
+          <a:fillRef idx="0">
+            <a:schemeClr val="accent1"/>
+          </a:fillRef>
+          <a:effectRef idx="0">
+            <a:schemeClr val="accent1"/>
+          </a:effectRef>
+          <a:fontRef idx="minor">
+            <a:schemeClr val="tx1"/>
+          </a:fontRef>
+        </p:style>
+      </p:cxnSp>
+      <p:sp>
+        <p:nvSpPr>
+          <p:cNvPr id="5" name="Textfeld 4">
+            <a:extLst>
+              <a:ext uri="{FF2B5EF4-FFF2-40B4-BE49-F238E27FC236}">
+                <a16:creationId xmlns:a16="http://schemas.microsoft.com/office/drawing/2014/main" id="{7C22CD6C-FD8A-E8A4-6F09-CD8FE7991DCA}"/>
+              </a:ext>
+            </a:extLst>
+          </p:cNvPr>
+          <p:cNvSpPr txBox="1"/>
+          <p:nvPr/>
+        </p:nvSpPr>
+        <p:spPr>
+          <a:xfrm>
+            <a:off x="6096000" y="1619250"/>
+            <a:ext cx="4972050" cy="523220"/>
+          </a:xfrm>
+          <a:prstGeom prst="rect">
+            <a:avLst/>
+          </a:prstGeom>
+          <a:noFill/>
+        </p:spPr>
+        <p:txBody>
+          <a:bodyPr wrap="square" rtlCol="0">
+            <a:spAutoFit/>
+          </a:bodyPr>
+          <a:lstStyle/>
+          <a:p>
+            <a:pPr marL="285750" indent="-285750">
+              <a:buFont typeface="Arial" panose="020B0604020202020204" pitchFamily="34" charset="0"/>
+              <a:buChar char="•"/>
+            </a:pPr>
+            <a:r>
+              <a:rPr lang="de-DE" sz="2800" dirty="0">
+                <a:solidFill>
+                  <a:schemeClr val="bg1"/>
+                </a:solidFill>
+              </a:rPr>
+              <a:t>Elitekämpfer des Mittelalters</a:t>
             </a:r>
           </a:p>
         </p:txBody>
@@ -5285,398 +6080,13 @@
     </p:spTree>
     <p:extLst>
       <p:ext uri="{BB962C8B-B14F-4D97-AF65-F5344CB8AC3E}">
-        <p14:creationId xmlns:p14="http://schemas.microsoft.com/office/powerpoint/2010/main" val="892607651"/>
+        <p14:creationId xmlns:p14="http://schemas.microsoft.com/office/powerpoint/2010/main" val="3651985745"/>
       </p:ext>
     </p:extLst>
   </p:cSld>
   <p:clrMapOvr>
     <a:masterClrMapping/>
   </p:clrMapOvr>
-  <p:transition spd="slow">
-    <p:push dir="u"/>
-  </p:transition>
-</p:sld>
-</file>
-
-<file path=ppt/slides/slide5.xml><?xml version="1.0" encoding="utf-8"?>
-<p:sld xmlns:a="http://schemas.openxmlformats.org/drawingml/2006/main" xmlns:r="http://schemas.openxmlformats.org/officeDocument/2006/relationships" xmlns:p="http://schemas.openxmlformats.org/presentationml/2006/main">
-  <p:cSld>
-    <p:spTree>
-      <p:nvGrpSpPr>
-        <p:cNvPr id="1" name="">
-          <a:extLst>
-            <a:ext uri="{FF2B5EF4-FFF2-40B4-BE49-F238E27FC236}">
-              <a16:creationId xmlns:a16="http://schemas.microsoft.com/office/drawing/2014/main" id="{854A3430-A77D-9854-6D4F-BF3B9452A15A}"/>
-            </a:ext>
-          </a:extLst>
-        </p:cNvPr>
-        <p:cNvGrpSpPr/>
-        <p:nvPr/>
-      </p:nvGrpSpPr>
-      <p:grpSpPr>
-        <a:xfrm>
-          <a:off x="0" y="0"/>
-          <a:ext cx="0" cy="0"/>
-          <a:chOff x="0" y="0"/>
-          <a:chExt cx="0" cy="0"/>
-        </a:xfrm>
-      </p:grpSpPr>
-      <p:pic>
-        <p:nvPicPr>
-          <p:cNvPr id="1026" name="Picture 2">
-            <a:extLst>
-              <a:ext uri="{FF2B5EF4-FFF2-40B4-BE49-F238E27FC236}">
-                <a16:creationId xmlns:a16="http://schemas.microsoft.com/office/drawing/2014/main" id="{421B1565-765F-FF8F-51BE-72B84FE7CD12}"/>
-              </a:ext>
-            </a:extLst>
-          </p:cNvPr>
-          <p:cNvPicPr>
-            <a:picLocks noGrp="1" noRot="1" noChangeAspect="1" noMove="1" noResize="1" noEditPoints="1" noAdjustHandles="1" noChangeArrowheads="1" noChangeShapeType="1" noCrop="1"/>
-          </p:cNvPicPr>
-          <p:nvPr/>
-        </p:nvPicPr>
-        <p:blipFill>
-          <a:blip r:embed="rId2">
-            <a:extLst>
-              <a:ext uri="{BEBA8EAE-BF5A-486C-A8C5-ECC9F3942E4B}">
-                <a14:imgProps xmlns:a14="http://schemas.microsoft.com/office/drawing/2010/main">
-                  <a14:imgLayer r:embed="rId3">
-                    <a14:imgEffect>
-                      <a14:saturation sat="33000"/>
-                    </a14:imgEffect>
-                  </a14:imgLayer>
-                </a14:imgProps>
-              </a:ext>
-              <a:ext uri="{28A0092B-C50C-407E-A947-70E740481C1C}">
-                <a14:useLocalDpi xmlns:a14="http://schemas.microsoft.com/office/drawing/2010/main" val="0"/>
-              </a:ext>
-            </a:extLst>
-          </a:blip>
-          <a:srcRect/>
-          <a:stretch>
-            <a:fillRect/>
-          </a:stretch>
-        </p:blipFill>
-        <p:spPr bwMode="auto">
-          <a:xfrm>
-            <a:off x="0" y="-361950"/>
-            <a:ext cx="12192000" cy="7219949"/>
-          </a:xfrm>
-          <a:prstGeom prst="rect">
-            <a:avLst/>
-          </a:prstGeom>
-          <a:noFill/>
-          <a:extLst>
-            <a:ext uri="{909E8E84-426E-40DD-AFC4-6F175D3DCCD1}">
-              <a14:hiddenFill xmlns:a14="http://schemas.microsoft.com/office/drawing/2010/main">
-                <a:solidFill>
-                  <a:srgbClr val="FFFFFF"/>
-                </a:solidFill>
-              </a14:hiddenFill>
-            </a:ext>
-          </a:extLst>
-        </p:spPr>
-      </p:pic>
-      <p:sp>
-        <p:nvSpPr>
-          <p:cNvPr id="4" name="Titel 3">
-            <a:extLst>
-              <a:ext uri="{FF2B5EF4-FFF2-40B4-BE49-F238E27FC236}">
-                <a16:creationId xmlns:a16="http://schemas.microsoft.com/office/drawing/2014/main" id="{66675C73-98CE-2FF6-0C43-1BA3052EBE1C}"/>
-              </a:ext>
-            </a:extLst>
-          </p:cNvPr>
-          <p:cNvSpPr>
-            <a:spLocks noGrp="1"/>
-          </p:cNvSpPr>
-          <p:nvPr>
-            <p:ph type="ctrTitle"/>
-          </p:nvPr>
-        </p:nvSpPr>
-        <p:spPr>
-          <a:xfrm>
-            <a:off x="1524000" y="69849"/>
-            <a:ext cx="9144000" cy="957263"/>
-          </a:xfrm>
-        </p:spPr>
-        <p:txBody>
-          <a:bodyPr/>
-          <a:lstStyle/>
-          <a:p>
-            <a:r>
-              <a:rPr lang="de-AT" dirty="0">
-                <a:ln>
-                  <a:solidFill>
-                    <a:schemeClr val="bg1">
-                      <a:lumMod val="65000"/>
-                    </a:schemeClr>
-                  </a:solidFill>
-                </a:ln>
-                <a:latin typeface="Old English Text MT" panose="03040902040508030806" pitchFamily="66" charset="0"/>
-              </a:rPr>
-              <a:t>Was genau sind Rittern?</a:t>
-            </a:r>
-          </a:p>
-        </p:txBody>
-      </p:sp>
-      <p:sp>
-        <p:nvSpPr>
-          <p:cNvPr id="3" name="Textfeld 2">
-            <a:extLst>
-              <a:ext uri="{FF2B5EF4-FFF2-40B4-BE49-F238E27FC236}">
-                <a16:creationId xmlns:a16="http://schemas.microsoft.com/office/drawing/2014/main" id="{132C9D20-D04C-9FBE-BC39-D773B15D4EB0}"/>
-              </a:ext>
-            </a:extLst>
-          </p:cNvPr>
-          <p:cNvSpPr txBox="1"/>
-          <p:nvPr/>
-        </p:nvSpPr>
-        <p:spPr>
-          <a:xfrm>
-            <a:off x="1206500" y="1841500"/>
-            <a:ext cx="5588000" cy="3539430"/>
-          </a:xfrm>
-          <a:prstGeom prst="rect">
-            <a:avLst/>
-          </a:prstGeom>
-          <a:noFill/>
-        </p:spPr>
-        <p:txBody>
-          <a:bodyPr wrap="square" rtlCol="0">
-            <a:spAutoFit/>
-          </a:bodyPr>
-          <a:lstStyle/>
-          <a:p>
-            <a:pPr marL="457200" indent="-457200">
-              <a:buFont typeface="Wingdings" panose="05000000000000000000" pitchFamily="2" charset="2"/>
-              <a:buChar char="Ø"/>
-            </a:pPr>
-            <a:r>
-              <a:rPr lang="en-US" sz="3200" dirty="0">
-                <a:ln>
-                  <a:solidFill>
-                    <a:schemeClr val="bg1">
-                      <a:lumMod val="85000"/>
-                    </a:schemeClr>
-                  </a:solidFill>
-                </a:ln>
-                <a:solidFill>
-                  <a:schemeClr val="bg1"/>
-                </a:solidFill>
-              </a:rPr>
-              <a:t>Krieger</a:t>
-            </a:r>
-            <a:r>
-              <a:rPr lang="de-AT" sz="3200" dirty="0">
-                <a:ln>
-                  <a:solidFill>
-                    <a:schemeClr val="bg1">
-                      <a:lumMod val="85000"/>
-                    </a:schemeClr>
-                  </a:solidFill>
-                </a:ln>
-                <a:solidFill>
-                  <a:schemeClr val="bg1"/>
-                </a:solidFill>
-              </a:rPr>
-              <a:t> im </a:t>
-            </a:r>
-            <a:r>
-              <a:rPr lang="en-US" sz="3200" dirty="0">
-                <a:ln>
-                  <a:solidFill>
-                    <a:schemeClr val="bg1">
-                      <a:lumMod val="85000"/>
-                    </a:schemeClr>
-                  </a:solidFill>
-                </a:ln>
-                <a:solidFill>
-                  <a:schemeClr val="bg1"/>
-                </a:solidFill>
-              </a:rPr>
-              <a:t>Mittel alter</a:t>
-            </a:r>
-          </a:p>
-          <a:p>
-            <a:pPr marL="457200" indent="-457200">
-              <a:buFont typeface="Wingdings" panose="05000000000000000000" pitchFamily="2" charset="2"/>
-              <a:buChar char="Ø"/>
-            </a:pPr>
-            <a:endParaRPr lang="en-US" sz="3200" dirty="0">
-              <a:ln>
-                <a:solidFill>
-                  <a:schemeClr val="bg1">
-                    <a:lumMod val="85000"/>
-                  </a:schemeClr>
-                </a:solidFill>
-              </a:ln>
-              <a:solidFill>
-                <a:schemeClr val="bg1"/>
-              </a:solidFill>
-            </a:endParaRPr>
-          </a:p>
-          <a:p>
-            <a:pPr marL="457200" indent="-457200">
-              <a:buFont typeface="Wingdings" panose="05000000000000000000" pitchFamily="2" charset="2"/>
-              <a:buChar char="Ø"/>
-            </a:pPr>
-            <a:endParaRPr lang="en-US" sz="3200" dirty="0">
-              <a:ln>
-                <a:solidFill>
-                  <a:schemeClr val="bg1">
-                    <a:lumMod val="85000"/>
-                  </a:schemeClr>
-                </a:solidFill>
-              </a:ln>
-              <a:solidFill>
-                <a:schemeClr val="bg1"/>
-              </a:solidFill>
-            </a:endParaRPr>
-          </a:p>
-          <a:p>
-            <a:pPr marL="457200" indent="-457200">
-              <a:buFont typeface="Wingdings" panose="05000000000000000000" pitchFamily="2" charset="2"/>
-              <a:buChar char="Ø"/>
-            </a:pPr>
-            <a:r>
-              <a:rPr lang="en-US" sz="3200" dirty="0" err="1">
-                <a:ln>
-                  <a:solidFill>
-                    <a:schemeClr val="bg1">
-                      <a:lumMod val="85000"/>
-                    </a:schemeClr>
-                  </a:solidFill>
-                </a:ln>
-                <a:solidFill>
-                  <a:schemeClr val="bg1"/>
-                </a:solidFill>
-              </a:rPr>
-              <a:t>Gefolgsleute</a:t>
-            </a:r>
-            <a:r>
-              <a:rPr lang="en-US" sz="3200" dirty="0">
-                <a:ln>
-                  <a:solidFill>
-                    <a:schemeClr val="bg1">
-                      <a:lumMod val="85000"/>
-                    </a:schemeClr>
-                  </a:solidFill>
-                </a:ln>
-                <a:solidFill>
-                  <a:schemeClr val="bg1"/>
-                </a:solidFill>
-              </a:rPr>
-              <a:t> von </a:t>
-            </a:r>
-            <a:r>
-              <a:rPr lang="en-US" sz="3200" dirty="0" err="1">
-                <a:ln>
-                  <a:solidFill>
-                    <a:schemeClr val="bg1">
-                      <a:lumMod val="85000"/>
-                    </a:schemeClr>
-                  </a:solidFill>
-                </a:ln>
-                <a:solidFill>
-                  <a:schemeClr val="bg1"/>
-                </a:solidFill>
-              </a:rPr>
-              <a:t>Adelige</a:t>
-            </a:r>
-            <a:endParaRPr lang="en-US" sz="3200" dirty="0">
-              <a:ln>
-                <a:solidFill>
-                  <a:schemeClr val="bg1">
-                    <a:lumMod val="85000"/>
-                  </a:schemeClr>
-                </a:solidFill>
-              </a:ln>
-              <a:solidFill>
-                <a:schemeClr val="bg1"/>
-              </a:solidFill>
-            </a:endParaRPr>
-          </a:p>
-          <a:p>
-            <a:pPr marL="457200" indent="-457200">
-              <a:buFont typeface="Wingdings" panose="05000000000000000000" pitchFamily="2" charset="2"/>
-              <a:buChar char="Ø"/>
-            </a:pPr>
-            <a:endParaRPr lang="en-US" sz="3200" dirty="0">
-              <a:ln>
-                <a:solidFill>
-                  <a:schemeClr val="bg1">
-                    <a:lumMod val="85000"/>
-                  </a:schemeClr>
-                </a:solidFill>
-              </a:ln>
-              <a:solidFill>
-                <a:schemeClr val="bg1"/>
-              </a:solidFill>
-            </a:endParaRPr>
-          </a:p>
-          <a:p>
-            <a:pPr marL="457200" indent="-457200">
-              <a:buFont typeface="Wingdings" panose="05000000000000000000" pitchFamily="2" charset="2"/>
-              <a:buChar char="Ø"/>
-            </a:pPr>
-            <a:endParaRPr lang="en-US" sz="3200" dirty="0">
-              <a:ln>
-                <a:solidFill>
-                  <a:schemeClr val="bg1">
-                    <a:lumMod val="85000"/>
-                  </a:schemeClr>
-                </a:solidFill>
-              </a:ln>
-              <a:solidFill>
-                <a:schemeClr val="bg1"/>
-              </a:solidFill>
-            </a:endParaRPr>
-          </a:p>
-          <a:p>
-            <a:pPr marL="457200" indent="-457200">
-              <a:buFont typeface="Wingdings" panose="05000000000000000000" pitchFamily="2" charset="2"/>
-              <a:buChar char="Ø"/>
-            </a:pPr>
-            <a:r>
-              <a:rPr lang="en-US" sz="3200" dirty="0">
-                <a:ln>
-                  <a:solidFill>
-                    <a:schemeClr val="bg1">
-                      <a:lumMod val="85000"/>
-                    </a:schemeClr>
-                  </a:solidFill>
-                </a:ln>
-                <a:solidFill>
-                  <a:schemeClr val="bg1"/>
-                </a:solidFill>
-              </a:rPr>
-              <a:t>Aufgabe und Privilege</a:t>
-            </a:r>
-          </a:p>
-        </p:txBody>
-      </p:sp>
-    </p:spTree>
-    <p:extLst>
-      <p:ext uri="{BB962C8B-B14F-4D97-AF65-F5344CB8AC3E}">
-        <p14:creationId xmlns:p14="http://schemas.microsoft.com/office/powerpoint/2010/main" val="2157724457"/>
-      </p:ext>
-    </p:extLst>
-  </p:cSld>
-  <p:clrMapOvr>
-    <a:masterClrMapping/>
-  </p:clrMapOvr>
-  <mc:AlternateContent xmlns:mc="http://schemas.openxmlformats.org/markup-compatibility/2006" xmlns:p159="http://schemas.microsoft.com/office/powerpoint/2015/09/main">
-    <mc:Choice Requires="p159">
-      <p:transition xmlns:p14="http://schemas.microsoft.com/office/powerpoint/2010/main" spd="slow" p14:dur="2000">
-        <p159:morph option="byObject"/>
-      </p:transition>
-    </mc:Choice>
-    <mc:Fallback xmlns="">
-      <p:transition spd="slow">
-        <p:fade/>
-      </p:transition>
-    </mc:Fallback>
-  </mc:AlternateContent>
   <p:timing>
     <p:tnLst>
       <p:par>
@@ -5698,7 +6108,7 @@
                             </p:stCondLst>
                             <p:childTnLst>
                               <p:par>
-                                <p:cTn id="5" presetID="2" presetClass="entr" presetSubtype="8" fill="hold" nodeType="clickEffect">
+                                <p:cTn id="5" presetID="2" presetClass="entr" presetSubtype="2" fill="hold" grpId="0" nodeType="clickEffect">
                                   <p:stCondLst>
                                     <p:cond delay="0"/>
                                   </p:stCondLst>
@@ -5711,11 +6121,7 @@
                                           </p:stCondLst>
                                         </p:cTn>
                                         <p:tgtEl>
-                                          <p:spTgt spid="3">
-                                            <p:txEl>
-                                              <p:pRg st="0" end="0"/>
-                                            </p:txEl>
-                                          </p:spTgt>
+                                          <p:spTgt spid="5"/>
                                         </p:tgtEl>
                                         <p:attrNameLst>
                                           <p:attrName>style.visibility</p:attrName>
@@ -5729,11 +6135,7 @@
                                       <p:cBhvr additive="base">
                                         <p:cTn id="7" dur="500" fill="hold"/>
                                         <p:tgtEl>
-                                          <p:spTgt spid="3">
-                                            <p:txEl>
-                                              <p:pRg st="0" end="0"/>
-                                            </p:txEl>
-                                          </p:spTgt>
+                                          <p:spTgt spid="5"/>
                                         </p:tgtEl>
                                         <p:attrNameLst>
                                           <p:attrName>ppt_x</p:attrName>
@@ -5742,7 +6144,7 @@
                                       <p:tavLst>
                                         <p:tav tm="0">
                                           <p:val>
-                                            <p:strVal val="0-#ppt_w/2"/>
+                                            <p:strVal val="1+#ppt_w/2"/>
                                           </p:val>
                                         </p:tav>
                                         <p:tav tm="100000">
@@ -5756,217 +6158,7 @@
                                       <p:cBhvr additive="base">
                                         <p:cTn id="8" dur="500" fill="hold"/>
                                         <p:tgtEl>
-                                          <p:spTgt spid="3">
-                                            <p:txEl>
-                                              <p:pRg st="0" end="0"/>
-                                            </p:txEl>
-                                          </p:spTgt>
-                                        </p:tgtEl>
-                                        <p:attrNameLst>
-                                          <p:attrName>ppt_y</p:attrName>
-                                        </p:attrNameLst>
-                                      </p:cBhvr>
-                                      <p:tavLst>
-                                        <p:tav tm="0">
-                                          <p:val>
-                                            <p:strVal val="#ppt_y"/>
-                                          </p:val>
-                                        </p:tav>
-                                        <p:tav tm="100000">
-                                          <p:val>
-                                            <p:strVal val="#ppt_y"/>
-                                          </p:val>
-                                        </p:tav>
-                                      </p:tavLst>
-                                    </p:anim>
-                                  </p:childTnLst>
-                                </p:cTn>
-                              </p:par>
-                            </p:childTnLst>
-                          </p:cTn>
-                        </p:par>
-                      </p:childTnLst>
-                    </p:cTn>
-                  </p:par>
-                  <p:par>
-                    <p:cTn id="9" fill="hold">
-                      <p:stCondLst>
-                        <p:cond delay="indefinite"/>
-                      </p:stCondLst>
-                      <p:childTnLst>
-                        <p:par>
-                          <p:cTn id="10" fill="hold">
-                            <p:stCondLst>
-                              <p:cond delay="0"/>
-                            </p:stCondLst>
-                            <p:childTnLst>
-                              <p:par>
-                                <p:cTn id="11" presetID="2" presetClass="entr" presetSubtype="8" fill="hold" nodeType="clickEffect">
-                                  <p:stCondLst>
-                                    <p:cond delay="0"/>
-                                  </p:stCondLst>
-                                  <p:childTnLst>
-                                    <p:set>
-                                      <p:cBhvr>
-                                        <p:cTn id="12" dur="1" fill="hold">
-                                          <p:stCondLst>
-                                            <p:cond delay="0"/>
-                                          </p:stCondLst>
-                                        </p:cTn>
-                                        <p:tgtEl>
-                                          <p:spTgt spid="3">
-                                            <p:txEl>
-                                              <p:pRg st="3" end="3"/>
-                                            </p:txEl>
-                                          </p:spTgt>
-                                        </p:tgtEl>
-                                        <p:attrNameLst>
-                                          <p:attrName>style.visibility</p:attrName>
-                                        </p:attrNameLst>
-                                      </p:cBhvr>
-                                      <p:to>
-                                        <p:strVal val="visible"/>
-                                      </p:to>
-                                    </p:set>
-                                    <p:anim calcmode="lin" valueType="num">
-                                      <p:cBhvr additive="base">
-                                        <p:cTn id="13" dur="500" fill="hold"/>
-                                        <p:tgtEl>
-                                          <p:spTgt spid="3">
-                                            <p:txEl>
-                                              <p:pRg st="3" end="3"/>
-                                            </p:txEl>
-                                          </p:spTgt>
-                                        </p:tgtEl>
-                                        <p:attrNameLst>
-                                          <p:attrName>ppt_x</p:attrName>
-                                        </p:attrNameLst>
-                                      </p:cBhvr>
-                                      <p:tavLst>
-                                        <p:tav tm="0">
-                                          <p:val>
-                                            <p:strVal val="0-#ppt_w/2"/>
-                                          </p:val>
-                                        </p:tav>
-                                        <p:tav tm="100000">
-                                          <p:val>
-                                            <p:strVal val="#ppt_x"/>
-                                          </p:val>
-                                        </p:tav>
-                                      </p:tavLst>
-                                    </p:anim>
-                                    <p:anim calcmode="lin" valueType="num">
-                                      <p:cBhvr additive="base">
-                                        <p:cTn id="14" dur="500" fill="hold"/>
-                                        <p:tgtEl>
-                                          <p:spTgt spid="3">
-                                            <p:txEl>
-                                              <p:pRg st="3" end="3"/>
-                                            </p:txEl>
-                                          </p:spTgt>
-                                        </p:tgtEl>
-                                        <p:attrNameLst>
-                                          <p:attrName>ppt_y</p:attrName>
-                                        </p:attrNameLst>
-                                      </p:cBhvr>
-                                      <p:tavLst>
-                                        <p:tav tm="0">
-                                          <p:val>
-                                            <p:strVal val="#ppt_y"/>
-                                          </p:val>
-                                        </p:tav>
-                                        <p:tav tm="100000">
-                                          <p:val>
-                                            <p:strVal val="#ppt_y"/>
-                                          </p:val>
-                                        </p:tav>
-                                      </p:tavLst>
-                                    </p:anim>
-                                  </p:childTnLst>
-                                </p:cTn>
-                              </p:par>
-                            </p:childTnLst>
-                          </p:cTn>
-                        </p:par>
-                      </p:childTnLst>
-                    </p:cTn>
-                  </p:par>
-                  <p:par>
-                    <p:cTn id="15" fill="hold">
-                      <p:stCondLst>
-                        <p:cond delay="indefinite"/>
-                      </p:stCondLst>
-                      <p:childTnLst>
-                        <p:par>
-                          <p:cTn id="16" fill="hold">
-                            <p:stCondLst>
-                              <p:cond delay="0"/>
-                            </p:stCondLst>
-                            <p:childTnLst>
-                              <p:par>
-                                <p:cTn id="17" presetID="2" presetClass="entr" presetSubtype="8" fill="hold" nodeType="clickEffect">
-                                  <p:stCondLst>
-                                    <p:cond delay="0"/>
-                                  </p:stCondLst>
-                                  <p:childTnLst>
-                                    <p:set>
-                                      <p:cBhvr>
-                                        <p:cTn id="18" dur="1" fill="hold">
-                                          <p:stCondLst>
-                                            <p:cond delay="0"/>
-                                          </p:stCondLst>
-                                        </p:cTn>
-                                        <p:tgtEl>
-                                          <p:spTgt spid="3">
-                                            <p:txEl>
-                                              <p:pRg st="6" end="6"/>
-                                            </p:txEl>
-                                          </p:spTgt>
-                                        </p:tgtEl>
-                                        <p:attrNameLst>
-                                          <p:attrName>style.visibility</p:attrName>
-                                        </p:attrNameLst>
-                                      </p:cBhvr>
-                                      <p:to>
-                                        <p:strVal val="visible"/>
-                                      </p:to>
-                                    </p:set>
-                                    <p:anim calcmode="lin" valueType="num">
-                                      <p:cBhvr additive="base">
-                                        <p:cTn id="19" dur="500" fill="hold"/>
-                                        <p:tgtEl>
-                                          <p:spTgt spid="3">
-                                            <p:txEl>
-                                              <p:pRg st="6" end="6"/>
-                                            </p:txEl>
-                                          </p:spTgt>
-                                        </p:tgtEl>
-                                        <p:attrNameLst>
-                                          <p:attrName>ppt_x</p:attrName>
-                                        </p:attrNameLst>
-                                      </p:cBhvr>
-                                      <p:tavLst>
-                                        <p:tav tm="0">
-                                          <p:val>
-                                            <p:strVal val="0-#ppt_w/2"/>
-                                          </p:val>
-                                        </p:tav>
-                                        <p:tav tm="100000">
-                                          <p:val>
-                                            <p:strVal val="#ppt_x"/>
-                                          </p:val>
-                                        </p:tav>
-                                      </p:tavLst>
-                                    </p:anim>
-                                    <p:anim calcmode="lin" valueType="num">
-                                      <p:cBhvr additive="base">
-                                        <p:cTn id="20" dur="500" fill="hold"/>
-                                        <p:tgtEl>
-                                          <p:spTgt spid="3">
-                                            <p:txEl>
-                                              <p:pRg st="6" end="6"/>
-                                            </p:txEl>
-                                          </p:spTgt>
+                                          <p:spTgt spid="5"/>
                                         </p:tgtEl>
                                         <p:attrNameLst>
                                           <p:attrName>ppt_y</p:attrName>
@@ -6015,11 +6207,14 @@
         </p:cTn>
       </p:par>
     </p:tnLst>
+    <p:bldLst>
+      <p:bldP spid="5" grpId="0"/>
+    </p:bldLst>
   </p:timing>
 </p:sld>
 </file>
 
-<file path=ppt/slides/slide6.xml><?xml version="1.0" encoding="utf-8"?>
+<file path=ppt/slides/slide5.xml><?xml version="1.0" encoding="utf-8"?>
 <p:sld xmlns:a="http://schemas.openxmlformats.org/drawingml/2006/main" xmlns:r="http://schemas.openxmlformats.org/officeDocument/2006/relationships" xmlns:p="http://schemas.openxmlformats.org/presentationml/2006/main">
   <p:cSld>
     <p:spTree>
@@ -6036,59 +6231,188 @@
           <a:chExt cx="0" cy="0"/>
         </a:xfrm>
       </p:grpSpPr>
-      <p:pic>
-        <p:nvPicPr>
-          <p:cNvPr id="1028" name="Picture 4" descr="undefined">
-            <a:extLst>
-              <a:ext uri="{FF2B5EF4-FFF2-40B4-BE49-F238E27FC236}">
-                <a16:creationId xmlns:a16="http://schemas.microsoft.com/office/drawing/2014/main" id="{A6F0D7E1-82B5-1B1E-EE11-180D4B32D697}"/>
-              </a:ext>
-            </a:extLst>
-          </p:cNvPr>
-          <p:cNvPicPr>
-            <a:picLocks noGrp="1" noRot="1" noChangeAspect="1" noMove="1" noResize="1" noEditPoints="1" noAdjustHandles="1" noChangeArrowheads="1" noChangeShapeType="1" noCrop="1"/>
-          </p:cNvPicPr>
+      <p:sp>
+        <p:nvSpPr>
+          <p:cNvPr id="2" name="Titel 1">
+            <a:extLst>
+              <a:ext uri="{FF2B5EF4-FFF2-40B4-BE49-F238E27FC236}">
+                <a16:creationId xmlns:a16="http://schemas.microsoft.com/office/drawing/2014/main" id="{A210C6BF-7C8B-D31D-01A4-A14F698433B9}"/>
+              </a:ext>
+            </a:extLst>
+          </p:cNvPr>
+          <p:cNvSpPr>
+            <a:spLocks noGrp="1"/>
+          </p:cNvSpPr>
+          <p:nvPr>
+            <p:ph type="title"/>
+          </p:nvPr>
+        </p:nvSpPr>
+        <p:spPr>
+          <a:xfrm>
+            <a:off x="838200" y="247650"/>
+            <a:ext cx="10515600" cy="1325563"/>
+          </a:xfrm>
+        </p:spPr>
+        <p:txBody>
+          <a:bodyPr/>
+          <a:lstStyle/>
+          <a:p>
+            <a:r>
+              <a:rPr lang="de-DE" dirty="0"/>
+              <a:t>Der Weg zum Ritter</a:t>
+            </a:r>
+          </a:p>
+        </p:txBody>
+      </p:sp>
+      <p:grpSp>
+        <p:nvGrpSpPr>
+          <p:cNvPr id="9" name="Gruppieren 8">
+            <a:extLst>
+              <a:ext uri="{FF2B5EF4-FFF2-40B4-BE49-F238E27FC236}">
+                <a16:creationId xmlns:a16="http://schemas.microsoft.com/office/drawing/2014/main" id="{6303986C-01C1-BC76-4254-73DD022E3AC9}"/>
+              </a:ext>
+            </a:extLst>
+          </p:cNvPr>
+          <p:cNvGrpSpPr/>
           <p:nvPr/>
-        </p:nvPicPr>
-        <p:blipFill>
-          <a:blip r:embed="rId2">
-            <a:extLst>
-              <a:ext uri="{28A0092B-C50C-407E-A947-70E740481C1C}">
-                <a14:useLocalDpi xmlns:a14="http://schemas.microsoft.com/office/drawing/2010/main" val="0"/>
-              </a:ext>
-            </a:extLst>
-          </a:blip>
-          <a:srcRect/>
-          <a:stretch>
-            <a:fillRect/>
-          </a:stretch>
-        </p:blipFill>
-        <p:spPr bwMode="auto">
+        </p:nvGrpSpPr>
+        <p:grpSpPr>
           <a:xfrm>
-            <a:off x="-262605" y="-304800"/>
-            <a:ext cx="12546321" cy="7467600"/>
+            <a:off x="838200" y="5086350"/>
+            <a:ext cx="10134600" cy="559832"/>
+            <a:chOff x="838200" y="3238500"/>
+            <a:chExt cx="10134600" cy="559832"/>
+          </a:xfrm>
+        </p:grpSpPr>
+        <p:sp>
+          <p:nvSpPr>
+            <p:cNvPr id="5" name="Rechteck 4">
+              <a:extLst>
+                <a:ext uri="{FF2B5EF4-FFF2-40B4-BE49-F238E27FC236}">
+                  <a16:creationId xmlns:a16="http://schemas.microsoft.com/office/drawing/2014/main" id="{86A3662C-8EC1-32F7-241C-61DC8D516458}"/>
+                </a:ext>
+              </a:extLst>
+            </p:cNvPr>
+            <p:cNvSpPr/>
+            <p:nvPr/>
+          </p:nvSpPr>
+          <p:spPr>
+            <a:xfrm>
+              <a:off x="838200" y="3238500"/>
+              <a:ext cx="10134600" cy="45719"/>
+            </a:xfrm>
+            <a:prstGeom prst="rect">
+              <a:avLst/>
+            </a:prstGeom>
+          </p:spPr>
+          <p:style>
+            <a:lnRef idx="2">
+              <a:schemeClr val="dk1">
+                <a:shade val="15000"/>
+              </a:schemeClr>
+            </a:lnRef>
+            <a:fillRef idx="1">
+              <a:schemeClr val="dk1"/>
+            </a:fillRef>
+            <a:effectRef idx="0">
+              <a:schemeClr val="dk1"/>
+            </a:effectRef>
+            <a:fontRef idx="minor">
+              <a:schemeClr val="lt1"/>
+            </a:fontRef>
+          </p:style>
+          <p:txBody>
+            <a:bodyPr rtlCol="0" anchor="ctr"/>
+            <a:lstStyle/>
+            <a:p>
+              <a:pPr algn="ctr"/>
+              <a:endParaRPr lang="de-DE"/>
+            </a:p>
+          </p:txBody>
+        </p:sp>
+        <p:sp>
+          <p:nvSpPr>
+            <p:cNvPr id="8" name="Textfeld 7">
+              <a:extLst>
+                <a:ext uri="{FF2B5EF4-FFF2-40B4-BE49-F238E27FC236}">
+                  <a16:creationId xmlns:a16="http://schemas.microsoft.com/office/drawing/2014/main" id="{F168CA0E-C375-3607-DA91-D431944267D5}"/>
+                </a:ext>
+              </a:extLst>
+            </p:cNvPr>
+            <p:cNvSpPr txBox="1"/>
+            <p:nvPr/>
+          </p:nvSpPr>
+          <p:spPr>
+            <a:xfrm>
+              <a:off x="838200" y="3429000"/>
+              <a:ext cx="10134600" cy="369332"/>
+            </a:xfrm>
+            <a:prstGeom prst="rect">
+              <a:avLst/>
+            </a:prstGeom>
+            <a:noFill/>
+          </p:spPr>
+          <p:txBody>
+            <a:bodyPr wrap="square" rtlCol="0">
+              <a:spAutoFit/>
+            </a:bodyPr>
+            <a:lstStyle/>
+            <a:p>
+              <a:r>
+                <a:rPr lang="de-DE" dirty="0"/>
+                <a:t>7 Jahre					14 Jahre				                   21 Jahre</a:t>
+              </a:r>
+            </a:p>
+          </p:txBody>
+        </p:sp>
+      </p:grpSp>
+      <p:sp>
+        <p:nvSpPr>
+          <p:cNvPr id="12" name="Textfeld 11">
+            <a:extLst>
+              <a:ext uri="{FF2B5EF4-FFF2-40B4-BE49-F238E27FC236}">
+                <a16:creationId xmlns:a16="http://schemas.microsoft.com/office/drawing/2014/main" id="{2E4B0D99-8BE1-F367-634B-785B17AEC180}"/>
+              </a:ext>
+            </a:extLst>
+          </p:cNvPr>
+          <p:cNvSpPr txBox="1"/>
+          <p:nvPr/>
+        </p:nvSpPr>
+        <p:spPr>
+          <a:xfrm>
+            <a:off x="952500" y="4084378"/>
+            <a:ext cx="1409700" cy="923330"/>
           </a:xfrm>
           <a:prstGeom prst="rect">
             <a:avLst/>
           </a:prstGeom>
           <a:noFill/>
-          <a:extLst>
-            <a:ext uri="{909E8E84-426E-40DD-AFC4-6F175D3DCCD1}">
-              <a14:hiddenFill xmlns:a14="http://schemas.microsoft.com/office/drawing/2010/main">
-                <a:solidFill>
-                  <a:srgbClr val="FFFFFF"/>
-                </a:solidFill>
-              </a14:hiddenFill>
-            </a:ext>
-          </a:extLst>
         </p:spPr>
-      </p:pic>
-      <p:sp>
-        <p:nvSpPr>
-          <p:cNvPr id="4" name="Textfeld 3">
-            <a:extLst>
-              <a:ext uri="{FF2B5EF4-FFF2-40B4-BE49-F238E27FC236}">
-                <a16:creationId xmlns:a16="http://schemas.microsoft.com/office/drawing/2014/main" id="{9317D597-A281-D241-5F0B-4312316BC4BE}"/>
+        <p:txBody>
+          <a:bodyPr wrap="square" rtlCol="0">
+            <a:spAutoFit/>
+          </a:bodyPr>
+          <a:lstStyle/>
+          <a:p>
+            <a:r>
+              <a:rPr lang="de-DE" dirty="0"/>
+              <a:t>Page</a:t>
+            </a:r>
+          </a:p>
+          <a:p>
+            <a:r>
+              <a:rPr lang="de-DE" dirty="0"/>
+              <a:t>TODO: Bild, Details</a:t>
+            </a:r>
+          </a:p>
+        </p:txBody>
+      </p:sp>
+      <p:sp>
+        <p:nvSpPr>
+          <p:cNvPr id="13" name="Textfeld 12">
+            <a:extLst>
+              <a:ext uri="{FF2B5EF4-FFF2-40B4-BE49-F238E27FC236}">
+                <a16:creationId xmlns:a16="http://schemas.microsoft.com/office/drawing/2014/main" id="{90FDCE8D-CA92-829F-1C61-2A0BFF93B20D}"/>
               </a:ext>
             </a:extLst>
           </p:cNvPr>
@@ -6097,16 +6421,13 @@
         </p:nvSpPr>
         <p:spPr>
           <a:xfrm>
-            <a:off x="2283539" y="2876280"/>
-            <a:ext cx="7624921" cy="830997"/>
+            <a:off x="5435600" y="3886021"/>
+            <a:ext cx="1320800" cy="1200329"/>
           </a:xfrm>
           <a:prstGeom prst="rect">
             <a:avLst/>
           </a:prstGeom>
           <a:noFill/>
-          <a:ln>
-            <a:noFill/>
-          </a:ln>
         </p:spPr>
         <p:txBody>
           <a:bodyPr wrap="square" rtlCol="0">
@@ -6114,20 +6435,56 @@
           </a:bodyPr>
           <a:lstStyle/>
           <a:p>
-            <a:pPr algn="ctr"/>
-            <a:r>
-              <a:rPr lang="de-AT" sz="4800" b="1" dirty="0">
-                <a:ln w="9525">
-                  <a:solidFill>
-                    <a:schemeClr val="tx1"/>
-                  </a:solidFill>
-                </a:ln>
-                <a:solidFill>
-                  <a:schemeClr val="bg1"/>
-                </a:solidFill>
-                <a:latin typeface="Old English Text MT" panose="03040902040508030806" pitchFamily="66" charset="0"/>
-              </a:rPr>
-              <a:t>Wer konnte Ritter werden?</a:t>
+            <a:r>
+              <a:rPr lang="de-DE" dirty="0"/>
+              <a:t>Knappe</a:t>
+            </a:r>
+          </a:p>
+          <a:p>
+            <a:r>
+              <a:rPr lang="de-DE" dirty="0"/>
+              <a:t>TODO: Bild, Details</a:t>
+            </a:r>
+          </a:p>
+        </p:txBody>
+      </p:sp>
+      <p:sp>
+        <p:nvSpPr>
+          <p:cNvPr id="14" name="Textfeld 13">
+            <a:extLst>
+              <a:ext uri="{FF2B5EF4-FFF2-40B4-BE49-F238E27FC236}">
+                <a16:creationId xmlns:a16="http://schemas.microsoft.com/office/drawing/2014/main" id="{853C5885-103D-8B79-430C-603BFA9C82CC}"/>
+              </a:ext>
+            </a:extLst>
+          </p:cNvPr>
+          <p:cNvSpPr txBox="1"/>
+          <p:nvPr/>
+        </p:nvSpPr>
+        <p:spPr>
+          <a:xfrm>
+            <a:off x="9525000" y="4018239"/>
+            <a:ext cx="1447800" cy="923330"/>
+          </a:xfrm>
+          <a:prstGeom prst="rect">
+            <a:avLst/>
+          </a:prstGeom>
+          <a:noFill/>
+        </p:spPr>
+        <p:txBody>
+          <a:bodyPr wrap="square" rtlCol="0">
+            <a:spAutoFit/>
+          </a:bodyPr>
+          <a:lstStyle/>
+          <a:p>
+            <a:r>
+              <a:rPr lang="de-DE" dirty="0"/>
+              <a:t>Ritterschlag</a:t>
+            </a:r>
+          </a:p>
+          <a:p>
+            <a:r>
+              <a:rPr lang="de-DE" dirty="0"/>
+              <a:t>TODO: Bild, Details</a:t>
             </a:r>
           </a:p>
         </p:txBody>
@@ -6135,504 +6492,13 @@
     </p:spTree>
     <p:extLst>
       <p:ext uri="{BB962C8B-B14F-4D97-AF65-F5344CB8AC3E}">
-        <p14:creationId xmlns:p14="http://schemas.microsoft.com/office/powerpoint/2010/main" val="81733058"/>
+        <p14:creationId xmlns:p14="http://schemas.microsoft.com/office/powerpoint/2010/main" val="719308788"/>
       </p:ext>
     </p:extLst>
   </p:cSld>
   <p:clrMapOvr>
     <a:masterClrMapping/>
   </p:clrMapOvr>
-  <p:transition spd="slow">
-    <p:push dir="u"/>
-  </p:transition>
-</p:sld>
-</file>
-
-<file path=ppt/slides/slide7.xml><?xml version="1.0" encoding="utf-8"?>
-<p:sld xmlns:a="http://schemas.openxmlformats.org/drawingml/2006/main" xmlns:r="http://schemas.openxmlformats.org/officeDocument/2006/relationships" xmlns:p="http://schemas.openxmlformats.org/presentationml/2006/main">
-  <p:cSld>
-    <p:spTree>
-      <p:nvGrpSpPr>
-        <p:cNvPr id="1" name="">
-          <a:extLst>
-            <a:ext uri="{FF2B5EF4-FFF2-40B4-BE49-F238E27FC236}">
-              <a16:creationId xmlns:a16="http://schemas.microsoft.com/office/drawing/2014/main" id="{922114AA-B606-5B41-C4B2-0F4A9BCD8986}"/>
-            </a:ext>
-          </a:extLst>
-        </p:cNvPr>
-        <p:cNvGrpSpPr/>
-        <p:nvPr/>
-      </p:nvGrpSpPr>
-      <p:grpSpPr>
-        <a:xfrm>
-          <a:off x="0" y="0"/>
-          <a:ext cx="0" cy="0"/>
-          <a:chOff x="0" y="0"/>
-          <a:chExt cx="0" cy="0"/>
-        </a:xfrm>
-      </p:grpSpPr>
-      <p:pic>
-        <p:nvPicPr>
-          <p:cNvPr id="1028" name="Picture 4" descr="undefined">
-            <a:extLst>
-              <a:ext uri="{FF2B5EF4-FFF2-40B4-BE49-F238E27FC236}">
-                <a16:creationId xmlns:a16="http://schemas.microsoft.com/office/drawing/2014/main" id="{EE5F3794-840A-ED62-4E6C-7F8FD92BAD75}"/>
-              </a:ext>
-            </a:extLst>
-          </p:cNvPr>
-          <p:cNvPicPr>
-            <a:picLocks noGrp="1" noRot="1" noChangeAspect="1" noMove="1" noResize="1" noEditPoints="1" noAdjustHandles="1" noChangeArrowheads="1" noChangeShapeType="1" noCrop="1"/>
-          </p:cNvPicPr>
-          <p:nvPr/>
-        </p:nvPicPr>
-        <p:blipFill>
-          <a:blip r:embed="rId2">
-            <a:extLst>
-              <a:ext uri="{BEBA8EAE-BF5A-486C-A8C5-ECC9F3942E4B}">
-                <a14:imgProps xmlns:a14="http://schemas.microsoft.com/office/drawing/2010/main">
-                  <a14:imgLayer r:embed="rId3">
-                    <a14:imgEffect>
-                      <a14:saturation sat="33000"/>
-                    </a14:imgEffect>
-                  </a14:imgLayer>
-                </a14:imgProps>
-              </a:ext>
-              <a:ext uri="{28A0092B-C50C-407E-A947-70E740481C1C}">
-                <a14:useLocalDpi xmlns:a14="http://schemas.microsoft.com/office/drawing/2010/main" val="0"/>
-              </a:ext>
-            </a:extLst>
-          </a:blip>
-          <a:srcRect/>
-          <a:stretch>
-            <a:fillRect/>
-          </a:stretch>
-        </p:blipFill>
-        <p:spPr bwMode="auto">
-          <a:xfrm>
-            <a:off x="-262605" y="-304800"/>
-            <a:ext cx="12546321" cy="7467600"/>
-          </a:xfrm>
-          <a:prstGeom prst="rect">
-            <a:avLst/>
-          </a:prstGeom>
-          <a:noFill/>
-          <a:extLst>
-            <a:ext uri="{909E8E84-426E-40DD-AFC4-6F175D3DCCD1}">
-              <a14:hiddenFill xmlns:a14="http://schemas.microsoft.com/office/drawing/2010/main">
-                <a:solidFill>
-                  <a:srgbClr val="FFFFFF"/>
-                </a:solidFill>
-              </a14:hiddenFill>
-            </a:ext>
-          </a:extLst>
-        </p:spPr>
-      </p:pic>
-      <p:sp>
-        <p:nvSpPr>
-          <p:cNvPr id="4" name="Textfeld 3">
-            <a:extLst>
-              <a:ext uri="{FF2B5EF4-FFF2-40B4-BE49-F238E27FC236}">
-                <a16:creationId xmlns:a16="http://schemas.microsoft.com/office/drawing/2014/main" id="{675B3B70-A94A-E241-249C-1B951BD09B5E}"/>
-              </a:ext>
-            </a:extLst>
-          </p:cNvPr>
-          <p:cNvSpPr txBox="1"/>
-          <p:nvPr/>
-        </p:nvSpPr>
-        <p:spPr>
-          <a:xfrm>
-            <a:off x="2283539" y="44450"/>
-            <a:ext cx="7624921" cy="830997"/>
-          </a:xfrm>
-          <a:prstGeom prst="rect">
-            <a:avLst/>
-          </a:prstGeom>
-          <a:noFill/>
-          <a:ln>
-            <a:noFill/>
-          </a:ln>
-        </p:spPr>
-        <p:txBody>
-          <a:bodyPr wrap="square" rtlCol="0">
-            <a:spAutoFit/>
-          </a:bodyPr>
-          <a:lstStyle/>
-          <a:p>
-            <a:pPr algn="ctr"/>
-            <a:r>
-              <a:rPr lang="de-AT" sz="4800" b="1" dirty="0">
-                <a:ln w="9525">
-                  <a:solidFill>
-                    <a:schemeClr val="tx1"/>
-                  </a:solidFill>
-                </a:ln>
-                <a:solidFill>
-                  <a:schemeClr val="bg1"/>
-                </a:solidFill>
-                <a:latin typeface="Old English Text MT" panose="03040902040508030806" pitchFamily="66" charset="0"/>
-              </a:rPr>
-              <a:t>Wer konnte Ritter werden?</a:t>
-            </a:r>
-          </a:p>
-        </p:txBody>
-      </p:sp>
-      <p:sp>
-        <p:nvSpPr>
-          <p:cNvPr id="2" name="Textfeld 1">
-            <a:extLst>
-              <a:ext uri="{FF2B5EF4-FFF2-40B4-BE49-F238E27FC236}">
-                <a16:creationId xmlns:a16="http://schemas.microsoft.com/office/drawing/2014/main" id="{34AF1495-F753-216E-EC47-2CE063121DE5}"/>
-              </a:ext>
-            </a:extLst>
-          </p:cNvPr>
-          <p:cNvSpPr txBox="1"/>
-          <p:nvPr/>
-        </p:nvSpPr>
-        <p:spPr>
-          <a:xfrm>
-            <a:off x="1195989" y="1809969"/>
-            <a:ext cx="6466051" cy="3539430"/>
-          </a:xfrm>
-          <a:prstGeom prst="rect">
-            <a:avLst/>
-          </a:prstGeom>
-          <a:noFill/>
-        </p:spPr>
-        <p:txBody>
-          <a:bodyPr wrap="square" rtlCol="0">
-            <a:spAutoFit/>
-          </a:bodyPr>
-          <a:lstStyle/>
-          <a:p>
-            <a:pPr marL="457200" indent="-457200">
-              <a:buFont typeface="Wingdings" panose="05000000000000000000" pitchFamily="2" charset="2"/>
-              <a:buChar char="Ø"/>
-            </a:pPr>
-            <a:r>
-              <a:rPr lang="de-AT" sz="3200" dirty="0">
-                <a:ln>
-                  <a:solidFill>
-                    <a:schemeClr val="bg1">
-                      <a:lumMod val="50000"/>
-                    </a:schemeClr>
-                  </a:solidFill>
-                </a:ln>
-                <a:solidFill>
-                  <a:schemeClr val="bg1"/>
-                </a:solidFill>
-              </a:rPr>
-              <a:t>Adelige Herkünfte</a:t>
-            </a:r>
-            <a:endParaRPr lang="en-US" sz="3200" dirty="0">
-              <a:ln>
-                <a:solidFill>
-                  <a:schemeClr val="bg1">
-                    <a:lumMod val="50000"/>
-                  </a:schemeClr>
-                </a:solidFill>
-              </a:ln>
-              <a:solidFill>
-                <a:schemeClr val="bg1"/>
-              </a:solidFill>
-            </a:endParaRPr>
-          </a:p>
-          <a:p>
-            <a:pPr marL="457200" indent="-457200">
-              <a:buFont typeface="Wingdings" panose="05000000000000000000" pitchFamily="2" charset="2"/>
-              <a:buChar char="Ø"/>
-            </a:pPr>
-            <a:endParaRPr lang="en-US" sz="3200" dirty="0">
-              <a:ln>
-                <a:solidFill>
-                  <a:schemeClr val="bg1">
-                    <a:lumMod val="50000"/>
-                  </a:schemeClr>
-                </a:solidFill>
-              </a:ln>
-              <a:solidFill>
-                <a:schemeClr val="bg1"/>
-              </a:solidFill>
-            </a:endParaRPr>
-          </a:p>
-          <a:p>
-            <a:pPr marL="457200" indent="-457200">
-              <a:buFont typeface="Wingdings" panose="05000000000000000000" pitchFamily="2" charset="2"/>
-              <a:buChar char="Ø"/>
-            </a:pPr>
-            <a:r>
-              <a:rPr lang="en-US" sz="3200" dirty="0" err="1">
-                <a:ln>
-                  <a:solidFill>
-                    <a:schemeClr val="bg1">
-                      <a:lumMod val="50000"/>
-                    </a:schemeClr>
-                  </a:solidFill>
-                </a:ln>
-                <a:solidFill>
-                  <a:schemeClr val="bg1"/>
-                </a:solidFill>
-              </a:rPr>
-              <a:t>Ausbildung</a:t>
-            </a:r>
-            <a:r>
-              <a:rPr lang="en-US" sz="3200" dirty="0">
-                <a:ln>
-                  <a:solidFill>
-                    <a:schemeClr val="bg1">
-                      <a:lumMod val="50000"/>
-                    </a:schemeClr>
-                  </a:solidFill>
-                </a:ln>
-                <a:solidFill>
-                  <a:schemeClr val="bg1"/>
-                </a:solidFill>
-              </a:rPr>
-              <a:t> </a:t>
-            </a:r>
-            <a:r>
-              <a:rPr lang="en-US" sz="3200" dirty="0" err="1">
-                <a:ln>
-                  <a:solidFill>
-                    <a:schemeClr val="bg1">
-                      <a:lumMod val="50000"/>
-                    </a:schemeClr>
-                  </a:solidFill>
-                </a:ln>
-                <a:solidFill>
-                  <a:schemeClr val="bg1"/>
-                </a:solidFill>
-              </a:rPr>
-              <a:t>als</a:t>
-            </a:r>
-            <a:r>
-              <a:rPr lang="en-US" sz="3200" dirty="0">
-                <a:ln>
-                  <a:solidFill>
-                    <a:schemeClr val="bg1">
-                      <a:lumMod val="50000"/>
-                    </a:schemeClr>
-                  </a:solidFill>
-                </a:ln>
-                <a:solidFill>
-                  <a:schemeClr val="bg1"/>
-                </a:solidFill>
-              </a:rPr>
-              <a:t> Page und </a:t>
-            </a:r>
-            <a:r>
-              <a:rPr lang="en-US" sz="3200" dirty="0" err="1">
-                <a:ln>
-                  <a:solidFill>
-                    <a:schemeClr val="bg1">
-                      <a:lumMod val="50000"/>
-                    </a:schemeClr>
-                  </a:solidFill>
-                </a:ln>
-                <a:solidFill>
-                  <a:schemeClr val="bg1"/>
-                </a:solidFill>
-              </a:rPr>
-              <a:t>Knappe</a:t>
-            </a:r>
-            <a:endParaRPr lang="en-US" sz="3200" dirty="0">
-              <a:ln>
-                <a:solidFill>
-                  <a:schemeClr val="bg1">
-                    <a:lumMod val="50000"/>
-                  </a:schemeClr>
-                </a:solidFill>
-              </a:ln>
-              <a:solidFill>
-                <a:schemeClr val="bg1"/>
-              </a:solidFill>
-            </a:endParaRPr>
-          </a:p>
-          <a:p>
-            <a:pPr marL="457200" indent="-457200">
-              <a:buFont typeface="Wingdings" panose="05000000000000000000" pitchFamily="2" charset="2"/>
-              <a:buChar char="Ø"/>
-            </a:pPr>
-            <a:endParaRPr lang="en-US" sz="3200" dirty="0">
-              <a:ln>
-                <a:solidFill>
-                  <a:schemeClr val="bg1">
-                    <a:lumMod val="50000"/>
-                  </a:schemeClr>
-                </a:solidFill>
-              </a:ln>
-              <a:solidFill>
-                <a:schemeClr val="bg1"/>
-              </a:solidFill>
-            </a:endParaRPr>
-          </a:p>
-          <a:p>
-            <a:pPr marL="457200" indent="-457200">
-              <a:buFont typeface="Wingdings" panose="05000000000000000000" pitchFamily="2" charset="2"/>
-              <a:buChar char="Ø"/>
-            </a:pPr>
-            <a:r>
-              <a:rPr lang="en-US" sz="3200" dirty="0" err="1">
-                <a:ln>
-                  <a:solidFill>
-                    <a:schemeClr val="bg1">
-                      <a:lumMod val="50000"/>
-                    </a:schemeClr>
-                  </a:solidFill>
-                </a:ln>
-                <a:solidFill>
-                  <a:schemeClr val="bg1"/>
-                </a:solidFill>
-              </a:rPr>
-              <a:t>Ritterschlag-Zeremonie</a:t>
-            </a:r>
-            <a:endParaRPr lang="en-US" sz="3200" dirty="0">
-              <a:ln>
-                <a:solidFill>
-                  <a:schemeClr val="bg1">
-                    <a:lumMod val="50000"/>
-                  </a:schemeClr>
-                </a:solidFill>
-              </a:ln>
-              <a:solidFill>
-                <a:schemeClr val="bg1"/>
-              </a:solidFill>
-            </a:endParaRPr>
-          </a:p>
-          <a:p>
-            <a:pPr marL="457200" indent="-457200">
-              <a:buFont typeface="Wingdings" panose="05000000000000000000" pitchFamily="2" charset="2"/>
-              <a:buChar char="Ø"/>
-            </a:pPr>
-            <a:endParaRPr lang="en-US" sz="3200" dirty="0">
-              <a:ln>
-                <a:solidFill>
-                  <a:schemeClr val="bg1">
-                    <a:lumMod val="50000"/>
-                  </a:schemeClr>
-                </a:solidFill>
-              </a:ln>
-              <a:solidFill>
-                <a:schemeClr val="bg1"/>
-              </a:solidFill>
-            </a:endParaRPr>
-          </a:p>
-          <a:p>
-            <a:pPr marL="457200" indent="-457200">
-              <a:buFont typeface="Wingdings" panose="05000000000000000000" pitchFamily="2" charset="2"/>
-              <a:buChar char="Ø"/>
-            </a:pPr>
-            <a:r>
-              <a:rPr lang="en-US" sz="3200" dirty="0" err="1">
-                <a:ln>
-                  <a:solidFill>
-                    <a:schemeClr val="bg1">
-                      <a:lumMod val="50000"/>
-                    </a:schemeClr>
-                  </a:solidFill>
-                </a:ln>
-                <a:solidFill>
-                  <a:schemeClr val="bg1"/>
-                </a:solidFill>
-              </a:rPr>
-              <a:t>Besondere</a:t>
-            </a:r>
-            <a:r>
-              <a:rPr lang="en-US" sz="3200" dirty="0">
-                <a:ln>
-                  <a:solidFill>
-                    <a:schemeClr val="bg1">
-                      <a:lumMod val="50000"/>
-                    </a:schemeClr>
-                  </a:solidFill>
-                </a:ln>
-                <a:solidFill>
-                  <a:schemeClr val="bg1"/>
-                </a:solidFill>
-              </a:rPr>
-              <a:t> </a:t>
-            </a:r>
-            <a:r>
-              <a:rPr lang="en-US" sz="3200" dirty="0" err="1">
-                <a:ln>
-                  <a:solidFill>
-                    <a:schemeClr val="bg1">
-                      <a:lumMod val="50000"/>
-                    </a:schemeClr>
-                  </a:solidFill>
-                </a:ln>
-                <a:solidFill>
-                  <a:schemeClr val="bg1"/>
-                </a:solidFill>
-              </a:rPr>
-              <a:t>fälle</a:t>
-            </a:r>
-            <a:r>
-              <a:rPr lang="en-US" sz="3200" dirty="0">
-                <a:ln>
-                  <a:solidFill>
-                    <a:schemeClr val="bg1">
-                      <a:lumMod val="50000"/>
-                    </a:schemeClr>
-                  </a:solidFill>
-                </a:ln>
-                <a:solidFill>
-                  <a:schemeClr val="bg1"/>
-                </a:solidFill>
-              </a:rPr>
-              <a:t> und </a:t>
-            </a:r>
-            <a:r>
-              <a:rPr lang="en-US" sz="3200" dirty="0" err="1">
-                <a:ln>
-                  <a:solidFill>
-                    <a:schemeClr val="bg1">
-                      <a:lumMod val="50000"/>
-                    </a:schemeClr>
-                  </a:solidFill>
-                </a:ln>
-                <a:solidFill>
-                  <a:schemeClr val="bg1"/>
-                </a:solidFill>
-              </a:rPr>
-              <a:t>vorderungen</a:t>
-            </a:r>
-            <a:endParaRPr lang="en-US" sz="3200" dirty="0">
-              <a:ln>
-                <a:solidFill>
-                  <a:schemeClr val="bg1">
-                    <a:lumMod val="50000"/>
-                  </a:schemeClr>
-                </a:solidFill>
-              </a:ln>
-              <a:solidFill>
-                <a:schemeClr val="bg1"/>
-              </a:solidFill>
-            </a:endParaRPr>
-          </a:p>
-        </p:txBody>
-      </p:sp>
-    </p:spTree>
-    <p:extLst>
-      <p:ext uri="{BB962C8B-B14F-4D97-AF65-F5344CB8AC3E}">
-        <p14:creationId xmlns:p14="http://schemas.microsoft.com/office/powerpoint/2010/main" val="1104726861"/>
-      </p:ext>
-    </p:extLst>
-  </p:cSld>
-  <p:clrMapOvr>
-    <a:masterClrMapping/>
-  </p:clrMapOvr>
-  <mc:AlternateContent xmlns:mc="http://schemas.openxmlformats.org/markup-compatibility/2006" xmlns:p159="http://schemas.microsoft.com/office/powerpoint/2015/09/main">
-    <mc:Choice Requires="p159">
-      <p:transition xmlns:p14="http://schemas.microsoft.com/office/powerpoint/2010/main" spd="slow" p14:dur="2000">
-        <p159:morph option="byObject"/>
-      </p:transition>
-    </mc:Choice>
-    <mc:Fallback xmlns="">
-      <p:transition spd="slow">
-        <p:fade/>
-      </p:transition>
-    </mc:Fallback>
-  </mc:AlternateContent>
   <p:timing>
     <p:tnLst>
       <p:par>
@@ -6654,7 +6520,7 @@
                             </p:stCondLst>
                             <p:childTnLst>
                               <p:par>
-                                <p:cTn id="5" presetID="2" presetClass="entr" presetSubtype="8" fill="hold" nodeType="clickEffect">
+                                <p:cTn id="5" presetID="1" presetClass="entr" presetSubtype="0" fill="hold" grpId="0" nodeType="clickEffect">
                                   <p:stCondLst>
                                     <p:cond delay="0"/>
                                   </p:stCondLst>
@@ -6667,11 +6533,7 @@
                                           </p:stCondLst>
                                         </p:cTn>
                                         <p:tgtEl>
-                                          <p:spTgt spid="2">
-                                            <p:txEl>
-                                              <p:pRg st="0" end="0"/>
-                                            </p:txEl>
-                                          </p:spTgt>
+                                          <p:spTgt spid="12"/>
                                         </p:tgtEl>
                                         <p:attrNameLst>
                                           <p:attrName>style.visibility</p:attrName>
@@ -6681,60 +6543,6 @@
                                         <p:strVal val="visible"/>
                                       </p:to>
                                     </p:set>
-                                    <p:anim calcmode="lin" valueType="num">
-                                      <p:cBhvr additive="base">
-                                        <p:cTn id="7" dur="500" fill="hold"/>
-                                        <p:tgtEl>
-                                          <p:spTgt spid="2">
-                                            <p:txEl>
-                                              <p:pRg st="0" end="0"/>
-                                            </p:txEl>
-                                          </p:spTgt>
-                                        </p:tgtEl>
-                                        <p:attrNameLst>
-                                          <p:attrName>ppt_x</p:attrName>
-                                        </p:attrNameLst>
-                                      </p:cBhvr>
-                                      <p:tavLst>
-                                        <p:tav tm="0">
-                                          <p:val>
-                                            <p:strVal val="0-#ppt_w/2"/>
-                                          </p:val>
-                                        </p:tav>
-                                        <p:tav tm="100000">
-                                          <p:val>
-                                            <p:strVal val="#ppt_x"/>
-                                          </p:val>
-                                        </p:tav>
-                                      </p:tavLst>
-                                    </p:anim>
-                                    <p:anim calcmode="lin" valueType="num">
-                                      <p:cBhvr additive="base">
-                                        <p:cTn id="8" dur="500" fill="hold"/>
-                                        <p:tgtEl>
-                                          <p:spTgt spid="2">
-                                            <p:txEl>
-                                              <p:pRg st="0" end="0"/>
-                                            </p:txEl>
-                                          </p:spTgt>
-                                        </p:tgtEl>
-                                        <p:attrNameLst>
-                                          <p:attrName>ppt_y</p:attrName>
-                                        </p:attrNameLst>
-                                      </p:cBhvr>
-                                      <p:tavLst>
-                                        <p:tav tm="0">
-                                          <p:val>
-                                            <p:strVal val="#ppt_y"/>
-                                          </p:val>
-                                        </p:tav>
-                                        <p:tav tm="100000">
-                                          <p:val>
-                                            <p:strVal val="#ppt_y"/>
-                                          </p:val>
-                                        </p:tav>
-                                      </p:tavLst>
-                                    </p:anim>
                                   </p:childTnLst>
                                 </p:cTn>
                               </p:par>
@@ -6745,36 +6553,32 @@
                     </p:cTn>
                   </p:par>
                   <p:par>
-                    <p:cTn id="9" fill="hold">
+                    <p:cTn id="7" fill="hold">
                       <p:stCondLst>
                         <p:cond delay="indefinite"/>
                       </p:stCondLst>
                       <p:childTnLst>
                         <p:par>
-                          <p:cTn id="10" fill="hold">
+                          <p:cTn id="8" fill="hold">
                             <p:stCondLst>
                               <p:cond delay="0"/>
                             </p:stCondLst>
                             <p:childTnLst>
                               <p:par>
-                                <p:cTn id="11" presetID="2" presetClass="entr" presetSubtype="8" fill="hold" nodeType="clickEffect">
+                                <p:cTn id="9" presetID="1" presetClass="entr" presetSubtype="0" fill="hold" grpId="0" nodeType="clickEffect">
                                   <p:stCondLst>
                                     <p:cond delay="0"/>
                                   </p:stCondLst>
                                   <p:childTnLst>
                                     <p:set>
                                       <p:cBhvr>
-                                        <p:cTn id="12" dur="1" fill="hold">
+                                        <p:cTn id="10" dur="1" fill="hold">
                                           <p:stCondLst>
                                             <p:cond delay="0"/>
                                           </p:stCondLst>
                                         </p:cTn>
                                         <p:tgtEl>
-                                          <p:spTgt spid="2">
-                                            <p:txEl>
-                                              <p:pRg st="2" end="2"/>
-                                            </p:txEl>
-                                          </p:spTgt>
+                                          <p:spTgt spid="13"/>
                                         </p:tgtEl>
                                         <p:attrNameLst>
                                           <p:attrName>style.visibility</p:attrName>
@@ -6784,60 +6588,6 @@
                                         <p:strVal val="visible"/>
                                       </p:to>
                                     </p:set>
-                                    <p:anim calcmode="lin" valueType="num">
-                                      <p:cBhvr additive="base">
-                                        <p:cTn id="13" dur="500" fill="hold"/>
-                                        <p:tgtEl>
-                                          <p:spTgt spid="2">
-                                            <p:txEl>
-                                              <p:pRg st="2" end="2"/>
-                                            </p:txEl>
-                                          </p:spTgt>
-                                        </p:tgtEl>
-                                        <p:attrNameLst>
-                                          <p:attrName>ppt_x</p:attrName>
-                                        </p:attrNameLst>
-                                      </p:cBhvr>
-                                      <p:tavLst>
-                                        <p:tav tm="0">
-                                          <p:val>
-                                            <p:strVal val="0-#ppt_w/2"/>
-                                          </p:val>
-                                        </p:tav>
-                                        <p:tav tm="100000">
-                                          <p:val>
-                                            <p:strVal val="#ppt_x"/>
-                                          </p:val>
-                                        </p:tav>
-                                      </p:tavLst>
-                                    </p:anim>
-                                    <p:anim calcmode="lin" valueType="num">
-                                      <p:cBhvr additive="base">
-                                        <p:cTn id="14" dur="500" fill="hold"/>
-                                        <p:tgtEl>
-                                          <p:spTgt spid="2">
-                                            <p:txEl>
-                                              <p:pRg st="2" end="2"/>
-                                            </p:txEl>
-                                          </p:spTgt>
-                                        </p:tgtEl>
-                                        <p:attrNameLst>
-                                          <p:attrName>ppt_y</p:attrName>
-                                        </p:attrNameLst>
-                                      </p:cBhvr>
-                                      <p:tavLst>
-                                        <p:tav tm="0">
-                                          <p:val>
-                                            <p:strVal val="#ppt_y"/>
-                                          </p:val>
-                                        </p:tav>
-                                        <p:tav tm="100000">
-                                          <p:val>
-                                            <p:strVal val="#ppt_y"/>
-                                          </p:val>
-                                        </p:tav>
-                                      </p:tavLst>
-                                    </p:anim>
                                   </p:childTnLst>
                                 </p:cTn>
                               </p:par>
@@ -6848,36 +6598,32 @@
                     </p:cTn>
                   </p:par>
                   <p:par>
-                    <p:cTn id="15" fill="hold">
+                    <p:cTn id="11" fill="hold">
                       <p:stCondLst>
                         <p:cond delay="indefinite"/>
                       </p:stCondLst>
                       <p:childTnLst>
                         <p:par>
-                          <p:cTn id="16" fill="hold">
+                          <p:cTn id="12" fill="hold">
                             <p:stCondLst>
                               <p:cond delay="0"/>
                             </p:stCondLst>
                             <p:childTnLst>
                               <p:par>
-                                <p:cTn id="17" presetID="2" presetClass="entr" presetSubtype="8" fill="hold" nodeType="clickEffect">
+                                <p:cTn id="13" presetID="1" presetClass="entr" presetSubtype="0" fill="hold" grpId="0" nodeType="clickEffect">
                                   <p:stCondLst>
                                     <p:cond delay="0"/>
                                   </p:stCondLst>
                                   <p:childTnLst>
                                     <p:set>
                                       <p:cBhvr>
-                                        <p:cTn id="18" dur="1" fill="hold">
+                                        <p:cTn id="14" dur="1" fill="hold">
                                           <p:stCondLst>
                                             <p:cond delay="0"/>
                                           </p:stCondLst>
                                         </p:cTn>
                                         <p:tgtEl>
-                                          <p:spTgt spid="2">
-                                            <p:txEl>
-                                              <p:pRg st="4" end="4"/>
-                                            </p:txEl>
-                                          </p:spTgt>
+                                          <p:spTgt spid="14"/>
                                         </p:tgtEl>
                                         <p:attrNameLst>
                                           <p:attrName>style.visibility</p:attrName>
@@ -6887,163 +6633,6 @@
                                         <p:strVal val="visible"/>
                                       </p:to>
                                     </p:set>
-                                    <p:anim calcmode="lin" valueType="num">
-                                      <p:cBhvr additive="base">
-                                        <p:cTn id="19" dur="500" fill="hold"/>
-                                        <p:tgtEl>
-                                          <p:spTgt spid="2">
-                                            <p:txEl>
-                                              <p:pRg st="4" end="4"/>
-                                            </p:txEl>
-                                          </p:spTgt>
-                                        </p:tgtEl>
-                                        <p:attrNameLst>
-                                          <p:attrName>ppt_x</p:attrName>
-                                        </p:attrNameLst>
-                                      </p:cBhvr>
-                                      <p:tavLst>
-                                        <p:tav tm="0">
-                                          <p:val>
-                                            <p:strVal val="0-#ppt_w/2"/>
-                                          </p:val>
-                                        </p:tav>
-                                        <p:tav tm="100000">
-                                          <p:val>
-                                            <p:strVal val="#ppt_x"/>
-                                          </p:val>
-                                        </p:tav>
-                                      </p:tavLst>
-                                    </p:anim>
-                                    <p:anim calcmode="lin" valueType="num">
-                                      <p:cBhvr additive="base">
-                                        <p:cTn id="20" dur="500" fill="hold"/>
-                                        <p:tgtEl>
-                                          <p:spTgt spid="2">
-                                            <p:txEl>
-                                              <p:pRg st="4" end="4"/>
-                                            </p:txEl>
-                                          </p:spTgt>
-                                        </p:tgtEl>
-                                        <p:attrNameLst>
-                                          <p:attrName>ppt_y</p:attrName>
-                                        </p:attrNameLst>
-                                      </p:cBhvr>
-                                      <p:tavLst>
-                                        <p:tav tm="0">
-                                          <p:val>
-                                            <p:strVal val="#ppt_y"/>
-                                          </p:val>
-                                        </p:tav>
-                                        <p:tav tm="100000">
-                                          <p:val>
-                                            <p:strVal val="#ppt_y"/>
-                                          </p:val>
-                                        </p:tav>
-                                      </p:tavLst>
-                                    </p:anim>
-                                  </p:childTnLst>
-                                </p:cTn>
-                              </p:par>
-                            </p:childTnLst>
-                          </p:cTn>
-                        </p:par>
-                      </p:childTnLst>
-                    </p:cTn>
-                  </p:par>
-                  <p:par>
-                    <p:cTn id="21" fill="hold">
-                      <p:stCondLst>
-                        <p:cond delay="indefinite"/>
-                      </p:stCondLst>
-                      <p:childTnLst>
-                        <p:par>
-                          <p:cTn id="22" fill="hold">
-                            <p:stCondLst>
-                              <p:cond delay="0"/>
-                            </p:stCondLst>
-                            <p:childTnLst>
-                              <p:par>
-                                <p:cTn id="23" presetID="2" presetClass="entr" presetSubtype="8" fill="hold" nodeType="clickEffect">
-                                  <p:stCondLst>
-                                    <p:cond delay="0"/>
-                                  </p:stCondLst>
-                                  <p:childTnLst>
-                                    <p:set>
-                                      <p:cBhvr>
-                                        <p:cTn id="24" dur="1" fill="hold">
-                                          <p:stCondLst>
-                                            <p:cond delay="0"/>
-                                          </p:stCondLst>
-                                        </p:cTn>
-                                        <p:tgtEl>
-                                          <p:spTgt spid="2">
-                                            <p:txEl>
-                                              <p:pRg st="6" end="6"/>
-                                            </p:txEl>
-                                          </p:spTgt>
-                                        </p:tgtEl>
-                                        <p:attrNameLst>
-                                          <p:attrName>style.visibility</p:attrName>
-                                        </p:attrNameLst>
-                                      </p:cBhvr>
-                                      <p:to>
-                                        <p:strVal val="visible"/>
-                                      </p:to>
-                                    </p:set>
-                                    <p:anim calcmode="lin" valueType="num">
-                                      <p:cBhvr additive="base">
-                                        <p:cTn id="25" dur="500" fill="hold"/>
-                                        <p:tgtEl>
-                                          <p:spTgt spid="2">
-                                            <p:txEl>
-                                              <p:pRg st="6" end="6"/>
-                                            </p:txEl>
-                                          </p:spTgt>
-                                        </p:tgtEl>
-                                        <p:attrNameLst>
-                                          <p:attrName>ppt_x</p:attrName>
-                                        </p:attrNameLst>
-                                      </p:cBhvr>
-                                      <p:tavLst>
-                                        <p:tav tm="0">
-                                          <p:val>
-                                            <p:strVal val="0-#ppt_w/2"/>
-                                          </p:val>
-                                        </p:tav>
-                                        <p:tav tm="100000">
-                                          <p:val>
-                                            <p:strVal val="#ppt_x"/>
-                                          </p:val>
-                                        </p:tav>
-                                      </p:tavLst>
-                                    </p:anim>
-                                    <p:anim calcmode="lin" valueType="num">
-                                      <p:cBhvr additive="base">
-                                        <p:cTn id="26" dur="500" fill="hold"/>
-                                        <p:tgtEl>
-                                          <p:spTgt spid="2">
-                                            <p:txEl>
-                                              <p:pRg st="6" end="6"/>
-                                            </p:txEl>
-                                          </p:spTgt>
-                                        </p:tgtEl>
-                                        <p:attrNameLst>
-                                          <p:attrName>ppt_y</p:attrName>
-                                        </p:attrNameLst>
-                                      </p:cBhvr>
-                                      <p:tavLst>
-                                        <p:tav tm="0">
-                                          <p:val>
-                                            <p:strVal val="#ppt_y"/>
-                                          </p:val>
-                                        </p:tav>
-                                        <p:tav tm="100000">
-                                          <p:val>
-                                            <p:strVal val="#ppt_y"/>
-                                          </p:val>
-                                        </p:tav>
-                                      </p:tavLst>
-                                    </p:anim>
                                   </p:childTnLst>
                                 </p:cTn>
                               </p:par>
@@ -7074,7 +6663,178 @@
         </p:cTn>
       </p:par>
     </p:tnLst>
+    <p:bldLst>
+      <p:bldP spid="12" grpId="0"/>
+      <p:bldP spid="13" grpId="0"/>
+      <p:bldP spid="14" grpId="0"/>
+    </p:bldLst>
   </p:timing>
+</p:sld>
+</file>
+
+<file path=ppt/slides/slide6.xml><?xml version="1.0" encoding="utf-8"?>
+<p:sld xmlns:a="http://schemas.openxmlformats.org/drawingml/2006/main" xmlns:r="http://schemas.openxmlformats.org/officeDocument/2006/relationships" xmlns:p="http://schemas.openxmlformats.org/presentationml/2006/main">
+  <p:cSld>
+    <p:spTree>
+      <p:nvGrpSpPr>
+        <p:cNvPr id="1" name=""/>
+        <p:cNvGrpSpPr/>
+        <p:nvPr/>
+      </p:nvGrpSpPr>
+      <p:grpSpPr>
+        <a:xfrm>
+          <a:off x="0" y="0"/>
+          <a:ext cx="0" cy="0"/>
+          <a:chOff x="0" y="0"/>
+          <a:chExt cx="0" cy="0"/>
+        </a:xfrm>
+      </p:grpSpPr>
+      <p:sp>
+        <p:nvSpPr>
+          <p:cNvPr id="2" name="Titel 1">
+            <a:extLst>
+              <a:ext uri="{FF2B5EF4-FFF2-40B4-BE49-F238E27FC236}">
+                <a16:creationId xmlns:a16="http://schemas.microsoft.com/office/drawing/2014/main" id="{A591E747-FEB7-1D69-7D41-80DFC48E73BD}"/>
+              </a:ext>
+            </a:extLst>
+          </p:cNvPr>
+          <p:cNvSpPr>
+            <a:spLocks noGrp="1"/>
+          </p:cNvSpPr>
+          <p:nvPr>
+            <p:ph type="title"/>
+          </p:nvPr>
+        </p:nvSpPr>
+        <p:spPr/>
+        <p:txBody>
+          <a:bodyPr/>
+          <a:lstStyle/>
+          <a:p>
+            <a:r>
+              <a:rPr lang="de-DE" dirty="0"/>
+              <a:t>Rüstung und Waffen</a:t>
+            </a:r>
+          </a:p>
+        </p:txBody>
+      </p:sp>
+      <p:sp>
+        <p:nvSpPr>
+          <p:cNvPr id="3" name="Inhaltsplatzhalter 2">
+            <a:extLst>
+              <a:ext uri="{FF2B5EF4-FFF2-40B4-BE49-F238E27FC236}">
+                <a16:creationId xmlns:a16="http://schemas.microsoft.com/office/drawing/2014/main" id="{B4B96FF8-8131-CA7B-8B5A-0E06FB478A66}"/>
+              </a:ext>
+            </a:extLst>
+          </p:cNvPr>
+          <p:cNvSpPr>
+            <a:spLocks noGrp="1"/>
+          </p:cNvSpPr>
+          <p:nvPr>
+            <p:ph idx="1"/>
+          </p:nvPr>
+        </p:nvSpPr>
+        <p:spPr/>
+        <p:txBody>
+          <a:bodyPr/>
+          <a:lstStyle/>
+          <a:p>
+            <a:endParaRPr lang="de-DE"/>
+          </a:p>
+        </p:txBody>
+      </p:sp>
+    </p:spTree>
+    <p:extLst>
+      <p:ext uri="{BB962C8B-B14F-4D97-AF65-F5344CB8AC3E}">
+        <p14:creationId xmlns:p14="http://schemas.microsoft.com/office/powerpoint/2010/main" val="1085933681"/>
+      </p:ext>
+    </p:extLst>
+  </p:cSld>
+  <p:clrMapOvr>
+    <a:masterClrMapping/>
+  </p:clrMapOvr>
+</p:sld>
+</file>
+
+<file path=ppt/slides/slide7.xml><?xml version="1.0" encoding="utf-8"?>
+<p:sld xmlns:a="http://schemas.openxmlformats.org/drawingml/2006/main" xmlns:r="http://schemas.openxmlformats.org/officeDocument/2006/relationships" xmlns:p="http://schemas.openxmlformats.org/presentationml/2006/main">
+  <p:cSld>
+    <p:spTree>
+      <p:nvGrpSpPr>
+        <p:cNvPr id="1" name=""/>
+        <p:cNvGrpSpPr/>
+        <p:nvPr/>
+      </p:nvGrpSpPr>
+      <p:grpSpPr>
+        <a:xfrm>
+          <a:off x="0" y="0"/>
+          <a:ext cx="0" cy="0"/>
+          <a:chOff x="0" y="0"/>
+          <a:chExt cx="0" cy="0"/>
+        </a:xfrm>
+      </p:grpSpPr>
+      <p:sp>
+        <p:nvSpPr>
+          <p:cNvPr id="2" name="Titel 1">
+            <a:extLst>
+              <a:ext uri="{FF2B5EF4-FFF2-40B4-BE49-F238E27FC236}">
+                <a16:creationId xmlns:a16="http://schemas.microsoft.com/office/drawing/2014/main" id="{FCFF1C82-4477-57FE-10BF-B9416C5D8439}"/>
+              </a:ext>
+            </a:extLst>
+          </p:cNvPr>
+          <p:cNvSpPr>
+            <a:spLocks noGrp="1"/>
+          </p:cNvSpPr>
+          <p:nvPr>
+            <p:ph type="title"/>
+          </p:nvPr>
+        </p:nvSpPr>
+        <p:spPr/>
+        <p:txBody>
+          <a:bodyPr/>
+          <a:lstStyle/>
+          <a:p>
+            <a:r>
+              <a:rPr lang="de-DE" dirty="0"/>
+              <a:t>Ehrenkodex und Leben</a:t>
+            </a:r>
+          </a:p>
+        </p:txBody>
+      </p:sp>
+      <p:sp>
+        <p:nvSpPr>
+          <p:cNvPr id="3" name="Inhaltsplatzhalter 2">
+            <a:extLst>
+              <a:ext uri="{FF2B5EF4-FFF2-40B4-BE49-F238E27FC236}">
+                <a16:creationId xmlns:a16="http://schemas.microsoft.com/office/drawing/2014/main" id="{2967FAD5-49C4-C372-6CB3-659C0665C903}"/>
+              </a:ext>
+            </a:extLst>
+          </p:cNvPr>
+          <p:cNvSpPr>
+            <a:spLocks noGrp="1"/>
+          </p:cNvSpPr>
+          <p:nvPr>
+            <p:ph idx="1"/>
+          </p:nvPr>
+        </p:nvSpPr>
+        <p:spPr/>
+        <p:txBody>
+          <a:bodyPr/>
+          <a:lstStyle/>
+          <a:p>
+            <a:endParaRPr lang="de-DE"/>
+          </a:p>
+        </p:txBody>
+      </p:sp>
+    </p:spTree>
+    <p:extLst>
+      <p:ext uri="{BB962C8B-B14F-4D97-AF65-F5344CB8AC3E}">
+        <p14:creationId xmlns:p14="http://schemas.microsoft.com/office/powerpoint/2010/main" val="983139501"/>
+      </p:ext>
+    </p:extLst>
+  </p:cSld>
+  <p:clrMapOvr>
+    <a:masterClrMapping/>
+  </p:clrMapOvr>
 </p:sld>
 </file>
 
@@ -7097,10 +6857,10 @@
       </p:grpSpPr>
       <p:sp>
         <p:nvSpPr>
-          <p:cNvPr id="2" name="Title 1">
-            <a:extLst>
-              <a:ext uri="{FF2B5EF4-FFF2-40B4-BE49-F238E27FC236}">
-                <a16:creationId xmlns:a16="http://schemas.microsoft.com/office/drawing/2014/main" id="{AFA647FF-9222-D065-0134-323321B76A26}"/>
+          <p:cNvPr id="2" name="Titel 1">
+            <a:extLst>
+              <a:ext uri="{FF2B5EF4-FFF2-40B4-BE49-F238E27FC236}">
+                <a16:creationId xmlns:a16="http://schemas.microsoft.com/office/drawing/2014/main" id="{359A797A-1B03-B4E4-C5F5-0517A3A043F5}"/>
               </a:ext>
             </a:extLst>
           </p:cNvPr>
@@ -7117,19 +6877,18 @@
           <a:lstStyle/>
           <a:p>
             <a:r>
-              <a:rPr lang="de-AT" dirty="0"/>
-              <a:t>Quellen</a:t>
-            </a:r>
-            <a:endParaRPr lang="en-GB" dirty="0"/>
-          </a:p>
-        </p:txBody>
-      </p:sp>
-      <p:sp>
-        <p:nvSpPr>
-          <p:cNvPr id="3" name="Content Placeholder 2">
-            <a:extLst>
-              <a:ext uri="{FF2B5EF4-FFF2-40B4-BE49-F238E27FC236}">
-                <a16:creationId xmlns:a16="http://schemas.microsoft.com/office/drawing/2014/main" id="{35374AAA-BB6D-F790-E897-7E8215369591}"/>
+              <a:rPr lang="de-DE" dirty="0"/>
+              <a:t>Der Ritterschlag</a:t>
+            </a:r>
+          </a:p>
+        </p:txBody>
+      </p:sp>
+      <p:sp>
+        <p:nvSpPr>
+          <p:cNvPr id="3" name="Inhaltsplatzhalter 2">
+            <a:extLst>
+              <a:ext uri="{FF2B5EF4-FFF2-40B4-BE49-F238E27FC236}">
+                <a16:creationId xmlns:a16="http://schemas.microsoft.com/office/drawing/2014/main" id="{CC4131DA-38B4-F5A5-BCAF-85DE659C021A}"/>
               </a:ext>
             </a:extLst>
           </p:cNvPr>
@@ -7145,29 +6904,14 @@
           <a:bodyPr/>
           <a:lstStyle/>
           <a:p>
-            <a:pPr marL="0" indent="0">
-              <a:buNone/>
-            </a:pPr>
-            <a:r>
-              <a:rPr lang="de-AT" dirty="0"/>
-              <a:t>Images:</a:t>
-            </a:r>
-          </a:p>
-          <a:p>
-            <a:pPr marL="0" indent="0">
-              <a:buNone/>
-            </a:pPr>
-            <a:r>
-              <a:rPr lang="de-AT" sz="1400" dirty="0"/>
-              <a:t>https://www.bing.com/images/search?view=detailV2&amp;ccid=6t6eXuMf&amp;id=9AF4C01913AE3EC57B0E87998E399319F94042E4&amp;thid=OIP.6t6eXuMfgkotnLw0aO5bbgHaEo&amp;mediaurl=https%3a%2f%2fwallpapercave.com%2fwp%2fwp3318150.jpg&amp;cdnurl=https%3a%2f%2fth.bing.com%2fth%2fid%2fR.eade9e5ee31f824a2d9cbc3468ee5b6e%3frik%3d5EJA%252bRmTOY6Zhw%26pid%3dImgRaw%26r%3d0&amp;exph=1200&amp;expw=1920&amp;q=epic+knight+images&amp;simid=608014512092969012&amp;FORM=IRPRST&amp;ck=AA9F2D68D3919524B9263933E83F8A63&amp;selectedIndex=5&amp;itb=0&amp;ajaxhist=0&amp;ajaxserp=0</a:t>
-            </a:r>
+            <a:endParaRPr lang="de-DE"/>
           </a:p>
         </p:txBody>
       </p:sp>
     </p:spTree>
     <p:extLst>
       <p:ext uri="{BB962C8B-B14F-4D97-AF65-F5344CB8AC3E}">
-        <p14:creationId xmlns:p14="http://schemas.microsoft.com/office/powerpoint/2010/main" val="3514738801"/>
+        <p14:creationId xmlns:p14="http://schemas.microsoft.com/office/powerpoint/2010/main" val="1209888971"/>
       </p:ext>
     </p:extLst>
   </p:cSld>
